--- a/Disser/Presentation/DUBNAPresentationX.pptx
+++ b/Disser/Presentation/DUBNAPresentationX.pptx
@@ -22,11 +22,11 @@
     <p:sldId id="320" r:id="rId13"/>
     <p:sldId id="321" r:id="rId14"/>
     <p:sldId id="322" r:id="rId15"/>
-    <p:sldId id="323" r:id="rId16"/>
-    <p:sldId id="324" r:id="rId17"/>
-    <p:sldId id="328" r:id="rId18"/>
-    <p:sldId id="325" r:id="rId19"/>
-    <p:sldId id="300" r:id="rId20"/>
+    <p:sldId id="325" r:id="rId16"/>
+    <p:sldId id="300" r:id="rId17"/>
+    <p:sldId id="323" r:id="rId18"/>
+    <p:sldId id="324" r:id="rId19"/>
+    <p:sldId id="328" r:id="rId20"/>
     <p:sldId id="326" r:id="rId21"/>
     <p:sldId id="327" r:id="rId22"/>
     <p:sldId id="329" r:id="rId23"/>
@@ -6813,7 +6813,7 @@
             <a:fld id="{8498BBCD-A9EC-4E07-A698-E7B8B2576754}" type="datetimeFigureOut">
               <a:rPr lang="ru-RU" smtClean="0"/>
               <a:pPr/>
-              <a:t>14.04.16</a:t>
+              <a:t>15.04.16</a:t>
             </a:fld>
             <a:endParaRPr lang="ru-RU"/>
           </a:p>
@@ -7250,10 +7250,24 @@
         </p:nvSpPr>
         <p:spPr/>
         <p:txBody>
-          <a:bodyPr/>
+          <a:bodyPr>
+            <a:normAutofit fontScale="92500"/>
+          </a:bodyPr>
           <a:lstStyle/>
           <a:p>
             <a:r>
+              <a:rPr lang="ru-RU" sz="1200" kern="1200" dirty="0" smtClean="0">
+                <a:solidFill>
+                  <a:schemeClr val="tx1"/>
+                </a:solidFill>
+                <a:effectLst/>
+                <a:latin typeface="+mn-lt"/>
+                <a:ea typeface="+mn-ea"/>
+                <a:cs typeface="+mn-cs"/>
+              </a:rPr>
+              <a:t>Исследования в области интеллектуальных систем повышения </a:t>
+            </a:r>
+            <a:r>
               <a:rPr lang="ru-RU" sz="1200" kern="1200" dirty="0" err="1" smtClean="0">
                 <a:solidFill>
                   <a:schemeClr val="tx1"/>
@@ -7263,7 +7277,7 @@
                 <a:ea typeface="+mn-ea"/>
                 <a:cs typeface="+mn-cs"/>
               </a:rPr>
-              <a:t>руктуры</a:t>
+              <a:t>эффек</a:t>
             </a:r>
             <a:r>
               <a:rPr lang="ru-RU" sz="1200" kern="1200" dirty="0" smtClean="0">
@@ -7275,463 +7289,1171 @@
                 <a:ea typeface="+mn-ea"/>
                 <a:cs typeface="+mn-cs"/>
               </a:rPr>
+              <a:t>- </a:t>
+            </a:r>
+            <a:r>
+              <a:rPr lang="ru-RU" sz="1200" kern="1200" dirty="0" err="1" smtClean="0">
+                <a:solidFill>
+                  <a:schemeClr val="tx1"/>
+                </a:solidFill>
+                <a:effectLst/>
+                <a:latin typeface="+mn-lt"/>
+                <a:ea typeface="+mn-ea"/>
+                <a:cs typeface="+mn-cs"/>
+              </a:rPr>
+              <a:t>тивности</a:t>
+            </a:r>
+            <a:r>
+              <a:rPr lang="ru-RU" sz="1200" kern="1200" dirty="0" smtClean="0">
+                <a:solidFill>
+                  <a:schemeClr val="tx1"/>
+                </a:solidFill>
+                <a:effectLst/>
+                <a:latin typeface="+mn-lt"/>
+                <a:ea typeface="+mn-ea"/>
+                <a:cs typeface="+mn-cs"/>
+              </a:rPr>
+              <a:t> ИТ-службы предприятия ведутся также лидерами отрасли: </a:t>
+            </a:r>
+            <a:r>
+              <a:rPr lang="ru-RU" sz="1200" kern="1200" dirty="0" err="1" smtClean="0">
+                <a:solidFill>
+                  <a:schemeClr val="tx1"/>
+                </a:solidFill>
+                <a:effectLst/>
+                <a:latin typeface="+mn-lt"/>
+                <a:ea typeface="+mn-ea"/>
+                <a:cs typeface="+mn-cs"/>
+              </a:rPr>
+              <a:t>компани</a:t>
+            </a:r>
+            <a:r>
+              <a:rPr lang="ru-RU" sz="1200" kern="1200" dirty="0" smtClean="0">
+                <a:solidFill>
+                  <a:schemeClr val="tx1"/>
+                </a:solidFill>
+                <a:effectLst/>
+                <a:latin typeface="+mn-lt"/>
+                <a:ea typeface="+mn-ea"/>
+                <a:cs typeface="+mn-cs"/>
+              </a:rPr>
+              <a:t>- </a:t>
+            </a:r>
+            <a:r>
+              <a:rPr lang="ru-RU" sz="1200" kern="1200" dirty="0" err="1" smtClean="0">
+                <a:solidFill>
+                  <a:schemeClr val="tx1"/>
+                </a:solidFill>
+                <a:effectLst/>
+                <a:latin typeface="+mn-lt"/>
+                <a:ea typeface="+mn-ea"/>
+                <a:cs typeface="+mn-cs"/>
+              </a:rPr>
+              <a:t>ями</a:t>
+            </a:r>
+            <a:r>
+              <a:rPr lang="ru-RU" sz="1200" kern="1200" dirty="0" smtClean="0">
+                <a:solidFill>
+                  <a:schemeClr val="tx1"/>
+                </a:solidFill>
+                <a:effectLst/>
+                <a:latin typeface="+mn-lt"/>
+                <a:ea typeface="+mn-ea"/>
+                <a:cs typeface="+mn-cs"/>
+              </a:rPr>
+              <a:t> HP 1 и IBM 2. Например, известна многоцелевая интеллектуальная система IBM </a:t>
+            </a:r>
+            <a:r>
+              <a:rPr lang="ru-RU" sz="1200" kern="1200" dirty="0" err="1" smtClean="0">
+                <a:solidFill>
+                  <a:schemeClr val="tx1"/>
+                </a:solidFill>
+                <a:effectLst/>
+                <a:latin typeface="+mn-lt"/>
+                <a:ea typeface="+mn-ea"/>
+                <a:cs typeface="+mn-cs"/>
+              </a:rPr>
+              <a:t>Watson</a:t>
+            </a:r>
+            <a:r>
+              <a:rPr lang="ru-RU" sz="1200" kern="1200" dirty="0" smtClean="0">
+                <a:solidFill>
+                  <a:schemeClr val="tx1"/>
+                </a:solidFill>
+                <a:effectLst/>
+                <a:latin typeface="+mn-lt"/>
+                <a:ea typeface="+mn-ea"/>
+                <a:cs typeface="+mn-cs"/>
+              </a:rPr>
+              <a:t>, </a:t>
+            </a:r>
+            <a:r>
+              <a:rPr lang="ru-RU" sz="1200" kern="1200" dirty="0" err="1" smtClean="0">
+                <a:solidFill>
+                  <a:schemeClr val="tx1"/>
+                </a:solidFill>
+                <a:effectLst/>
+                <a:latin typeface="+mn-lt"/>
+                <a:ea typeface="+mn-ea"/>
+                <a:cs typeface="+mn-cs"/>
+              </a:rPr>
+              <a:t>разработкои</a:t>
+            </a:r>
+            <a:r>
+              <a:rPr lang="ru-RU" sz="1200" kern="1200" dirty="0" smtClean="0">
+                <a:solidFill>
+                  <a:schemeClr val="tx1"/>
+                </a:solidFill>
+                <a:effectLst/>
+                <a:latin typeface="+mn-lt"/>
+                <a:ea typeface="+mn-ea"/>
+                <a:cs typeface="+mn-cs"/>
+              </a:rPr>
+              <a:t>̆ и исследованием </a:t>
+            </a:r>
+            <a:r>
+              <a:rPr lang="ru-RU" sz="1200" kern="1200" dirty="0" err="1" smtClean="0">
+                <a:solidFill>
+                  <a:schemeClr val="tx1"/>
+                </a:solidFill>
+                <a:effectLst/>
+                <a:latin typeface="+mn-lt"/>
+                <a:ea typeface="+mn-ea"/>
+                <a:cs typeface="+mn-cs"/>
+              </a:rPr>
+              <a:t>которои</a:t>
+            </a:r>
+            <a:r>
+              <a:rPr lang="ru-RU" sz="1200" kern="1200" dirty="0" smtClean="0">
+                <a:solidFill>
+                  <a:schemeClr val="tx1"/>
+                </a:solidFill>
+                <a:effectLst/>
+                <a:latin typeface="+mn-lt"/>
+                <a:ea typeface="+mn-ea"/>
+                <a:cs typeface="+mn-cs"/>
+              </a:rPr>
+              <a:t>̆ занимается группа под </a:t>
+            </a:r>
+            <a:r>
+              <a:rPr lang="ru-RU" sz="1200" kern="1200" dirty="0" err="1" smtClean="0">
+                <a:solidFill>
+                  <a:schemeClr val="tx1"/>
+                </a:solidFill>
+                <a:effectLst/>
+                <a:latin typeface="+mn-lt"/>
+                <a:ea typeface="+mn-ea"/>
+                <a:cs typeface="+mn-cs"/>
+              </a:rPr>
+              <a:t>ру</a:t>
+            </a:r>
+            <a:r>
+              <a:rPr lang="ru-RU" sz="1200" kern="1200" dirty="0" smtClean="0">
+                <a:solidFill>
+                  <a:schemeClr val="tx1"/>
+                </a:solidFill>
+                <a:effectLst/>
+                <a:latin typeface="+mn-lt"/>
+                <a:ea typeface="+mn-ea"/>
+                <a:cs typeface="+mn-cs"/>
+              </a:rPr>
+              <a:t>- </a:t>
+            </a:r>
+            <a:r>
+              <a:rPr lang="ru-RU" sz="1200" kern="1200" dirty="0" err="1" smtClean="0">
+                <a:solidFill>
+                  <a:schemeClr val="tx1"/>
+                </a:solidFill>
+                <a:effectLst/>
+                <a:latin typeface="+mn-lt"/>
+                <a:ea typeface="+mn-ea"/>
+                <a:cs typeface="+mn-cs"/>
+              </a:rPr>
+              <a:t>ководством</a:t>
+            </a:r>
+            <a:r>
+              <a:rPr lang="ru-RU" sz="1200" kern="1200" dirty="0" smtClean="0">
+                <a:solidFill>
+                  <a:schemeClr val="tx1"/>
+                </a:solidFill>
+                <a:effectLst/>
+                <a:latin typeface="+mn-lt"/>
+                <a:ea typeface="+mn-ea"/>
+                <a:cs typeface="+mn-cs"/>
+              </a:rPr>
+              <a:t> профессора А. </a:t>
+            </a:r>
+            <a:r>
+              <a:rPr lang="ru-RU" sz="1200" kern="1200" dirty="0" err="1" smtClean="0">
+                <a:solidFill>
+                  <a:schemeClr val="tx1"/>
+                </a:solidFill>
+                <a:effectLst/>
+                <a:latin typeface="+mn-lt"/>
+                <a:ea typeface="+mn-ea"/>
+                <a:cs typeface="+mn-cs"/>
+              </a:rPr>
+              <a:t>Гоэля</a:t>
+            </a:r>
+            <a:r>
+              <a:rPr lang="ru-RU" sz="1200" kern="1200" dirty="0" smtClean="0">
+                <a:solidFill>
+                  <a:schemeClr val="tx1"/>
+                </a:solidFill>
+                <a:effectLst/>
+                <a:latin typeface="+mn-lt"/>
+                <a:ea typeface="+mn-ea"/>
+                <a:cs typeface="+mn-cs"/>
+              </a:rPr>
+              <a:t>. </a:t>
+            </a:r>
+          </a:p>
+          <a:p>
+            <a:endParaRPr lang="ru-RU" dirty="0" smtClean="0"/>
+          </a:p>
+          <a:p>
+            <a:r>
+              <a:rPr lang="ru-RU" sz="1200" kern="1200" dirty="0" smtClean="0">
+                <a:solidFill>
+                  <a:schemeClr val="tx1"/>
+                </a:solidFill>
+                <a:effectLst/>
+                <a:latin typeface="+mn-lt"/>
+                <a:ea typeface="+mn-ea"/>
+                <a:cs typeface="+mn-cs"/>
+              </a:rPr>
+              <a:t>Еще одно из направлений исследований в области обработки естествен- </a:t>
+            </a:r>
+            <a:r>
+              <a:rPr lang="ru-RU" sz="1200" kern="1200" dirty="0" err="1" smtClean="0">
+                <a:solidFill>
+                  <a:schemeClr val="tx1"/>
+                </a:solidFill>
+                <a:effectLst/>
+                <a:latin typeface="+mn-lt"/>
+                <a:ea typeface="+mn-ea"/>
+                <a:cs typeface="+mn-cs"/>
+              </a:rPr>
+              <a:t>ного</a:t>
+            </a:r>
+            <a:r>
+              <a:rPr lang="ru-RU" sz="1200" kern="1200" dirty="0" smtClean="0">
+                <a:solidFill>
+                  <a:schemeClr val="tx1"/>
+                </a:solidFill>
+                <a:effectLst/>
+                <a:latin typeface="+mn-lt"/>
+                <a:ea typeface="+mn-ea"/>
+                <a:cs typeface="+mn-cs"/>
+              </a:rPr>
+              <a:t> языка составляет подход GATE 3, </a:t>
+            </a:r>
+            <a:r>
+              <a:rPr lang="ru-RU" sz="1200" kern="1200" dirty="0" err="1" smtClean="0">
+                <a:solidFill>
+                  <a:schemeClr val="tx1"/>
+                </a:solidFill>
+                <a:effectLst/>
+                <a:latin typeface="+mn-lt"/>
+                <a:ea typeface="+mn-ea"/>
+                <a:cs typeface="+mn-cs"/>
+              </a:rPr>
+              <a:t>которыи</a:t>
+            </a:r>
+            <a:r>
+              <a:rPr lang="ru-RU" sz="1200" kern="1200" dirty="0" smtClean="0">
+                <a:solidFill>
+                  <a:schemeClr val="tx1"/>
+                </a:solidFill>
+                <a:effectLst/>
+                <a:latin typeface="+mn-lt"/>
+                <a:ea typeface="+mn-ea"/>
+                <a:cs typeface="+mn-cs"/>
+              </a:rPr>
+              <a:t>̆ активно развивается в </a:t>
+            </a:r>
+            <a:r>
+              <a:rPr lang="ru-RU" sz="1200" kern="1200" dirty="0" err="1" smtClean="0">
+                <a:solidFill>
+                  <a:schemeClr val="tx1"/>
+                </a:solidFill>
+                <a:effectLst/>
+                <a:latin typeface="+mn-lt"/>
+                <a:ea typeface="+mn-ea"/>
+                <a:cs typeface="+mn-cs"/>
+              </a:rPr>
+              <a:t>универ</a:t>
+            </a:r>
+            <a:r>
+              <a:rPr lang="ru-RU" sz="1200" kern="1200" dirty="0" smtClean="0">
+                <a:solidFill>
+                  <a:schemeClr val="tx1"/>
+                </a:solidFill>
+                <a:effectLst/>
+                <a:latin typeface="+mn-lt"/>
+                <a:ea typeface="+mn-ea"/>
+                <a:cs typeface="+mn-cs"/>
+              </a:rPr>
+              <a:t>- </a:t>
+            </a:r>
+            <a:r>
+              <a:rPr lang="ru-RU" sz="1200" kern="1200" dirty="0" err="1" smtClean="0">
+                <a:solidFill>
+                  <a:schemeClr val="tx1"/>
+                </a:solidFill>
+                <a:effectLst/>
+                <a:latin typeface="+mn-lt"/>
+                <a:ea typeface="+mn-ea"/>
+                <a:cs typeface="+mn-cs"/>
+              </a:rPr>
+              <a:t>ситете</a:t>
+            </a:r>
+            <a:r>
+              <a:rPr lang="ru-RU" sz="1200" kern="1200" dirty="0" smtClean="0">
+                <a:solidFill>
+                  <a:schemeClr val="tx1"/>
+                </a:solidFill>
+                <a:effectLst/>
+                <a:latin typeface="+mn-lt"/>
+                <a:ea typeface="+mn-ea"/>
+                <a:cs typeface="+mn-cs"/>
+              </a:rPr>
+              <a:t> Шеффилда (Великобритания) под руководством Г. </a:t>
+            </a:r>
+            <a:r>
+              <a:rPr lang="ru-RU" sz="1200" kern="1200" dirty="0" err="1" smtClean="0">
+                <a:solidFill>
+                  <a:schemeClr val="tx1"/>
+                </a:solidFill>
+                <a:effectLst/>
+                <a:latin typeface="+mn-lt"/>
+                <a:ea typeface="+mn-ea"/>
+                <a:cs typeface="+mn-cs"/>
+              </a:rPr>
+              <a:t>Каллаган</a:t>
+            </a:r>
+            <a:r>
+              <a:rPr lang="ru-RU" sz="1200" kern="1200" dirty="0" smtClean="0">
+                <a:solidFill>
+                  <a:schemeClr val="tx1"/>
+                </a:solidFill>
+                <a:effectLst/>
+                <a:latin typeface="+mn-lt"/>
+                <a:ea typeface="+mn-ea"/>
+                <a:cs typeface="+mn-cs"/>
+              </a:rPr>
+              <a:t>, Л. </a:t>
+            </a:r>
+            <a:r>
+              <a:rPr lang="ru-RU" sz="1200" kern="1200" dirty="0" err="1" smtClean="0">
+                <a:solidFill>
+                  <a:schemeClr val="tx1"/>
+                </a:solidFill>
+                <a:effectLst/>
+                <a:latin typeface="+mn-lt"/>
+                <a:ea typeface="+mn-ea"/>
+                <a:cs typeface="+mn-cs"/>
+              </a:rPr>
+              <a:t>Моф</a:t>
+            </a:r>
+            <a:r>
+              <a:rPr lang="ru-RU" sz="1200" kern="1200" dirty="0" smtClean="0">
+                <a:solidFill>
+                  <a:schemeClr val="tx1"/>
+                </a:solidFill>
+                <a:effectLst/>
+                <a:latin typeface="+mn-lt"/>
+                <a:ea typeface="+mn-ea"/>
+                <a:cs typeface="+mn-cs"/>
+              </a:rPr>
+              <a:t>- фат и С. </a:t>
+            </a:r>
+            <a:r>
+              <a:rPr lang="ru-RU" sz="1200" kern="1200" dirty="0" err="1" smtClean="0">
+                <a:solidFill>
+                  <a:schemeClr val="tx1"/>
+                </a:solidFill>
+                <a:effectLst/>
+                <a:latin typeface="+mn-lt"/>
+                <a:ea typeface="+mn-ea"/>
+                <a:cs typeface="+mn-cs"/>
+              </a:rPr>
+              <a:t>Сзаз</a:t>
+            </a:r>
+            <a:r>
+              <a:rPr lang="ru-RU" sz="1200" kern="1200" dirty="0" smtClean="0">
+                <a:solidFill>
+                  <a:schemeClr val="tx1"/>
+                </a:solidFill>
+                <a:effectLst/>
+                <a:latin typeface="+mn-lt"/>
+                <a:ea typeface="+mn-ea"/>
+                <a:cs typeface="+mn-cs"/>
+              </a:rPr>
+              <a:t>. Другое направление — это </a:t>
+            </a:r>
+            <a:r>
+              <a:rPr lang="ru-RU" sz="1200" kern="1200" dirty="0" err="1" smtClean="0">
+                <a:solidFill>
+                  <a:schemeClr val="tx1"/>
+                </a:solidFill>
+                <a:effectLst/>
+                <a:latin typeface="+mn-lt"/>
+                <a:ea typeface="+mn-ea"/>
+                <a:cs typeface="+mn-cs"/>
+              </a:rPr>
+              <a:t>семантическии</a:t>
+            </a:r>
+            <a:r>
+              <a:rPr lang="ru-RU" sz="1200" kern="1200" dirty="0" smtClean="0">
+                <a:solidFill>
+                  <a:schemeClr val="tx1"/>
+                </a:solidFill>
+                <a:effectLst/>
+                <a:latin typeface="+mn-lt"/>
+                <a:ea typeface="+mn-ea"/>
+                <a:cs typeface="+mn-cs"/>
+              </a:rPr>
+              <a:t>̆ поиск, исследования в </a:t>
+            </a:r>
+            <a:r>
+              <a:rPr lang="ru-RU" sz="1200" kern="1200" dirty="0" err="1" smtClean="0">
+                <a:solidFill>
+                  <a:schemeClr val="tx1"/>
+                </a:solidFill>
+                <a:effectLst/>
+                <a:latin typeface="+mn-lt"/>
+                <a:ea typeface="+mn-ea"/>
+                <a:cs typeface="+mn-cs"/>
+              </a:rPr>
+              <a:t>этои</a:t>
+            </a:r>
+            <a:r>
+              <a:rPr lang="ru-RU" sz="1200" kern="1200" dirty="0" smtClean="0">
+                <a:solidFill>
+                  <a:schemeClr val="tx1"/>
+                </a:solidFill>
+                <a:effectLst/>
+                <a:latin typeface="+mn-lt"/>
+                <a:ea typeface="+mn-ea"/>
+                <a:cs typeface="+mn-cs"/>
+              </a:rPr>
+              <a:t>̆ области также активно ведутся в университете Шеффилда, в частности, выработан подход ”</a:t>
+            </a:r>
+            <a:r>
+              <a:rPr lang="ru-RU" sz="1200" kern="1200" dirty="0" err="1" smtClean="0">
+                <a:solidFill>
+                  <a:schemeClr val="tx1"/>
+                </a:solidFill>
+                <a:effectLst/>
+                <a:latin typeface="+mn-lt"/>
+                <a:ea typeface="+mn-ea"/>
+                <a:cs typeface="+mn-cs"/>
+              </a:rPr>
+              <a:t>Mimir</a:t>
+            </a:r>
+            <a:r>
+              <a:rPr lang="ru-RU" sz="1200" kern="1200" dirty="0" smtClean="0">
+                <a:solidFill>
+                  <a:schemeClr val="tx1"/>
+                </a:solidFill>
+                <a:effectLst/>
+                <a:latin typeface="+mn-lt"/>
+                <a:ea typeface="+mn-ea"/>
+                <a:cs typeface="+mn-cs"/>
+              </a:rPr>
+              <a:t>” , </a:t>
+            </a:r>
+            <a:r>
+              <a:rPr lang="ru-RU" sz="1200" kern="1200" dirty="0" err="1" smtClean="0">
+                <a:solidFill>
+                  <a:schemeClr val="tx1"/>
+                </a:solidFill>
+                <a:effectLst/>
+                <a:latin typeface="+mn-lt"/>
+                <a:ea typeface="+mn-ea"/>
+                <a:cs typeface="+mn-cs"/>
+              </a:rPr>
+              <a:t>которыи</a:t>
+            </a:r>
+            <a:r>
+              <a:rPr lang="ru-RU" sz="1200" kern="1200" dirty="0" smtClean="0">
+                <a:solidFill>
+                  <a:schemeClr val="tx1"/>
+                </a:solidFill>
+                <a:effectLst/>
+                <a:latin typeface="+mn-lt"/>
+                <a:ea typeface="+mn-ea"/>
+                <a:cs typeface="+mn-cs"/>
+              </a:rPr>
+              <a:t>̆ реализует возможности поиска по </a:t>
+            </a:r>
+            <a:r>
+              <a:rPr lang="ru-RU" sz="1200" kern="1200" dirty="0" err="1" smtClean="0">
+                <a:solidFill>
+                  <a:schemeClr val="tx1"/>
+                </a:solidFill>
+                <a:effectLst/>
+                <a:latin typeface="+mn-lt"/>
+                <a:ea typeface="+mn-ea"/>
+                <a:cs typeface="+mn-cs"/>
+              </a:rPr>
+              <a:t>прин</a:t>
+            </a:r>
+            <a:r>
+              <a:rPr lang="ru-RU" sz="1200" kern="1200" dirty="0" smtClean="0">
+                <a:solidFill>
+                  <a:schemeClr val="tx1"/>
+                </a:solidFill>
+                <a:effectLst/>
+                <a:latin typeface="+mn-lt"/>
+                <a:ea typeface="+mn-ea"/>
+                <a:cs typeface="+mn-cs"/>
+              </a:rPr>
+              <a:t>- </a:t>
+            </a:r>
+            <a:r>
+              <a:rPr lang="ru-RU" sz="1200" kern="1200" dirty="0" err="1" smtClean="0">
+                <a:solidFill>
+                  <a:schemeClr val="tx1"/>
+                </a:solidFill>
+                <a:effectLst/>
+                <a:latin typeface="+mn-lt"/>
+                <a:ea typeface="+mn-ea"/>
+                <a:cs typeface="+mn-cs"/>
+              </a:rPr>
+              <a:t>ципу</a:t>
+            </a:r>
+            <a:r>
+              <a:rPr lang="ru-RU" sz="1200" kern="1200" dirty="0" smtClean="0">
+                <a:solidFill>
+                  <a:schemeClr val="tx1"/>
+                </a:solidFill>
+                <a:effectLst/>
+                <a:latin typeface="+mn-lt"/>
+                <a:ea typeface="+mn-ea"/>
+                <a:cs typeface="+mn-cs"/>
+              </a:rPr>
+              <a:t> «поиск и открытие». Для организации поиска решений в соответствии с запросами </a:t>
+            </a:r>
+            <a:r>
+              <a:rPr lang="ru-RU" sz="1200" kern="1200" dirty="0" err="1" smtClean="0">
+                <a:solidFill>
+                  <a:schemeClr val="tx1"/>
+                </a:solidFill>
+                <a:effectLst/>
+                <a:latin typeface="+mn-lt"/>
+                <a:ea typeface="+mn-ea"/>
+                <a:cs typeface="+mn-cs"/>
+              </a:rPr>
+              <a:t>пользователеи</a:t>
+            </a:r>
+            <a:r>
+              <a:rPr lang="ru-RU" sz="1200" kern="1200" dirty="0" smtClean="0">
+                <a:solidFill>
+                  <a:schemeClr val="tx1"/>
+                </a:solidFill>
+                <a:effectLst/>
+                <a:latin typeface="+mn-lt"/>
+                <a:ea typeface="+mn-ea"/>
+                <a:cs typeface="+mn-cs"/>
+              </a:rPr>
+              <a:t>̆ в таких системах используются онтологии, например, широко применяется подход, </a:t>
+            </a:r>
+            <a:r>
+              <a:rPr lang="ru-RU" sz="1200" kern="1200" dirty="0" err="1" smtClean="0">
+                <a:solidFill>
+                  <a:schemeClr val="tx1"/>
+                </a:solidFill>
+                <a:effectLst/>
+                <a:latin typeface="+mn-lt"/>
+                <a:ea typeface="+mn-ea"/>
+                <a:cs typeface="+mn-cs"/>
+              </a:rPr>
+              <a:t>предложенныи</a:t>
+            </a:r>
+            <a:r>
+              <a:rPr lang="ru-RU" sz="1200" kern="1200" dirty="0" smtClean="0">
+                <a:solidFill>
+                  <a:schemeClr val="tx1"/>
+                </a:solidFill>
+                <a:effectLst/>
+                <a:latin typeface="+mn-lt"/>
+                <a:ea typeface="+mn-ea"/>
+                <a:cs typeface="+mn-cs"/>
+              </a:rPr>
+              <a:t>̆ С. Дей и А. </a:t>
+            </a:r>
+            <a:r>
+              <a:rPr lang="ru-RU" sz="1200" kern="1200" dirty="0" err="1" smtClean="0">
+                <a:solidFill>
+                  <a:schemeClr val="tx1"/>
+                </a:solidFill>
+                <a:effectLst/>
+                <a:latin typeface="+mn-lt"/>
+                <a:ea typeface="+mn-ea"/>
+                <a:cs typeface="+mn-cs"/>
+              </a:rPr>
+              <a:t>Джеймс</a:t>
+            </a:r>
+            <a:r>
+              <a:rPr lang="ru-RU" sz="1200" kern="1200" dirty="0" smtClean="0">
+                <a:solidFill>
+                  <a:schemeClr val="tx1"/>
+                </a:solidFill>
+                <a:effectLst/>
+                <a:latin typeface="+mn-lt"/>
+                <a:ea typeface="+mn-ea"/>
+                <a:cs typeface="+mn-cs"/>
+              </a:rPr>
+              <a:t> из </a:t>
+            </a:r>
+            <a:r>
+              <a:rPr lang="ru-RU" sz="1200" kern="1200" dirty="0" err="1" smtClean="0">
+                <a:solidFill>
+                  <a:schemeClr val="tx1"/>
+                </a:solidFill>
+                <a:effectLst/>
+                <a:latin typeface="+mn-lt"/>
+                <a:ea typeface="+mn-ea"/>
+                <a:cs typeface="+mn-cs"/>
+              </a:rPr>
+              <a:t>Калифор</a:t>
+            </a:r>
+            <a:r>
+              <a:rPr lang="ru-RU" sz="1200" kern="1200" dirty="0" smtClean="0">
+                <a:solidFill>
+                  <a:schemeClr val="tx1"/>
+                </a:solidFill>
+                <a:effectLst/>
+                <a:latin typeface="+mn-lt"/>
+                <a:ea typeface="+mn-ea"/>
+                <a:cs typeface="+mn-cs"/>
+              </a:rPr>
+              <a:t>- </a:t>
+            </a:r>
+            <a:r>
+              <a:rPr lang="ru-RU" sz="1200" kern="1200" dirty="0" err="1" smtClean="0">
+                <a:solidFill>
+                  <a:schemeClr val="tx1"/>
+                </a:solidFill>
+                <a:effectLst/>
+                <a:latin typeface="+mn-lt"/>
+                <a:ea typeface="+mn-ea"/>
+                <a:cs typeface="+mn-cs"/>
+              </a:rPr>
+              <a:t>нийского</a:t>
+            </a:r>
+            <a:r>
+              <a:rPr lang="ru-RU" sz="1200" kern="1200" dirty="0" smtClean="0">
+                <a:solidFill>
+                  <a:schemeClr val="tx1"/>
+                </a:solidFill>
+                <a:effectLst/>
+                <a:latin typeface="+mn-lt"/>
+                <a:ea typeface="+mn-ea"/>
+                <a:cs typeface="+mn-cs"/>
+              </a:rPr>
+              <a:t> университета (США), </a:t>
+            </a:r>
+            <a:r>
+              <a:rPr lang="ru-RU" sz="1200" kern="1200" dirty="0" err="1" smtClean="0">
+                <a:solidFill>
+                  <a:schemeClr val="tx1"/>
+                </a:solidFill>
+                <a:effectLst/>
+                <a:latin typeface="+mn-lt"/>
+                <a:ea typeface="+mn-ea"/>
+                <a:cs typeface="+mn-cs"/>
+              </a:rPr>
+              <a:t>основанныи</a:t>
+            </a:r>
+            <a:r>
+              <a:rPr lang="ru-RU" sz="1200" kern="1200" dirty="0" smtClean="0">
+                <a:solidFill>
+                  <a:schemeClr val="tx1"/>
+                </a:solidFill>
+                <a:effectLst/>
+                <a:latin typeface="+mn-lt"/>
+                <a:ea typeface="+mn-ea"/>
+                <a:cs typeface="+mn-cs"/>
+              </a:rPr>
+              <a:t>̆ на применении деревьев тегов в онтологии. </a:t>
+            </a:r>
+            <a:endParaRPr lang="ru-RU" dirty="0" smtClean="0"/>
+          </a:p>
+          <a:p>
+            <a:r>
+              <a:rPr lang="ru-RU" sz="1200" kern="1200" dirty="0" smtClean="0">
+                <a:solidFill>
+                  <a:schemeClr val="tx1"/>
+                </a:solidFill>
+                <a:effectLst/>
+                <a:latin typeface="+mn-lt"/>
+                <a:ea typeface="+mn-ea"/>
+                <a:cs typeface="+mn-cs"/>
+              </a:rPr>
+              <a:t>Для придания </a:t>
+            </a:r>
+            <a:r>
+              <a:rPr lang="ru-RU" sz="1200" kern="1200" dirty="0" err="1" smtClean="0">
+                <a:solidFill>
+                  <a:schemeClr val="tx1"/>
+                </a:solidFill>
+                <a:effectLst/>
+                <a:latin typeface="+mn-lt"/>
+                <a:ea typeface="+mn-ea"/>
+                <a:cs typeface="+mn-cs"/>
+              </a:rPr>
+              <a:t>интеллектуальнои</a:t>
+            </a:r>
+            <a:r>
+              <a:rPr lang="ru-RU" sz="1200" kern="1200" dirty="0" smtClean="0">
+                <a:solidFill>
+                  <a:schemeClr val="tx1"/>
+                </a:solidFill>
+                <a:effectLst/>
+                <a:latin typeface="+mn-lt"/>
+                <a:ea typeface="+mn-ea"/>
+                <a:cs typeface="+mn-cs"/>
+              </a:rPr>
+              <a:t>̆ системе гибкости необходимо дать </a:t>
+            </a:r>
+            <a:r>
+              <a:rPr lang="ru-RU" sz="1200" kern="1200" dirty="0" err="1" smtClean="0">
+                <a:solidFill>
+                  <a:schemeClr val="tx1"/>
+                </a:solidFill>
+                <a:effectLst/>
+                <a:latin typeface="+mn-lt"/>
+                <a:ea typeface="+mn-ea"/>
+                <a:cs typeface="+mn-cs"/>
+              </a:rPr>
+              <a:t>еи</a:t>
+            </a:r>
+            <a:r>
+              <a:rPr lang="ru-RU" sz="1200" kern="1200" dirty="0" smtClean="0">
+                <a:solidFill>
+                  <a:schemeClr val="tx1"/>
+                </a:solidFill>
+                <a:effectLst/>
+                <a:latin typeface="+mn-lt"/>
+                <a:ea typeface="+mn-ea"/>
+                <a:cs typeface="+mn-cs"/>
+              </a:rPr>
+              <a:t>̆ возможность проводить логические рассуждения. </a:t>
+            </a:r>
+            <a:r>
+              <a:rPr lang="ru-RU" sz="1200" kern="1200" dirty="0" err="1" smtClean="0">
+                <a:solidFill>
+                  <a:schemeClr val="tx1"/>
+                </a:solidFill>
+                <a:effectLst/>
+                <a:latin typeface="+mn-lt"/>
+                <a:ea typeface="+mn-ea"/>
+                <a:cs typeface="+mn-cs"/>
+              </a:rPr>
+              <a:t>Однои</a:t>
+            </a:r>
+            <a:r>
+              <a:rPr lang="ru-RU" sz="1200" kern="1200" dirty="0" smtClean="0">
+                <a:solidFill>
+                  <a:schemeClr val="tx1"/>
+                </a:solidFill>
+                <a:effectLst/>
+                <a:latin typeface="+mn-lt"/>
+                <a:ea typeface="+mn-ea"/>
+                <a:cs typeface="+mn-cs"/>
+              </a:rPr>
+              <a:t>̆ из ведущих </a:t>
+            </a:r>
+            <a:r>
+              <a:rPr lang="ru-RU" sz="1200" kern="1200" dirty="0" err="1" smtClean="0">
+                <a:solidFill>
+                  <a:schemeClr val="tx1"/>
+                </a:solidFill>
+                <a:effectLst/>
+                <a:latin typeface="+mn-lt"/>
+                <a:ea typeface="+mn-ea"/>
+                <a:cs typeface="+mn-cs"/>
+              </a:rPr>
+              <a:t>орга</a:t>
+            </a:r>
+            <a:r>
+              <a:rPr lang="ru-RU" sz="1200" kern="1200" dirty="0" smtClean="0">
+                <a:solidFill>
+                  <a:schemeClr val="tx1"/>
+                </a:solidFill>
+                <a:effectLst/>
+                <a:latin typeface="+mn-lt"/>
+                <a:ea typeface="+mn-ea"/>
+                <a:cs typeface="+mn-cs"/>
+              </a:rPr>
+              <a:t>- </a:t>
+            </a:r>
+            <a:r>
+              <a:rPr lang="ru-RU" sz="1200" kern="1200" dirty="0" err="1" smtClean="0">
+                <a:solidFill>
+                  <a:schemeClr val="tx1"/>
+                </a:solidFill>
+                <a:effectLst/>
+                <a:latin typeface="+mn-lt"/>
+                <a:ea typeface="+mn-ea"/>
+                <a:cs typeface="+mn-cs"/>
+              </a:rPr>
+              <a:t>низации</a:t>
+            </a:r>
+            <a:r>
+              <a:rPr lang="ru-RU" sz="1200" kern="1200" dirty="0" smtClean="0">
+                <a:solidFill>
+                  <a:schemeClr val="tx1"/>
+                </a:solidFill>
+                <a:effectLst/>
+                <a:latin typeface="+mn-lt"/>
+                <a:ea typeface="+mn-ea"/>
+                <a:cs typeface="+mn-cs"/>
+              </a:rPr>
+              <a:t>̆ в этом направлении исследований является консорциум </a:t>
+            </a:r>
+            <a:r>
+              <a:rPr lang="ru-RU" sz="1200" kern="1200" dirty="0" err="1" smtClean="0">
+                <a:solidFill>
+                  <a:schemeClr val="tx1"/>
+                </a:solidFill>
+                <a:effectLst/>
+                <a:latin typeface="+mn-lt"/>
+                <a:ea typeface="+mn-ea"/>
+                <a:cs typeface="+mn-cs"/>
+              </a:rPr>
+              <a:t>OpenCog</a:t>
+            </a:r>
+            <a:r>
+              <a:rPr lang="ru-RU" sz="1200" kern="1200" dirty="0" smtClean="0">
+                <a:solidFill>
+                  <a:schemeClr val="tx1"/>
+                </a:solidFill>
+                <a:effectLst/>
+                <a:latin typeface="+mn-lt"/>
+                <a:ea typeface="+mn-ea"/>
+                <a:cs typeface="+mn-cs"/>
+              </a:rPr>
+              <a:t> 4 (США). Этими работами руководит Бен </a:t>
+            </a:r>
+            <a:r>
+              <a:rPr lang="ru-RU" sz="1200" kern="1200" dirty="0" err="1" smtClean="0">
+                <a:solidFill>
+                  <a:schemeClr val="tx1"/>
+                </a:solidFill>
+                <a:effectLst/>
+                <a:latin typeface="+mn-lt"/>
+                <a:ea typeface="+mn-ea"/>
+                <a:cs typeface="+mn-cs"/>
+              </a:rPr>
+              <a:t>Герцель</a:t>
+            </a:r>
+            <a:r>
+              <a:rPr lang="ru-RU" sz="1200" kern="1200" dirty="0" smtClean="0">
+                <a:solidFill>
+                  <a:schemeClr val="tx1"/>
+                </a:solidFill>
+                <a:effectLst/>
+                <a:latin typeface="+mn-lt"/>
+                <a:ea typeface="+mn-ea"/>
+                <a:cs typeface="+mn-cs"/>
+              </a:rPr>
+              <a:t> (председатель </a:t>
+            </a:r>
+            <a:r>
+              <a:rPr lang="ru-RU" sz="1200" kern="1200" dirty="0" err="1" smtClean="0">
+                <a:solidFill>
+                  <a:schemeClr val="tx1"/>
+                </a:solidFill>
+                <a:effectLst/>
+                <a:latin typeface="+mn-lt"/>
+                <a:ea typeface="+mn-ea"/>
+                <a:cs typeface="+mn-cs"/>
+              </a:rPr>
+              <a:t>Artificial</a:t>
+            </a:r>
+            <a:r>
+              <a:rPr lang="ru-RU" sz="1200" kern="1200" dirty="0" smtClean="0">
+                <a:solidFill>
+                  <a:schemeClr val="tx1"/>
+                </a:solidFill>
+                <a:effectLst/>
+                <a:latin typeface="+mn-lt"/>
+                <a:ea typeface="+mn-ea"/>
+                <a:cs typeface="+mn-cs"/>
+              </a:rPr>
               <a:t> </a:t>
             </a:r>
+            <a:r>
+              <a:rPr lang="ru-RU" sz="1200" kern="1200" dirty="0" err="1" smtClean="0">
+                <a:solidFill>
+                  <a:schemeClr val="tx1"/>
+                </a:solidFill>
+                <a:effectLst/>
+                <a:latin typeface="+mn-lt"/>
+                <a:ea typeface="+mn-ea"/>
+                <a:cs typeface="+mn-cs"/>
+              </a:rPr>
+              <a:t>General</a:t>
+            </a:r>
+            <a:r>
+              <a:rPr lang="ru-RU" sz="1200" kern="1200" dirty="0" smtClean="0">
+                <a:solidFill>
+                  <a:schemeClr val="tx1"/>
+                </a:solidFill>
+                <a:effectLst/>
+                <a:latin typeface="+mn-lt"/>
+                <a:ea typeface="+mn-ea"/>
+                <a:cs typeface="+mn-cs"/>
+              </a:rPr>
+              <a:t> </a:t>
+            </a:r>
+            <a:r>
+              <a:rPr lang="ru-RU" sz="1200" kern="1200" dirty="0" err="1" smtClean="0">
+                <a:solidFill>
+                  <a:schemeClr val="tx1"/>
+                </a:solidFill>
+                <a:effectLst/>
+                <a:latin typeface="+mn-lt"/>
+                <a:ea typeface="+mn-ea"/>
+                <a:cs typeface="+mn-cs"/>
+              </a:rPr>
+              <a:t>Intelligence</a:t>
+            </a:r>
+            <a:r>
+              <a:rPr lang="ru-RU" sz="1200" kern="1200" dirty="0" smtClean="0">
+                <a:solidFill>
+                  <a:schemeClr val="tx1"/>
+                </a:solidFill>
+                <a:effectLst/>
+                <a:latin typeface="+mn-lt"/>
+                <a:ea typeface="+mn-ea"/>
+                <a:cs typeface="+mn-cs"/>
+              </a:rPr>
+              <a:t> </a:t>
+            </a:r>
+            <a:r>
+              <a:rPr lang="ru-RU" sz="1200" kern="1200" dirty="0" err="1" smtClean="0">
+                <a:solidFill>
+                  <a:schemeClr val="tx1"/>
+                </a:solidFill>
+                <a:effectLst/>
+                <a:latin typeface="+mn-lt"/>
+                <a:ea typeface="+mn-ea"/>
+                <a:cs typeface="+mn-cs"/>
+              </a:rPr>
+              <a:t>Society</a:t>
+            </a:r>
+            <a:r>
+              <a:rPr lang="ru-RU" sz="1200" kern="1200" dirty="0" smtClean="0">
+                <a:solidFill>
+                  <a:schemeClr val="tx1"/>
+                </a:solidFill>
+                <a:effectLst/>
+                <a:latin typeface="+mn-lt"/>
+                <a:ea typeface="+mn-ea"/>
+                <a:cs typeface="+mn-cs"/>
+              </a:rPr>
+              <a:t> и </a:t>
+            </a:r>
+            <a:r>
+              <a:rPr lang="ru-RU" sz="1200" kern="1200" dirty="0" err="1" smtClean="0">
+                <a:solidFill>
+                  <a:schemeClr val="tx1"/>
+                </a:solidFill>
+                <a:effectLst/>
+                <a:latin typeface="+mn-lt"/>
+                <a:ea typeface="+mn-ea"/>
+                <a:cs typeface="+mn-cs"/>
+              </a:rPr>
+              <a:t>OpenCog</a:t>
+            </a:r>
+            <a:r>
+              <a:rPr lang="ru-RU" sz="1200" kern="1200" dirty="0" smtClean="0">
+                <a:solidFill>
+                  <a:schemeClr val="tx1"/>
+                </a:solidFill>
+                <a:effectLst/>
+                <a:latin typeface="+mn-lt"/>
+                <a:ea typeface="+mn-ea"/>
+                <a:cs typeface="+mn-cs"/>
+              </a:rPr>
+              <a:t> </a:t>
+            </a:r>
+            <a:r>
+              <a:rPr lang="ru-RU" sz="1200" kern="1200" dirty="0" err="1" smtClean="0">
+                <a:solidFill>
+                  <a:schemeClr val="tx1"/>
+                </a:solidFill>
+                <a:effectLst/>
+                <a:latin typeface="+mn-lt"/>
+                <a:ea typeface="+mn-ea"/>
+                <a:cs typeface="+mn-cs"/>
+              </a:rPr>
+              <a:t>Foundation</a:t>
+            </a:r>
+            <a:r>
+              <a:rPr lang="ru-RU" sz="1200" kern="1200" dirty="0" smtClean="0">
+                <a:solidFill>
+                  <a:schemeClr val="tx1"/>
+                </a:solidFill>
+                <a:effectLst/>
+                <a:latin typeface="+mn-lt"/>
+                <a:ea typeface="+mn-ea"/>
+                <a:cs typeface="+mn-cs"/>
+              </a:rPr>
+              <a:t>) — один из мировых лидеров в об- </a:t>
+            </a:r>
+            <a:r>
+              <a:rPr lang="ru-RU" sz="1200" kern="1200" dirty="0" err="1" smtClean="0">
+                <a:solidFill>
+                  <a:schemeClr val="tx1"/>
+                </a:solidFill>
+                <a:effectLst/>
+                <a:latin typeface="+mn-lt"/>
+                <a:ea typeface="+mn-ea"/>
+                <a:cs typeface="+mn-cs"/>
+              </a:rPr>
+              <a:t>ласти</a:t>
+            </a:r>
+            <a:r>
+              <a:rPr lang="ru-RU" sz="1200" kern="1200" dirty="0" smtClean="0">
+                <a:solidFill>
+                  <a:schemeClr val="tx1"/>
+                </a:solidFill>
+                <a:effectLst/>
+                <a:latin typeface="+mn-lt"/>
+                <a:ea typeface="+mn-ea"/>
+                <a:cs typeface="+mn-cs"/>
+              </a:rPr>
+              <a:t> искусственного интеллекта. Исследования в области </a:t>
+            </a:r>
+            <a:r>
+              <a:rPr lang="ru-RU" sz="1200" kern="1200" dirty="0" err="1" smtClean="0">
+                <a:solidFill>
+                  <a:schemeClr val="tx1"/>
+                </a:solidFill>
+                <a:effectLst/>
+                <a:latin typeface="+mn-lt"/>
+                <a:ea typeface="+mn-ea"/>
+                <a:cs typeface="+mn-cs"/>
+              </a:rPr>
+              <a:t>машиннои</a:t>
+            </a:r>
+            <a:r>
+              <a:rPr lang="ru-RU" sz="1200" kern="1200" dirty="0" smtClean="0">
+                <a:solidFill>
+                  <a:schemeClr val="tx1"/>
+                </a:solidFill>
+                <a:effectLst/>
+                <a:latin typeface="+mn-lt"/>
+                <a:ea typeface="+mn-ea"/>
+                <a:cs typeface="+mn-cs"/>
+              </a:rPr>
+              <a:t>̆ логики также ведутся в рамках проекта NARS 5 под руководством профессора </a:t>
+            </a:r>
+            <a:r>
+              <a:rPr lang="ru-RU" sz="1200" kern="1200" dirty="0" err="1" smtClean="0">
+                <a:solidFill>
+                  <a:schemeClr val="tx1"/>
+                </a:solidFill>
+                <a:effectLst/>
+                <a:latin typeface="+mn-lt"/>
+                <a:ea typeface="+mn-ea"/>
+                <a:cs typeface="+mn-cs"/>
+              </a:rPr>
+              <a:t>универ</a:t>
+            </a:r>
+            <a:r>
+              <a:rPr lang="ru-RU" sz="1200" kern="1200" dirty="0" smtClean="0">
+                <a:solidFill>
+                  <a:schemeClr val="tx1"/>
+                </a:solidFill>
+                <a:effectLst/>
+                <a:latin typeface="+mn-lt"/>
+                <a:ea typeface="+mn-ea"/>
+                <a:cs typeface="+mn-cs"/>
+              </a:rPr>
+              <a:t>- </a:t>
+            </a:r>
+            <a:r>
+              <a:rPr lang="ru-RU" sz="1200" kern="1200" dirty="0" err="1" smtClean="0">
+                <a:solidFill>
+                  <a:schemeClr val="tx1"/>
+                </a:solidFill>
+                <a:effectLst/>
+                <a:latin typeface="+mn-lt"/>
+                <a:ea typeface="+mn-ea"/>
+                <a:cs typeface="+mn-cs"/>
+              </a:rPr>
+              <a:t>ситета</a:t>
+            </a:r>
+            <a:r>
+              <a:rPr lang="ru-RU" sz="1200" kern="1200" dirty="0" smtClean="0">
+                <a:solidFill>
+                  <a:schemeClr val="tx1"/>
+                </a:solidFill>
+                <a:effectLst/>
+                <a:latin typeface="+mn-lt"/>
+                <a:ea typeface="+mn-ea"/>
+                <a:cs typeface="+mn-cs"/>
+              </a:rPr>
+              <a:t> </a:t>
+            </a:r>
+            <a:r>
+              <a:rPr lang="ru-RU" sz="1200" kern="1200" dirty="0" err="1" smtClean="0">
+                <a:solidFill>
+                  <a:schemeClr val="tx1"/>
+                </a:solidFill>
+                <a:effectLst/>
+                <a:latin typeface="+mn-lt"/>
+                <a:ea typeface="+mn-ea"/>
+                <a:cs typeface="+mn-cs"/>
+              </a:rPr>
+              <a:t>Темлпа</a:t>
+            </a:r>
+            <a:r>
+              <a:rPr lang="ru-RU" sz="1200" kern="1200" dirty="0" smtClean="0">
+                <a:solidFill>
+                  <a:schemeClr val="tx1"/>
+                </a:solidFill>
+                <a:effectLst/>
+                <a:latin typeface="+mn-lt"/>
+                <a:ea typeface="+mn-ea"/>
+                <a:cs typeface="+mn-cs"/>
+              </a:rPr>
+              <a:t> (США) </a:t>
+            </a:r>
+            <a:r>
+              <a:rPr lang="ru-RU" sz="1200" kern="1200" dirty="0" err="1" smtClean="0">
+                <a:solidFill>
+                  <a:schemeClr val="tx1"/>
+                </a:solidFill>
+                <a:effectLst/>
+                <a:latin typeface="+mn-lt"/>
+                <a:ea typeface="+mn-ea"/>
+                <a:cs typeface="+mn-cs"/>
+              </a:rPr>
+              <a:t>Пея</a:t>
+            </a:r>
+            <a:r>
+              <a:rPr lang="ru-RU" sz="1200" kern="1200" dirty="0" smtClean="0">
+                <a:solidFill>
+                  <a:schemeClr val="tx1"/>
+                </a:solidFill>
+                <a:effectLst/>
+                <a:latin typeface="+mn-lt"/>
+                <a:ea typeface="+mn-ea"/>
+                <a:cs typeface="+mn-cs"/>
+              </a:rPr>
+              <a:t> Вонга. </a:t>
+            </a:r>
             <a:endParaRPr lang="ru-RU" dirty="0" smtClean="0"/>
           </a:p>
           <a:p>
-            <a:r>
-              <a:rPr lang="ru-RU" sz="1200" b="1" kern="1200" dirty="0" smtClean="0">
-                <a:solidFill>
-                  <a:schemeClr val="tx1"/>
-                </a:solidFill>
-                <a:effectLst/>
-                <a:latin typeface="+mn-lt"/>
-                <a:ea typeface="+mn-ea"/>
-                <a:cs typeface="+mn-cs"/>
-              </a:rPr>
-              <a:t>Категория </a:t>
-            </a:r>
-            <a:endParaRPr lang="ru-RU" dirty="0" smtClean="0">
-              <a:effectLst/>
-            </a:endParaRPr>
-          </a:p>
-          <a:p>
-            <a:r>
-              <a:rPr lang="ru-RU" sz="1200" b="1" kern="1200" dirty="0" smtClean="0">
-                <a:solidFill>
-                  <a:schemeClr val="tx1"/>
-                </a:solidFill>
-                <a:effectLst/>
-                <a:latin typeface="+mn-lt"/>
-                <a:ea typeface="+mn-ea"/>
-                <a:cs typeface="+mn-cs"/>
-              </a:rPr>
-              <a:t>Описание </a:t>
-            </a:r>
-            <a:endParaRPr lang="ru-RU" dirty="0" smtClean="0">
-              <a:effectLst/>
-            </a:endParaRPr>
-          </a:p>
-          <a:p>
-            <a:r>
-              <a:rPr lang="ru-RU" sz="1200" kern="1200" dirty="0" smtClean="0">
-                <a:solidFill>
-                  <a:schemeClr val="tx1"/>
-                </a:solidFill>
-                <a:effectLst/>
-                <a:latin typeface="+mn-lt"/>
-                <a:ea typeface="+mn-ea"/>
-                <a:cs typeface="+mn-cs"/>
-              </a:rPr>
-              <a:t>Проблема с ПО </a:t>
-            </a:r>
-            <a:endParaRPr lang="ru-RU" dirty="0" smtClean="0">
-              <a:effectLst/>
-            </a:endParaRPr>
-          </a:p>
-          <a:p>
-            <a:r>
-              <a:rPr lang="ru-RU" sz="1200" kern="1200" dirty="0" smtClean="0">
-                <a:solidFill>
-                  <a:schemeClr val="tx1"/>
-                </a:solidFill>
-                <a:effectLst/>
-                <a:latin typeface="+mn-lt"/>
-                <a:ea typeface="+mn-ea"/>
-                <a:cs typeface="+mn-cs"/>
-              </a:rPr>
-              <a:t>Проблема при запуске ПО на компьютере. Решается </a:t>
-            </a:r>
-            <a:r>
-              <a:rPr lang="ru-RU" sz="1200" kern="1200" dirty="0" err="1" smtClean="0">
-                <a:solidFill>
-                  <a:schemeClr val="tx1"/>
-                </a:solidFill>
-                <a:effectLst/>
-                <a:latin typeface="+mn-lt"/>
-                <a:ea typeface="+mn-ea"/>
-                <a:cs typeface="+mn-cs"/>
-              </a:rPr>
-              <a:t>переуста</a:t>
-            </a:r>
-            <a:r>
-              <a:rPr lang="ru-RU" sz="1200" kern="1200" dirty="0" smtClean="0">
-                <a:solidFill>
-                  <a:schemeClr val="tx1"/>
-                </a:solidFill>
-                <a:effectLst/>
-                <a:latin typeface="+mn-lt"/>
-                <a:ea typeface="+mn-ea"/>
-                <a:cs typeface="+mn-cs"/>
-              </a:rPr>
-              <a:t>- </a:t>
-            </a:r>
-            <a:r>
-              <a:rPr lang="ru-RU" sz="1200" kern="1200" dirty="0" err="1" smtClean="0">
-                <a:solidFill>
-                  <a:schemeClr val="tx1"/>
-                </a:solidFill>
-                <a:effectLst/>
-                <a:latin typeface="+mn-lt"/>
-                <a:ea typeface="+mn-ea"/>
-                <a:cs typeface="+mn-cs"/>
-              </a:rPr>
-              <a:t>новкои</a:t>
-            </a:r>
-            <a:r>
-              <a:rPr lang="ru-RU" sz="1200" kern="1200" dirty="0" smtClean="0">
-                <a:solidFill>
-                  <a:schemeClr val="tx1"/>
-                </a:solidFill>
-                <a:effectLst/>
-                <a:latin typeface="+mn-lt"/>
-                <a:ea typeface="+mn-ea"/>
-                <a:cs typeface="+mn-cs"/>
-              </a:rPr>
-              <a:t>̆ </a:t>
-            </a:r>
-            <a:endParaRPr lang="ru-RU" dirty="0" smtClean="0">
-              <a:effectLst/>
-            </a:endParaRPr>
-          </a:p>
-          <a:p>
-            <a:r>
-              <a:rPr lang="ru-RU" sz="1200" kern="1200" dirty="0" smtClean="0">
-                <a:solidFill>
-                  <a:schemeClr val="tx1"/>
-                </a:solidFill>
-                <a:effectLst/>
-                <a:latin typeface="+mn-lt"/>
-                <a:ea typeface="+mn-ea"/>
-                <a:cs typeface="+mn-cs"/>
-              </a:rPr>
-              <a:t>Проблемы во время работы </a:t>
-            </a:r>
-            <a:endParaRPr lang="ru-RU" dirty="0" smtClean="0">
-              <a:effectLst/>
-            </a:endParaRPr>
-          </a:p>
-          <a:p>
-            <a:r>
-              <a:rPr lang="ru-RU" sz="1200" kern="1200" dirty="0" smtClean="0">
-                <a:solidFill>
-                  <a:schemeClr val="tx1"/>
-                </a:solidFill>
-                <a:effectLst/>
-                <a:latin typeface="+mn-lt"/>
-                <a:ea typeface="+mn-ea"/>
-                <a:cs typeface="+mn-cs"/>
-              </a:rPr>
-              <a:t>Проблема с функционированием программного обеспечения </a:t>
-            </a:r>
-            <a:endParaRPr lang="ru-RU" dirty="0" smtClean="0">
-              <a:effectLst/>
-            </a:endParaRPr>
-          </a:p>
-          <a:p>
-            <a:r>
-              <a:rPr lang="ru-RU" sz="1200" kern="1200" dirty="0" smtClean="0">
-                <a:solidFill>
-                  <a:schemeClr val="tx1"/>
-                </a:solidFill>
-                <a:effectLst/>
-                <a:latin typeface="+mn-lt"/>
-                <a:ea typeface="+mn-ea"/>
-                <a:cs typeface="+mn-cs"/>
-              </a:rPr>
-              <a:t>Как сделать </a:t>
-            </a:r>
-            <a:endParaRPr lang="ru-RU" dirty="0" smtClean="0">
-              <a:effectLst/>
-            </a:endParaRPr>
-          </a:p>
-          <a:p>
-            <a:r>
-              <a:rPr lang="ru-RU" sz="1200" kern="1200" dirty="0" smtClean="0">
-                <a:solidFill>
-                  <a:schemeClr val="tx1"/>
-                </a:solidFill>
-                <a:effectLst/>
-                <a:latin typeface="+mn-lt"/>
-                <a:ea typeface="+mn-ea"/>
-                <a:cs typeface="+mn-cs"/>
-              </a:rPr>
-              <a:t>Запрос на инструкцию по </a:t>
-            </a:r>
-            <a:r>
-              <a:rPr lang="ru-RU" sz="1200" kern="1200" dirty="0" err="1" smtClean="0">
-                <a:solidFill>
-                  <a:schemeClr val="tx1"/>
-                </a:solidFill>
-                <a:effectLst/>
-                <a:latin typeface="+mn-lt"/>
-                <a:ea typeface="+mn-ea"/>
-                <a:cs typeface="+mn-cs"/>
-              </a:rPr>
-              <a:t>рабо</a:t>
-            </a:r>
-            <a:r>
-              <a:rPr lang="ru-RU" sz="1200" kern="1200" dirty="0" smtClean="0">
-                <a:solidFill>
-                  <a:schemeClr val="tx1"/>
-                </a:solidFill>
-                <a:effectLst/>
-                <a:latin typeface="+mn-lt"/>
-                <a:ea typeface="+mn-ea"/>
-                <a:cs typeface="+mn-cs"/>
-              </a:rPr>
-              <a:t>- те с тем или иным компонентом </a:t>
-            </a:r>
-            <a:r>
-              <a:rPr lang="ru-RU" sz="1200" kern="1200" dirty="0" err="1" smtClean="0">
-                <a:solidFill>
-                  <a:schemeClr val="tx1"/>
-                </a:solidFill>
-                <a:effectLst/>
-                <a:latin typeface="+mn-lt"/>
-                <a:ea typeface="+mn-ea"/>
-                <a:cs typeface="+mn-cs"/>
-              </a:rPr>
-              <a:t>рабочеи</a:t>
-            </a:r>
-            <a:r>
-              <a:rPr lang="ru-RU" sz="1200" kern="1200" dirty="0" smtClean="0">
-                <a:solidFill>
-                  <a:schemeClr val="tx1"/>
-                </a:solidFill>
-                <a:effectLst/>
-                <a:latin typeface="+mn-lt"/>
-                <a:ea typeface="+mn-ea"/>
-                <a:cs typeface="+mn-cs"/>
-              </a:rPr>
-              <a:t>̆ станции </a:t>
-            </a:r>
-            <a:endParaRPr lang="ru-RU" dirty="0" smtClean="0">
-              <a:effectLst/>
-            </a:endParaRPr>
-          </a:p>
-          <a:p>
-            <a:r>
-              <a:rPr lang="ru-RU" sz="1200" kern="1200" dirty="0" smtClean="0">
-                <a:solidFill>
-                  <a:schemeClr val="tx1"/>
-                </a:solidFill>
-                <a:effectLst/>
-                <a:latin typeface="+mn-lt"/>
-                <a:ea typeface="+mn-ea"/>
-                <a:cs typeface="+mn-cs"/>
-              </a:rPr>
-              <a:t>Проблема с оборудованием </a:t>
-            </a:r>
-            <a:endParaRPr lang="ru-RU" dirty="0" smtClean="0">
-              <a:effectLst/>
-            </a:endParaRPr>
-          </a:p>
-          <a:p>
-            <a:r>
-              <a:rPr lang="ru-RU" sz="1200" kern="1200" dirty="0" smtClean="0">
-                <a:solidFill>
-                  <a:schemeClr val="tx1"/>
-                </a:solidFill>
-                <a:effectLst/>
-                <a:latin typeface="+mn-lt"/>
-                <a:ea typeface="+mn-ea"/>
-                <a:cs typeface="+mn-cs"/>
-              </a:rPr>
-              <a:t>Неполадки на уровне </a:t>
-            </a:r>
-            <a:r>
-              <a:rPr lang="ru-RU" sz="1200" kern="1200" dirty="0" err="1" smtClean="0">
-                <a:solidFill>
-                  <a:schemeClr val="tx1"/>
-                </a:solidFill>
-                <a:effectLst/>
-                <a:latin typeface="+mn-lt"/>
-                <a:ea typeface="+mn-ea"/>
-                <a:cs typeface="+mn-cs"/>
-              </a:rPr>
-              <a:t>оборудова</a:t>
-            </a:r>
-            <a:r>
-              <a:rPr lang="ru-RU" sz="1200" kern="1200" dirty="0" smtClean="0">
-                <a:solidFill>
-                  <a:schemeClr val="tx1"/>
-                </a:solidFill>
-                <a:effectLst/>
-                <a:latin typeface="+mn-lt"/>
-                <a:ea typeface="+mn-ea"/>
-                <a:cs typeface="+mn-cs"/>
-              </a:rPr>
-              <a:t>- </a:t>
-            </a:r>
-            <a:r>
-              <a:rPr lang="ru-RU" sz="1200" kern="1200" dirty="0" err="1" smtClean="0">
-                <a:solidFill>
-                  <a:schemeClr val="tx1"/>
-                </a:solidFill>
-                <a:effectLst/>
-                <a:latin typeface="+mn-lt"/>
-                <a:ea typeface="+mn-ea"/>
-                <a:cs typeface="+mn-cs"/>
-              </a:rPr>
-              <a:t>ния</a:t>
-            </a:r>
-            <a:r>
-              <a:rPr lang="ru-RU" sz="1200" kern="1200" dirty="0" smtClean="0">
-                <a:solidFill>
-                  <a:schemeClr val="tx1"/>
-                </a:solidFill>
-                <a:effectLst/>
-                <a:latin typeface="+mn-lt"/>
-                <a:ea typeface="+mn-ea"/>
-                <a:cs typeface="+mn-cs"/>
-              </a:rPr>
-              <a:t> </a:t>
-            </a:r>
-            <a:endParaRPr lang="ru-RU" dirty="0" smtClean="0">
-              <a:effectLst/>
-            </a:endParaRPr>
-          </a:p>
-          <a:p>
-            <a:r>
-              <a:rPr lang="ru-RU" sz="1200" kern="1200" dirty="0" smtClean="0">
-                <a:solidFill>
-                  <a:schemeClr val="tx1"/>
-                </a:solidFill>
-                <a:effectLst/>
-                <a:latin typeface="+mn-lt"/>
-                <a:ea typeface="+mn-ea"/>
-                <a:cs typeface="+mn-cs"/>
-              </a:rPr>
-              <a:t>Установить новое ПО </a:t>
-            </a:r>
-            <a:endParaRPr lang="ru-RU" dirty="0" smtClean="0">
-              <a:effectLst/>
-            </a:endParaRPr>
-          </a:p>
-          <a:p>
-            <a:r>
-              <a:rPr lang="ru-RU" sz="1200" kern="1200" dirty="0" smtClean="0">
-                <a:solidFill>
-                  <a:schemeClr val="tx1"/>
-                </a:solidFill>
-                <a:effectLst/>
-                <a:latin typeface="+mn-lt"/>
-                <a:ea typeface="+mn-ea"/>
-                <a:cs typeface="+mn-cs"/>
-              </a:rPr>
-              <a:t>Требование установки нового программного обеспечения </a:t>
-            </a:r>
-            <a:endParaRPr lang="ru-RU" dirty="0" smtClean="0">
-              <a:effectLst/>
-            </a:endParaRPr>
-          </a:p>
-          <a:p>
-            <a:r>
-              <a:rPr lang="ru-RU" sz="1200" kern="1200" dirty="0" smtClean="0">
-                <a:solidFill>
-                  <a:schemeClr val="tx1"/>
-                </a:solidFill>
-                <a:effectLst/>
-                <a:latin typeface="+mn-lt"/>
-                <a:ea typeface="+mn-ea"/>
-                <a:cs typeface="+mn-cs"/>
-              </a:rPr>
-              <a:t>Проблема с печатью </a:t>
-            </a:r>
-            <a:endParaRPr lang="ru-RU" dirty="0" smtClean="0">
-              <a:effectLst/>
-            </a:endParaRPr>
-          </a:p>
-          <a:p>
-            <a:r>
-              <a:rPr lang="ru-RU" sz="1200" kern="1200" dirty="0" smtClean="0">
-                <a:solidFill>
-                  <a:schemeClr val="tx1"/>
-                </a:solidFill>
-                <a:effectLst/>
-                <a:latin typeface="+mn-lt"/>
-                <a:ea typeface="+mn-ea"/>
-                <a:cs typeface="+mn-cs"/>
-              </a:rPr>
-              <a:t>Установка принтера в систему </a:t>
-            </a:r>
-            <a:endParaRPr lang="ru-RU" dirty="0" smtClean="0">
-              <a:effectLst/>
-            </a:endParaRPr>
-          </a:p>
-          <a:p>
-            <a:r>
-              <a:rPr lang="ru-RU" sz="1200" kern="1200" dirty="0" smtClean="0">
-                <a:solidFill>
-                  <a:schemeClr val="tx1"/>
-                </a:solidFill>
-                <a:effectLst/>
-                <a:latin typeface="+mn-lt"/>
-                <a:ea typeface="+mn-ea"/>
-                <a:cs typeface="+mn-cs"/>
-              </a:rPr>
-              <a:t>Нет доступа </a:t>
-            </a:r>
-            <a:endParaRPr lang="ru-RU" dirty="0" smtClean="0">
-              <a:effectLst/>
-            </a:endParaRPr>
-          </a:p>
-          <a:p>
-            <a:r>
-              <a:rPr lang="ru-RU" sz="1200" kern="1200" dirty="0" smtClean="0">
-                <a:solidFill>
-                  <a:schemeClr val="tx1"/>
-                </a:solidFill>
-                <a:effectLst/>
-                <a:latin typeface="+mn-lt"/>
-                <a:ea typeface="+mn-ea"/>
-                <a:cs typeface="+mn-cs"/>
-              </a:rPr>
-              <a:t>Нет доступа к общим ресурсам </a:t>
-            </a:r>
-            <a:endParaRPr lang="ru-RU" dirty="0" smtClean="0">
-              <a:effectLst/>
-            </a:endParaRPr>
-          </a:p>
-          <a:p>
-            <a:r>
-              <a:rPr lang="ru-RU" sz="1200" kern="1200" dirty="0" smtClean="0">
-                <a:solidFill>
-                  <a:schemeClr val="tx1"/>
-                </a:solidFill>
-                <a:effectLst/>
-                <a:latin typeface="+mn-lt"/>
-                <a:ea typeface="+mn-ea"/>
-                <a:cs typeface="+mn-cs"/>
-              </a:rPr>
-              <a:t>Как показывают исследования, решение части задач может быть </a:t>
-            </a:r>
-            <a:r>
-              <a:rPr lang="ru-RU" sz="1200" kern="1200" dirty="0" err="1" smtClean="0">
-                <a:solidFill>
-                  <a:schemeClr val="tx1"/>
-                </a:solidFill>
-                <a:effectLst/>
-                <a:latin typeface="+mn-lt"/>
-                <a:ea typeface="+mn-ea"/>
-                <a:cs typeface="+mn-cs"/>
-              </a:rPr>
-              <a:t>автом</a:t>
-            </a:r>
-            <a:r>
-              <a:rPr lang="ru-RU" sz="1200" kern="1200" dirty="0" smtClean="0">
-                <a:solidFill>
-                  <a:schemeClr val="tx1"/>
-                </a:solidFill>
-                <a:effectLst/>
-                <a:latin typeface="+mn-lt"/>
-                <a:ea typeface="+mn-ea"/>
-                <a:cs typeface="+mn-cs"/>
-              </a:rPr>
-              <a:t> </a:t>
-            </a:r>
             <a:endParaRPr lang="ru-RU" dirty="0"/>
           </a:p>
         </p:txBody>
@@ -7754,7 +8476,7 @@
             <a:fld id="{08B8C81A-D127-4942-9B26-C2CC7D2B707B}" type="slidenum">
               <a:rPr lang="ru-RU" smtClean="0"/>
               <a:pPr/>
-              <a:t>19</a:t>
+              <a:t>18</a:t>
             </a:fld>
             <a:endParaRPr lang="ru-RU"/>
           </a:p>
@@ -7763,7 +8485,7 @@
     </p:spTree>
     <p:extLst>
       <p:ext uri="{BB962C8B-B14F-4D97-AF65-F5344CB8AC3E}">
-        <p14:creationId xmlns:p14="http://schemas.microsoft.com/office/powerpoint/2010/main" val="2035781296"/>
+        <p14:creationId xmlns:p14="http://schemas.microsoft.com/office/powerpoint/2010/main" val="1148956392"/>
       </p:ext>
     </p:extLst>
   </p:cSld>
@@ -8513,7 +9235,7 @@
         <p:spPr/>
         <p:txBody>
           <a:bodyPr>
-            <a:normAutofit fontScale="70000" lnSpcReduction="20000"/>
+            <a:normAutofit fontScale="55000" lnSpcReduction="20000"/>
           </a:bodyPr>
           <a:lstStyle/>
           <a:p>
@@ -15325,47 +16047,68 @@
         </p:nvSpPr>
         <p:spPr/>
         <p:txBody>
-          <a:bodyPr>
-            <a:normAutofit fontScale="77500" lnSpcReduction="20000"/>
-          </a:bodyPr>
+          <a:bodyPr/>
           <a:lstStyle/>
           <a:p>
             <a:r>
-              <a:rPr lang="ru-RU" dirty="0" smtClean="0"/>
-              <a:t>Во \</a:t>
-            </a:r>
-            <a:r>
-              <a:rPr lang="ru-RU" dirty="0" err="1" smtClean="0"/>
-              <a:t>textbf</a:t>
-            </a:r>
-            <a:r>
-              <a:rPr lang="ru-RU" dirty="0" smtClean="0"/>
-              <a:t>{введении} обоснована актуальность исследований, проведенных в рамках диссертации; даны общая характеристика работы и анализ исследований в области обслуживания </a:t>
-            </a:r>
-            <a:r>
-              <a:rPr lang="ru-RU" dirty="0" err="1" smtClean="0"/>
-              <a:t>информационнои</a:t>
-            </a:r>
-            <a:r>
-              <a:rPr lang="ru-RU" dirty="0" smtClean="0"/>
-              <a:t>̆ инфраструктуры предприятия; проведен обзор и дана постановка задач, на основе выявленного роста публикационной активности в рассматриваемой предметной области (по данным </a:t>
-            </a:r>
-            <a:r>
-              <a:rPr lang="ru-RU" dirty="0" err="1" smtClean="0"/>
-              <a:t>Scopus</a:t>
-            </a:r>
-            <a:r>
-              <a:rPr lang="ru-RU" dirty="0" smtClean="0"/>
-              <a:t>) обоснована актуальность проведенных исследований. \</a:t>
-            </a:r>
-            <a:r>
-              <a:rPr lang="ru-RU" dirty="0" err="1" smtClean="0"/>
-              <a:t>par</a:t>
+              <a:rPr lang="ru-RU" sz="1200" kern="1200" dirty="0" err="1" smtClean="0">
+                <a:solidFill>
+                  <a:schemeClr val="tx1"/>
+                </a:solidFill>
+                <a:effectLst/>
+                <a:latin typeface="+mn-lt"/>
+                <a:ea typeface="+mn-ea"/>
+                <a:cs typeface="+mn-cs"/>
+              </a:rPr>
+              <a:t>руктуры</a:t>
+            </a:r>
+            <a:r>
+              <a:rPr lang="ru-RU" sz="1200" kern="1200" dirty="0" smtClean="0">
+                <a:solidFill>
+                  <a:schemeClr val="tx1"/>
+                </a:solidFill>
+                <a:effectLst/>
+                <a:latin typeface="+mn-lt"/>
+                <a:ea typeface="+mn-ea"/>
+                <a:cs typeface="+mn-cs"/>
+              </a:rPr>
+              <a:t> </a:t>
             </a:r>
             <a:endParaRPr lang="ru-RU" dirty="0" smtClean="0"/>
           </a:p>
           <a:p>
-            <a:endParaRPr lang="ru-RU" dirty="0" smtClean="0"/>
+            <a:r>
+              <a:rPr lang="ru-RU" sz="1200" b="1" kern="1200" dirty="0" smtClean="0">
+                <a:solidFill>
+                  <a:schemeClr val="tx1"/>
+                </a:solidFill>
+                <a:effectLst/>
+                <a:latin typeface="+mn-lt"/>
+                <a:ea typeface="+mn-ea"/>
+                <a:cs typeface="+mn-cs"/>
+              </a:rPr>
+              <a:t>Категория </a:t>
+            </a:r>
+            <a:endParaRPr lang="ru-RU" dirty="0" smtClean="0">
+              <a:effectLst/>
+            </a:endParaRPr>
+          </a:p>
+          <a:p>
+            <a:r>
+              <a:rPr lang="ru-RU" sz="1200" b="1" kern="1200" dirty="0" smtClean="0">
+                <a:solidFill>
+                  <a:schemeClr val="tx1"/>
+                </a:solidFill>
+                <a:effectLst/>
+                <a:latin typeface="+mn-lt"/>
+                <a:ea typeface="+mn-ea"/>
+                <a:cs typeface="+mn-cs"/>
+              </a:rPr>
+              <a:t>Описание </a:t>
+            </a:r>
+            <a:endParaRPr lang="ru-RU" dirty="0" smtClean="0">
+              <a:effectLst/>
+            </a:endParaRPr>
           </a:p>
           <a:p>
             <a:r>
@@ -15378,7 +16121,24 @@
                 <a:ea typeface="+mn-ea"/>
                 <a:cs typeface="+mn-cs"/>
               </a:rPr>
-              <a:t>Область исследования, с </a:t>
+              <a:t>Проблема с ПО </a:t>
+            </a:r>
+            <a:endParaRPr lang="ru-RU" dirty="0" smtClean="0">
+              <a:effectLst/>
+            </a:endParaRPr>
+          </a:p>
+          <a:p>
+            <a:r>
+              <a:rPr lang="ru-RU" sz="1200" kern="1200" dirty="0" smtClean="0">
+                <a:solidFill>
+                  <a:schemeClr val="tx1"/>
+                </a:solidFill>
+                <a:effectLst/>
+                <a:latin typeface="+mn-lt"/>
+                <a:ea typeface="+mn-ea"/>
+                <a:cs typeface="+mn-cs"/>
+              </a:rPr>
+              <a:t>Проблема при запуске ПО на компьютере. Решается </a:t>
             </a:r>
             <a:r>
               <a:rPr lang="ru-RU" sz="1200" kern="1200" dirty="0" err="1" smtClean="0">
@@ -15390,7 +16150,7 @@
                 <a:ea typeface="+mn-ea"/>
                 <a:cs typeface="+mn-cs"/>
               </a:rPr>
-              <a:t>которои</a:t>
+              <a:t>переуста</a:t>
             </a:r>
             <a:r>
               <a:rPr lang="ru-RU" sz="1200" kern="1200" dirty="0" smtClean="0">
@@ -15402,7 +16162,7 @@
                 <a:ea typeface="+mn-ea"/>
                 <a:cs typeface="+mn-cs"/>
               </a:rPr>
-              <a:t>̆ связана диссертация, является ком- </a:t>
+              <a:t>- </a:t>
             </a:r>
             <a:r>
               <a:rPr lang="ru-RU" sz="1200" kern="1200" dirty="0" err="1" smtClean="0">
@@ -15414,7 +16174,7 @@
                 <a:ea typeface="+mn-ea"/>
                 <a:cs typeface="+mn-cs"/>
               </a:rPr>
-              <a:t>плекснои</a:t>
+              <a:t>новкои</a:t>
             </a:r>
             <a:r>
               <a:rPr lang="ru-RU" sz="1200" kern="1200" dirty="0" smtClean="0">
@@ -15426,7 +16186,75 @@
                 <a:ea typeface="+mn-ea"/>
                 <a:cs typeface="+mn-cs"/>
               </a:rPr>
-              <a:t>̆ и включает в себя различные направления работ, в частности, </a:t>
+              <a:t>̆ </a:t>
+            </a:r>
+            <a:endParaRPr lang="ru-RU" dirty="0" smtClean="0">
+              <a:effectLst/>
+            </a:endParaRPr>
+          </a:p>
+          <a:p>
+            <a:r>
+              <a:rPr lang="ru-RU" sz="1200" kern="1200" dirty="0" smtClean="0">
+                <a:solidFill>
+                  <a:schemeClr val="tx1"/>
+                </a:solidFill>
+                <a:effectLst/>
+                <a:latin typeface="+mn-lt"/>
+                <a:ea typeface="+mn-ea"/>
+                <a:cs typeface="+mn-cs"/>
+              </a:rPr>
+              <a:t>Проблемы во время работы </a:t>
+            </a:r>
+            <a:endParaRPr lang="ru-RU" dirty="0" smtClean="0">
+              <a:effectLst/>
+            </a:endParaRPr>
+          </a:p>
+          <a:p>
+            <a:r>
+              <a:rPr lang="ru-RU" sz="1200" kern="1200" dirty="0" smtClean="0">
+                <a:solidFill>
+                  <a:schemeClr val="tx1"/>
+                </a:solidFill>
+                <a:effectLst/>
+                <a:latin typeface="+mn-lt"/>
+                <a:ea typeface="+mn-ea"/>
+                <a:cs typeface="+mn-cs"/>
+              </a:rPr>
+              <a:t>Проблема с функционированием программного обеспечения </a:t>
+            </a:r>
+            <a:endParaRPr lang="ru-RU" dirty="0" smtClean="0">
+              <a:effectLst/>
+            </a:endParaRPr>
+          </a:p>
+          <a:p>
+            <a:r>
+              <a:rPr lang="ru-RU" sz="1200" kern="1200" dirty="0" smtClean="0">
+                <a:solidFill>
+                  <a:schemeClr val="tx1"/>
+                </a:solidFill>
+                <a:effectLst/>
+                <a:latin typeface="+mn-lt"/>
+                <a:ea typeface="+mn-ea"/>
+                <a:cs typeface="+mn-cs"/>
+              </a:rPr>
+              <a:t>Как сделать </a:t>
+            </a:r>
+            <a:endParaRPr lang="ru-RU" dirty="0" smtClean="0">
+              <a:effectLst/>
+            </a:endParaRPr>
+          </a:p>
+          <a:p>
+            <a:r>
+              <a:rPr lang="ru-RU" sz="1200" kern="1200" dirty="0" smtClean="0">
+                <a:solidFill>
+                  <a:schemeClr val="tx1"/>
+                </a:solidFill>
+                <a:effectLst/>
+                <a:latin typeface="+mn-lt"/>
+                <a:ea typeface="+mn-ea"/>
+                <a:cs typeface="+mn-cs"/>
+              </a:rPr>
+              <a:t>Запрос на инструкцию по </a:t>
             </a:r>
             <a:r>
               <a:rPr lang="ru-RU" sz="1200" kern="1200" dirty="0" err="1" smtClean="0">
@@ -15438,7 +16266,7 @@
                 <a:ea typeface="+mn-ea"/>
                 <a:cs typeface="+mn-cs"/>
               </a:rPr>
-              <a:t>созда</a:t>
+              <a:t>рабо</a:t>
             </a:r>
             <a:r>
               <a:rPr lang="ru-RU" sz="1200" kern="1200" dirty="0" smtClean="0">
@@ -15450,6 +16278,88 @@
                 <a:ea typeface="+mn-ea"/>
                 <a:cs typeface="+mn-cs"/>
               </a:rPr>
+              <a:t>- те с тем или иным компонентом </a:t>
+            </a:r>
+            <a:r>
+              <a:rPr lang="ru-RU" sz="1200" kern="1200" dirty="0" err="1" smtClean="0">
+                <a:solidFill>
+                  <a:schemeClr val="tx1"/>
+                </a:solidFill>
+                <a:effectLst/>
+                <a:latin typeface="+mn-lt"/>
+                <a:ea typeface="+mn-ea"/>
+                <a:cs typeface="+mn-cs"/>
+              </a:rPr>
+              <a:t>рабочеи</a:t>
+            </a:r>
+            <a:r>
+              <a:rPr lang="ru-RU" sz="1200" kern="1200" dirty="0" smtClean="0">
+                <a:solidFill>
+                  <a:schemeClr val="tx1"/>
+                </a:solidFill>
+                <a:effectLst/>
+                <a:latin typeface="+mn-lt"/>
+                <a:ea typeface="+mn-ea"/>
+                <a:cs typeface="+mn-cs"/>
+              </a:rPr>
+              <a:t>̆ станции </a:t>
+            </a:r>
+            <a:endParaRPr lang="ru-RU" dirty="0" smtClean="0">
+              <a:effectLst/>
+            </a:endParaRPr>
+          </a:p>
+          <a:p>
+            <a:r>
+              <a:rPr lang="ru-RU" sz="1200" kern="1200" dirty="0" smtClean="0">
+                <a:solidFill>
+                  <a:schemeClr val="tx1"/>
+                </a:solidFill>
+                <a:effectLst/>
+                <a:latin typeface="+mn-lt"/>
+                <a:ea typeface="+mn-ea"/>
+                <a:cs typeface="+mn-cs"/>
+              </a:rPr>
+              <a:t>Проблема с оборудованием </a:t>
+            </a:r>
+            <a:endParaRPr lang="ru-RU" dirty="0" smtClean="0">
+              <a:effectLst/>
+            </a:endParaRPr>
+          </a:p>
+          <a:p>
+            <a:r>
+              <a:rPr lang="ru-RU" sz="1200" kern="1200" dirty="0" smtClean="0">
+                <a:solidFill>
+                  <a:schemeClr val="tx1"/>
+                </a:solidFill>
+                <a:effectLst/>
+                <a:latin typeface="+mn-lt"/>
+                <a:ea typeface="+mn-ea"/>
+                <a:cs typeface="+mn-cs"/>
+              </a:rPr>
+              <a:t>Неполадки на уровне </a:t>
+            </a:r>
+            <a:r>
+              <a:rPr lang="ru-RU" sz="1200" kern="1200" dirty="0" err="1" smtClean="0">
+                <a:solidFill>
+                  <a:schemeClr val="tx1"/>
+                </a:solidFill>
+                <a:effectLst/>
+                <a:latin typeface="+mn-lt"/>
+                <a:ea typeface="+mn-ea"/>
+                <a:cs typeface="+mn-cs"/>
+              </a:rPr>
+              <a:t>оборудова</a:t>
+            </a:r>
+            <a:r>
+              <a:rPr lang="ru-RU" sz="1200" kern="1200" dirty="0" smtClean="0">
+                <a:solidFill>
+                  <a:schemeClr val="tx1"/>
+                </a:solidFill>
+                <a:effectLst/>
+                <a:latin typeface="+mn-lt"/>
+                <a:ea typeface="+mn-ea"/>
+                <a:cs typeface="+mn-cs"/>
+              </a:rPr>
               <a:t>- </a:t>
             </a:r>
             <a:r>
@@ -15474,7 +16384,126 @@
                 <a:ea typeface="+mn-ea"/>
                 <a:cs typeface="+mn-cs"/>
               </a:rPr>
-              <a:t> различных интеллектуальных систем. Сфера применения </a:t>
+              <a:t> </a:t>
+            </a:r>
+            <a:endParaRPr lang="ru-RU" dirty="0" smtClean="0">
+              <a:effectLst/>
+            </a:endParaRPr>
+          </a:p>
+          <a:p>
+            <a:r>
+              <a:rPr lang="ru-RU" sz="1200" kern="1200" dirty="0" smtClean="0">
+                <a:solidFill>
+                  <a:schemeClr val="tx1"/>
+                </a:solidFill>
+                <a:effectLst/>
+                <a:latin typeface="+mn-lt"/>
+                <a:ea typeface="+mn-ea"/>
+                <a:cs typeface="+mn-cs"/>
+              </a:rPr>
+              <a:t>Установить новое ПО </a:t>
+            </a:r>
+            <a:endParaRPr lang="ru-RU" dirty="0" smtClean="0">
+              <a:effectLst/>
+            </a:endParaRPr>
+          </a:p>
+          <a:p>
+            <a:r>
+              <a:rPr lang="ru-RU" sz="1200" kern="1200" dirty="0" smtClean="0">
+                <a:solidFill>
+                  <a:schemeClr val="tx1"/>
+                </a:solidFill>
+                <a:effectLst/>
+                <a:latin typeface="+mn-lt"/>
+                <a:ea typeface="+mn-ea"/>
+                <a:cs typeface="+mn-cs"/>
+              </a:rPr>
+              <a:t>Требование установки нового программного обеспечения </a:t>
+            </a:r>
+            <a:endParaRPr lang="ru-RU" dirty="0" smtClean="0">
+              <a:effectLst/>
+            </a:endParaRPr>
+          </a:p>
+          <a:p>
+            <a:r>
+              <a:rPr lang="ru-RU" sz="1200" kern="1200" dirty="0" smtClean="0">
+                <a:solidFill>
+                  <a:schemeClr val="tx1"/>
+                </a:solidFill>
+                <a:effectLst/>
+                <a:latin typeface="+mn-lt"/>
+                <a:ea typeface="+mn-ea"/>
+                <a:cs typeface="+mn-cs"/>
+              </a:rPr>
+              <a:t>Проблема с печатью </a:t>
+            </a:r>
+            <a:endParaRPr lang="ru-RU" dirty="0" smtClean="0">
+              <a:effectLst/>
+            </a:endParaRPr>
+          </a:p>
+          <a:p>
+            <a:r>
+              <a:rPr lang="ru-RU" sz="1200" kern="1200" dirty="0" smtClean="0">
+                <a:solidFill>
+                  <a:schemeClr val="tx1"/>
+                </a:solidFill>
+                <a:effectLst/>
+                <a:latin typeface="+mn-lt"/>
+                <a:ea typeface="+mn-ea"/>
+                <a:cs typeface="+mn-cs"/>
+              </a:rPr>
+              <a:t>Установка принтера в систему </a:t>
+            </a:r>
+            <a:endParaRPr lang="ru-RU" dirty="0" smtClean="0">
+              <a:effectLst/>
+            </a:endParaRPr>
+          </a:p>
+          <a:p>
+            <a:r>
+              <a:rPr lang="ru-RU" sz="1200" kern="1200" dirty="0" smtClean="0">
+                <a:solidFill>
+                  <a:schemeClr val="tx1"/>
+                </a:solidFill>
+                <a:effectLst/>
+                <a:latin typeface="+mn-lt"/>
+                <a:ea typeface="+mn-ea"/>
+                <a:cs typeface="+mn-cs"/>
+              </a:rPr>
+              <a:t>Нет доступа </a:t>
+            </a:r>
+            <a:endParaRPr lang="ru-RU" dirty="0" smtClean="0">
+              <a:effectLst/>
+            </a:endParaRPr>
+          </a:p>
+          <a:p>
+            <a:r>
+              <a:rPr lang="ru-RU" sz="1200" kern="1200" dirty="0" smtClean="0">
+                <a:solidFill>
+                  <a:schemeClr val="tx1"/>
+                </a:solidFill>
+                <a:effectLst/>
+                <a:latin typeface="+mn-lt"/>
+                <a:ea typeface="+mn-ea"/>
+                <a:cs typeface="+mn-cs"/>
+              </a:rPr>
+              <a:t>Нет доступа к общим ресурсам </a:t>
+            </a:r>
+            <a:endParaRPr lang="ru-RU" dirty="0" smtClean="0">
+              <a:effectLst/>
+            </a:endParaRPr>
+          </a:p>
+          <a:p>
+            <a:r>
+              <a:rPr lang="ru-RU" sz="1200" kern="1200" dirty="0" smtClean="0">
+                <a:solidFill>
+                  <a:schemeClr val="tx1"/>
+                </a:solidFill>
+                <a:effectLst/>
+                <a:latin typeface="+mn-lt"/>
+                <a:ea typeface="+mn-ea"/>
+                <a:cs typeface="+mn-cs"/>
+              </a:rPr>
+              <a:t>Как показывают исследования, решение части задач может быть </a:t>
             </a:r>
             <a:r>
               <a:rPr lang="ru-RU" sz="1200" kern="1200" dirty="0" err="1" smtClean="0">
@@ -15486,7 +16515,7 @@
                 <a:ea typeface="+mn-ea"/>
                 <a:cs typeface="+mn-cs"/>
               </a:rPr>
-              <a:t>интеллектуаль</a:t>
+              <a:t>автом</a:t>
             </a:r>
             <a:r>
               <a:rPr lang="ru-RU" sz="1200" kern="1200" dirty="0" smtClean="0">
@@ -15498,628 +16527,8 @@
                 <a:ea typeface="+mn-ea"/>
                 <a:cs typeface="+mn-cs"/>
               </a:rPr>
-              <a:t>- </a:t>
-            </a:r>
-            <a:r>
-              <a:rPr lang="ru-RU" sz="1200" kern="1200" dirty="0" err="1" smtClean="0">
-                <a:solidFill>
-                  <a:schemeClr val="tx1"/>
-                </a:solidFill>
-                <a:effectLst/>
-                <a:latin typeface="+mn-lt"/>
-                <a:ea typeface="+mn-ea"/>
-                <a:cs typeface="+mn-cs"/>
-              </a:rPr>
-              <a:t>ных</a:t>
-            </a:r>
-            <a:r>
-              <a:rPr lang="ru-RU" sz="1200" kern="1200" dirty="0" smtClean="0">
-                <a:solidFill>
-                  <a:schemeClr val="tx1"/>
-                </a:solidFill>
-                <a:effectLst/>
-                <a:latin typeface="+mn-lt"/>
-                <a:ea typeface="+mn-ea"/>
-                <a:cs typeface="+mn-cs"/>
-              </a:rPr>
-              <a:t> систем обширна, например, в Институте </a:t>
-            </a:r>
-            <a:r>
-              <a:rPr lang="ru-RU" sz="1200" kern="1200" dirty="0" err="1" smtClean="0">
-                <a:solidFill>
-                  <a:schemeClr val="tx1"/>
-                </a:solidFill>
-                <a:effectLst/>
-                <a:latin typeface="+mn-lt"/>
-                <a:ea typeface="+mn-ea"/>
-                <a:cs typeface="+mn-cs"/>
-              </a:rPr>
-              <a:t>Чиная</a:t>
-            </a:r>
-            <a:r>
-              <a:rPr lang="ru-RU" sz="1200" kern="1200" dirty="0" smtClean="0">
-                <a:solidFill>
-                  <a:schemeClr val="tx1"/>
-                </a:solidFill>
-                <a:effectLst/>
-                <a:latin typeface="+mn-lt"/>
-                <a:ea typeface="+mn-ea"/>
-                <a:cs typeface="+mn-cs"/>
-              </a:rPr>
-              <a:t> (Индия) Е. </a:t>
-            </a:r>
-            <a:r>
-              <a:rPr lang="ru-RU" sz="1200" kern="1200" dirty="0" err="1" smtClean="0">
-                <a:solidFill>
-                  <a:schemeClr val="tx1"/>
-                </a:solidFill>
-                <a:effectLst/>
-                <a:latin typeface="+mn-lt"/>
-                <a:ea typeface="+mn-ea"/>
-                <a:cs typeface="+mn-cs"/>
-              </a:rPr>
-              <a:t>Джубилсоном</a:t>
-            </a:r>
-            <a:r>
-              <a:rPr lang="ru-RU" sz="1200" kern="1200" dirty="0" smtClean="0">
-                <a:solidFill>
-                  <a:schemeClr val="tx1"/>
-                </a:solidFill>
-                <a:effectLst/>
-                <a:latin typeface="+mn-lt"/>
-                <a:ea typeface="+mn-ea"/>
-                <a:cs typeface="+mn-cs"/>
-              </a:rPr>
-              <a:t> и П. </a:t>
-            </a:r>
-            <a:r>
-              <a:rPr lang="ru-RU" sz="1200" kern="1200" dirty="0" err="1" smtClean="0">
-                <a:solidFill>
-                  <a:schemeClr val="tx1"/>
-                </a:solidFill>
-                <a:effectLst/>
-                <a:latin typeface="+mn-lt"/>
-                <a:ea typeface="+mn-ea"/>
-                <a:cs typeface="+mn-cs"/>
-              </a:rPr>
-              <a:t>Дханавантини</a:t>
-            </a:r>
-            <a:r>
-              <a:rPr lang="ru-RU" sz="1200" kern="1200" dirty="0" smtClean="0">
-                <a:solidFill>
-                  <a:schemeClr val="tx1"/>
-                </a:solidFill>
-                <a:effectLst/>
-                <a:latin typeface="+mn-lt"/>
-                <a:ea typeface="+mn-ea"/>
-                <a:cs typeface="+mn-cs"/>
-              </a:rPr>
-              <a:t> ведутся исследования интеллектуальных систем </a:t>
-            </a:r>
-            <a:r>
-              <a:rPr lang="ru-RU" sz="1200" kern="1200" dirty="0" err="1" smtClean="0">
-                <a:solidFill>
-                  <a:schemeClr val="tx1"/>
-                </a:solidFill>
-                <a:effectLst/>
-                <a:latin typeface="+mn-lt"/>
-                <a:ea typeface="+mn-ea"/>
-                <a:cs typeface="+mn-cs"/>
-              </a:rPr>
-              <a:t>обработ</a:t>
-            </a:r>
-            <a:r>
-              <a:rPr lang="ru-RU" sz="1200" kern="1200" dirty="0" smtClean="0">
-                <a:solidFill>
-                  <a:schemeClr val="tx1"/>
-                </a:solidFill>
-                <a:effectLst/>
-                <a:latin typeface="+mn-lt"/>
-                <a:ea typeface="+mn-ea"/>
-                <a:cs typeface="+mn-cs"/>
-              </a:rPr>
-              <a:t>- </a:t>
-            </a:r>
-            <a:r>
-              <a:rPr lang="ru-RU" sz="1200" kern="1200" dirty="0" err="1" smtClean="0">
-                <a:solidFill>
-                  <a:schemeClr val="tx1"/>
-                </a:solidFill>
-                <a:effectLst/>
-                <a:latin typeface="+mn-lt"/>
-                <a:ea typeface="+mn-ea"/>
-                <a:cs typeface="+mn-cs"/>
-              </a:rPr>
-              <a:t>ки</a:t>
-            </a:r>
-            <a:r>
-              <a:rPr lang="ru-RU" sz="1200" kern="1200" dirty="0" smtClean="0">
-                <a:solidFill>
-                  <a:schemeClr val="tx1"/>
-                </a:solidFill>
-                <a:effectLst/>
-                <a:latin typeface="+mn-lt"/>
-                <a:ea typeface="+mn-ea"/>
-                <a:cs typeface="+mn-cs"/>
-              </a:rPr>
-              <a:t> запросов </a:t>
-            </a:r>
-            <a:r>
-              <a:rPr lang="ru-RU" sz="1200" kern="1200" dirty="0" err="1" smtClean="0">
-                <a:solidFill>
-                  <a:schemeClr val="tx1"/>
-                </a:solidFill>
-                <a:effectLst/>
-                <a:latin typeface="+mn-lt"/>
-                <a:ea typeface="+mn-ea"/>
-                <a:cs typeface="+mn-cs"/>
-              </a:rPr>
-              <a:t>пользователеи</a:t>
-            </a:r>
-            <a:r>
-              <a:rPr lang="ru-RU" sz="1200" kern="1200" dirty="0" smtClean="0">
-                <a:solidFill>
-                  <a:schemeClr val="tx1"/>
-                </a:solidFill>
-                <a:effectLst/>
-                <a:latin typeface="+mn-lt"/>
-                <a:ea typeface="+mn-ea"/>
-                <a:cs typeface="+mn-cs"/>
-              </a:rPr>
-              <a:t>̆ в области телекоммуникаций, </a:t>
-            </a:r>
-          </a:p>
-          <a:p>
-            <a:endParaRPr lang="ru-RU" sz="1200" kern="1200" dirty="0" smtClean="0">
-              <a:solidFill>
-                <a:schemeClr val="tx1"/>
-              </a:solidFill>
-              <a:effectLst/>
-              <a:latin typeface="+mn-lt"/>
-              <a:ea typeface="+mn-ea"/>
-              <a:cs typeface="+mn-cs"/>
-            </a:endParaRPr>
-          </a:p>
-          <a:p>
-            <a:endParaRPr lang="ru-RU" sz="1200" kern="1200" dirty="0" smtClean="0">
-              <a:solidFill>
-                <a:schemeClr val="tx1"/>
-              </a:solidFill>
-              <a:effectLst/>
-              <a:latin typeface="+mn-lt"/>
-              <a:ea typeface="+mn-ea"/>
-              <a:cs typeface="+mn-cs"/>
-            </a:endParaRPr>
-          </a:p>
-          <a:p>
-            <a:endParaRPr lang="ru-RU" sz="1200" kern="1200" dirty="0" smtClean="0">
-              <a:solidFill>
-                <a:schemeClr val="tx1"/>
-              </a:solidFill>
-              <a:effectLst/>
-              <a:latin typeface="+mn-lt"/>
-              <a:ea typeface="+mn-ea"/>
-              <a:cs typeface="+mn-cs"/>
-            </a:endParaRPr>
-          </a:p>
-          <a:p>
-            <a:r>
-              <a:rPr lang="ru-RU" sz="1200" kern="1200" dirty="0" smtClean="0">
-                <a:solidFill>
-                  <a:schemeClr val="tx1"/>
-                </a:solidFill>
-                <a:effectLst/>
-                <a:latin typeface="+mn-lt"/>
-                <a:ea typeface="+mn-ea"/>
-                <a:cs typeface="+mn-cs"/>
-              </a:rPr>
-              <a:t>а в университете </a:t>
-            </a:r>
-            <a:r>
-              <a:rPr lang="ru-RU" sz="1200" kern="1200" dirty="0" err="1" smtClean="0">
-                <a:solidFill>
-                  <a:schemeClr val="tx1"/>
-                </a:solidFill>
-                <a:effectLst/>
-                <a:latin typeface="+mn-lt"/>
-                <a:ea typeface="+mn-ea"/>
-                <a:cs typeface="+mn-cs"/>
-              </a:rPr>
-              <a:t>Ган</a:t>
-            </a:r>
-            <a:r>
-              <a:rPr lang="ru-RU" sz="1200" kern="1200" dirty="0" smtClean="0">
-                <a:solidFill>
-                  <a:schemeClr val="tx1"/>
-                </a:solidFill>
-                <a:effectLst/>
-                <a:latin typeface="+mn-lt"/>
-                <a:ea typeface="+mn-ea"/>
-                <a:cs typeface="+mn-cs"/>
-              </a:rPr>
-              <a:t>- </a:t>
-            </a:r>
-            <a:r>
-              <a:rPr lang="ru-RU" sz="1200" kern="1200" dirty="0" err="1" smtClean="0">
-                <a:solidFill>
-                  <a:schemeClr val="tx1"/>
-                </a:solidFill>
-                <a:effectLst/>
-                <a:latin typeface="+mn-lt"/>
-                <a:ea typeface="+mn-ea"/>
-                <a:cs typeface="+mn-cs"/>
-              </a:rPr>
-              <a:t>новера</a:t>
-            </a:r>
-            <a:r>
-              <a:rPr lang="ru-RU" sz="1200" kern="1200" dirty="0" smtClean="0">
-                <a:solidFill>
-                  <a:schemeClr val="tx1"/>
-                </a:solidFill>
-                <a:effectLst/>
-                <a:latin typeface="+mn-lt"/>
-                <a:ea typeface="+mn-ea"/>
-                <a:cs typeface="+mn-cs"/>
-              </a:rPr>
-              <a:t> (Германия) Р. Брунс и Дж. </a:t>
-            </a:r>
-            <a:r>
-              <a:rPr lang="ru-RU" sz="1200" kern="1200" dirty="0" err="1" smtClean="0">
-                <a:solidFill>
-                  <a:schemeClr val="tx1"/>
-                </a:solidFill>
-                <a:effectLst/>
-                <a:latin typeface="+mn-lt"/>
-                <a:ea typeface="+mn-ea"/>
-                <a:cs typeface="+mn-cs"/>
-              </a:rPr>
-              <a:t>Данкель</a:t>
-            </a:r>
-            <a:r>
-              <a:rPr lang="ru-RU" sz="1200" kern="1200" dirty="0" smtClean="0">
-                <a:solidFill>
-                  <a:schemeClr val="tx1"/>
-                </a:solidFill>
-                <a:effectLst/>
-                <a:latin typeface="+mn-lt"/>
-                <a:ea typeface="+mn-ea"/>
-                <a:cs typeface="+mn-cs"/>
-              </a:rPr>
-              <a:t> разрабатывают интеллектуальные системы для обработки запросов в службу спасения с целью уменьшения </a:t>
-            </a:r>
-            <a:r>
-              <a:rPr lang="ru-RU" sz="1200" kern="1200" dirty="0" err="1" smtClean="0">
-                <a:solidFill>
-                  <a:schemeClr val="tx1"/>
-                </a:solidFill>
-                <a:effectLst/>
-                <a:latin typeface="+mn-lt"/>
-                <a:ea typeface="+mn-ea"/>
-                <a:cs typeface="+mn-cs"/>
-              </a:rPr>
-              <a:t>вре</a:t>
-            </a:r>
-            <a:r>
-              <a:rPr lang="ru-RU" sz="1200" kern="1200" dirty="0" smtClean="0">
-                <a:solidFill>
-                  <a:schemeClr val="tx1"/>
-                </a:solidFill>
-                <a:effectLst/>
-                <a:latin typeface="+mn-lt"/>
-                <a:ea typeface="+mn-ea"/>
-                <a:cs typeface="+mn-cs"/>
-              </a:rPr>
-              <a:t>- </a:t>
-            </a:r>
-            <a:r>
-              <a:rPr lang="ru-RU" sz="1200" kern="1200" dirty="0" err="1" smtClean="0">
-                <a:solidFill>
-                  <a:schemeClr val="tx1"/>
-                </a:solidFill>
-                <a:effectLst/>
-                <a:latin typeface="+mn-lt"/>
-                <a:ea typeface="+mn-ea"/>
-                <a:cs typeface="+mn-cs"/>
-              </a:rPr>
-              <a:t>мени</a:t>
-            </a:r>
-            <a:r>
-              <a:rPr lang="ru-RU" sz="1200" kern="1200" dirty="0" smtClean="0">
-                <a:solidFill>
-                  <a:schemeClr val="tx1"/>
-                </a:solidFill>
-                <a:effectLst/>
-                <a:latin typeface="+mn-lt"/>
-                <a:ea typeface="+mn-ea"/>
-                <a:cs typeface="+mn-cs"/>
-              </a:rPr>
-              <a:t> реакции на происшествие. </a:t>
-            </a:r>
-          </a:p>
-          <a:p>
-            <a:endParaRPr lang="ru-RU" sz="1200" kern="1200" dirty="0" smtClean="0">
-              <a:solidFill>
-                <a:schemeClr val="tx1"/>
-              </a:solidFill>
-              <a:effectLst/>
-              <a:latin typeface="+mn-lt"/>
-              <a:ea typeface="+mn-ea"/>
-              <a:cs typeface="+mn-cs"/>
-            </a:endParaRPr>
-          </a:p>
-          <a:p>
-            <a:r>
-              <a:rPr lang="ru-RU" sz="1200" kern="1200" dirty="0" smtClean="0">
-                <a:solidFill>
-                  <a:schemeClr val="tx1"/>
-                </a:solidFill>
-                <a:effectLst/>
-                <a:latin typeface="+mn-lt"/>
-                <a:ea typeface="+mn-ea"/>
-                <a:cs typeface="+mn-cs"/>
-              </a:rPr>
-              <a:t>В Санкт-Петербургском государственном </a:t>
-            </a:r>
-            <a:r>
-              <a:rPr lang="ru-RU" sz="1200" kern="1200" dirty="0" err="1" smtClean="0">
-                <a:solidFill>
-                  <a:schemeClr val="tx1"/>
-                </a:solidFill>
-                <a:effectLst/>
-                <a:latin typeface="+mn-lt"/>
-                <a:ea typeface="+mn-ea"/>
-                <a:cs typeface="+mn-cs"/>
-              </a:rPr>
-              <a:t>уни</a:t>
-            </a:r>
-            <a:r>
-              <a:rPr lang="ru-RU" sz="1200" kern="1200" dirty="0" smtClean="0">
-                <a:solidFill>
-                  <a:schemeClr val="tx1"/>
-                </a:solidFill>
-                <a:effectLst/>
-                <a:latin typeface="+mn-lt"/>
-                <a:ea typeface="+mn-ea"/>
-                <a:cs typeface="+mn-cs"/>
-              </a:rPr>
-              <a:t>- </a:t>
-            </a:r>
-            <a:r>
-              <a:rPr lang="ru-RU" sz="1200" kern="1200" dirty="0" err="1" smtClean="0">
-                <a:solidFill>
-                  <a:schemeClr val="tx1"/>
-                </a:solidFill>
-                <a:effectLst/>
-                <a:latin typeface="+mn-lt"/>
-                <a:ea typeface="+mn-ea"/>
-                <a:cs typeface="+mn-cs"/>
-              </a:rPr>
-              <a:t>верситете</a:t>
-            </a:r>
-            <a:r>
-              <a:rPr lang="ru-RU" sz="1200" kern="1200" dirty="0" smtClean="0">
-                <a:solidFill>
-                  <a:schemeClr val="tx1"/>
-                </a:solidFill>
-                <a:effectLst/>
-                <a:latin typeface="+mn-lt"/>
-                <a:ea typeface="+mn-ea"/>
-                <a:cs typeface="+mn-cs"/>
-              </a:rPr>
-              <a:t> под руководством В.И. Золотарева проводится оценка эффективно- </a:t>
-            </a:r>
-            <a:r>
-              <a:rPr lang="ru-RU" sz="1200" kern="1200" dirty="0" err="1" smtClean="0">
-                <a:solidFill>
-                  <a:schemeClr val="tx1"/>
-                </a:solidFill>
-                <a:effectLst/>
-                <a:latin typeface="+mn-lt"/>
-                <a:ea typeface="+mn-ea"/>
-                <a:cs typeface="+mn-cs"/>
-              </a:rPr>
-              <a:t>сти</a:t>
-            </a:r>
-            <a:r>
-              <a:rPr lang="ru-RU" sz="1200" kern="1200" dirty="0" smtClean="0">
-                <a:solidFill>
-                  <a:schemeClr val="tx1"/>
-                </a:solidFill>
-                <a:effectLst/>
-                <a:latin typeface="+mn-lt"/>
-                <a:ea typeface="+mn-ea"/>
-                <a:cs typeface="+mn-cs"/>
-              </a:rPr>
-              <a:t> службы </a:t>
-            </a:r>
-            <a:r>
-              <a:rPr lang="ru-RU" sz="1200" kern="1200" dirty="0" err="1" smtClean="0">
-                <a:solidFill>
-                  <a:schemeClr val="tx1"/>
-                </a:solidFill>
-                <a:effectLst/>
-                <a:latin typeface="+mn-lt"/>
-                <a:ea typeface="+mn-ea"/>
-                <a:cs typeface="+mn-cs"/>
-              </a:rPr>
-              <a:t>информационнои</a:t>
-            </a:r>
-            <a:r>
-              <a:rPr lang="ru-RU" sz="1200" kern="1200" dirty="0" smtClean="0">
-                <a:solidFill>
-                  <a:schemeClr val="tx1"/>
-                </a:solidFill>
-                <a:effectLst/>
-                <a:latin typeface="+mn-lt"/>
-                <a:ea typeface="+mn-ea"/>
-                <a:cs typeface="+mn-cs"/>
-              </a:rPr>
-              <a:t>̆ поддержки в Вычислительном центре СПбГУ. </a:t>
-            </a:r>
-          </a:p>
-          <a:p>
-            <a:endParaRPr lang="ru-RU" sz="1200" kern="1200" dirty="0" smtClean="0">
-              <a:solidFill>
-                <a:schemeClr val="tx1"/>
-              </a:solidFill>
-              <a:effectLst/>
-              <a:latin typeface="+mn-lt"/>
-              <a:ea typeface="+mn-ea"/>
-              <a:cs typeface="+mn-cs"/>
-            </a:endParaRPr>
-          </a:p>
-          <a:p>
-            <a:r>
-              <a:rPr lang="ru-RU" sz="1200" kern="1200" dirty="0" smtClean="0">
-                <a:solidFill>
-                  <a:schemeClr val="tx1"/>
-                </a:solidFill>
-                <a:effectLst/>
-                <a:latin typeface="+mn-lt"/>
-                <a:ea typeface="+mn-ea"/>
-                <a:cs typeface="+mn-cs"/>
-              </a:rPr>
-              <a:t>В </a:t>
-            </a:r>
-            <a:endParaRPr lang="ru-RU" dirty="0" smtClean="0"/>
-          </a:p>
-          <a:p>
-            <a:r>
-              <a:rPr lang="ru-RU" sz="1200" kern="1200" dirty="0" smtClean="0">
-                <a:solidFill>
-                  <a:schemeClr val="tx1"/>
-                </a:solidFill>
-                <a:effectLst/>
-                <a:latin typeface="+mn-lt"/>
-                <a:ea typeface="+mn-ea"/>
-                <a:cs typeface="+mn-cs"/>
-              </a:rPr>
-              <a:t>Сингапуре С. Фу и П. </a:t>
-            </a:r>
-            <a:r>
-              <a:rPr lang="ru-RU" sz="1200" kern="1200" dirty="0" err="1" smtClean="0">
-                <a:solidFill>
-                  <a:schemeClr val="tx1"/>
-                </a:solidFill>
-                <a:effectLst/>
-                <a:latin typeface="+mn-lt"/>
-                <a:ea typeface="+mn-ea"/>
-                <a:cs typeface="+mn-cs"/>
-              </a:rPr>
-              <a:t>Леонг</a:t>
-            </a:r>
-            <a:r>
-              <a:rPr lang="ru-RU" sz="1200" kern="1200" dirty="0" smtClean="0">
-                <a:solidFill>
-                  <a:schemeClr val="tx1"/>
-                </a:solidFill>
-                <a:effectLst/>
-                <a:latin typeface="+mn-lt"/>
-                <a:ea typeface="+mn-ea"/>
-                <a:cs typeface="+mn-cs"/>
-              </a:rPr>
-              <a:t> проведен анализ эффективности ИТ-службы под- 7 </a:t>
-            </a:r>
-            <a:endParaRPr lang="ru-RU" dirty="0" smtClean="0"/>
-          </a:p>
-          <a:p>
-            <a:r>
-              <a:rPr lang="ru-RU" sz="1200" kern="1200" dirty="0" err="1" smtClean="0">
-                <a:solidFill>
-                  <a:schemeClr val="tx1"/>
-                </a:solidFill>
-                <a:effectLst/>
-                <a:latin typeface="+mn-lt"/>
-                <a:ea typeface="+mn-ea"/>
-                <a:cs typeface="+mn-cs"/>
-              </a:rPr>
-              <a:t>держки</a:t>
-            </a:r>
-            <a:r>
-              <a:rPr lang="ru-RU" sz="1200" kern="1200" dirty="0" smtClean="0">
-                <a:solidFill>
-                  <a:schemeClr val="tx1"/>
-                </a:solidFill>
-                <a:effectLst/>
-                <a:latin typeface="+mn-lt"/>
-                <a:ea typeface="+mn-ea"/>
-                <a:cs typeface="+mn-cs"/>
-              </a:rPr>
               <a:t> </a:t>
             </a:r>
-            <a:r>
-              <a:rPr lang="ru-RU" sz="1200" kern="1200" dirty="0" err="1" smtClean="0">
-                <a:solidFill>
-                  <a:schemeClr val="tx1"/>
-                </a:solidFill>
-                <a:effectLst/>
-                <a:latin typeface="+mn-lt"/>
-                <a:ea typeface="+mn-ea"/>
-                <a:cs typeface="+mn-cs"/>
-              </a:rPr>
-              <a:t>крупнои</a:t>
-            </a:r>
-            <a:r>
-              <a:rPr lang="ru-RU" sz="1200" kern="1200" dirty="0" smtClean="0">
-                <a:solidFill>
-                  <a:schemeClr val="tx1"/>
-                </a:solidFill>
-                <a:effectLst/>
-                <a:latin typeface="+mn-lt"/>
-                <a:ea typeface="+mn-ea"/>
-                <a:cs typeface="+mn-cs"/>
-              </a:rPr>
-              <a:t>̆ компании и показана возможность автоматизации ряда про- </a:t>
-            </a:r>
-            <a:r>
-              <a:rPr lang="ru-RU" sz="1200" kern="1200" dirty="0" err="1" smtClean="0">
-                <a:solidFill>
-                  <a:schemeClr val="tx1"/>
-                </a:solidFill>
-                <a:effectLst/>
-                <a:latin typeface="+mn-lt"/>
-                <a:ea typeface="+mn-ea"/>
-                <a:cs typeface="+mn-cs"/>
-              </a:rPr>
-              <a:t>цессов</a:t>
-            </a:r>
-            <a:r>
-              <a:rPr lang="ru-RU" sz="1200" kern="1200" dirty="0" smtClean="0">
-                <a:solidFill>
-                  <a:schemeClr val="tx1"/>
-                </a:solidFill>
-                <a:effectLst/>
-                <a:latin typeface="+mn-lt"/>
-                <a:ea typeface="+mn-ea"/>
-                <a:cs typeface="+mn-cs"/>
-              </a:rPr>
-              <a:t>. </a:t>
-            </a:r>
-            <a:endParaRPr lang="en-US" sz="1200" kern="1200" dirty="0" smtClean="0">
-              <a:solidFill>
-                <a:schemeClr val="tx1"/>
-              </a:solidFill>
-              <a:effectLst/>
-              <a:latin typeface="+mn-lt"/>
-              <a:ea typeface="+mn-ea"/>
-              <a:cs typeface="+mn-cs"/>
-            </a:endParaRPr>
-          </a:p>
-          <a:p>
-            <a:endParaRPr lang="en-US" sz="1200" kern="1200" dirty="0" smtClean="0">
-              <a:solidFill>
-                <a:schemeClr val="tx1"/>
-              </a:solidFill>
-              <a:effectLst/>
-              <a:latin typeface="+mn-lt"/>
-              <a:ea typeface="+mn-ea"/>
-              <a:cs typeface="+mn-cs"/>
-            </a:endParaRPr>
-          </a:p>
-          <a:p>
-            <a:endParaRPr lang="ru-RU" dirty="0" smtClean="0"/>
-          </a:p>
-          <a:p>
             <a:endParaRPr lang="ru-RU" dirty="0"/>
           </a:p>
         </p:txBody>
@@ -16142,7 +16551,7 @@
             <a:fld id="{08B8C81A-D127-4942-9B26-C2CC7D2B707B}" type="slidenum">
               <a:rPr lang="ru-RU" smtClean="0"/>
               <a:pPr/>
-              <a:t>15</a:t>
+              <a:t>16</a:t>
             </a:fld>
             <a:endParaRPr lang="ru-RU"/>
           </a:p>
@@ -16151,7 +16560,7 @@
     </p:spTree>
     <p:extLst>
       <p:ext uri="{BB962C8B-B14F-4D97-AF65-F5344CB8AC3E}">
-        <p14:creationId xmlns:p14="http://schemas.microsoft.com/office/powerpoint/2010/main" val="294816865"/>
+        <p14:creationId xmlns:p14="http://schemas.microsoft.com/office/powerpoint/2010/main" val="2035781296"/>
       </p:ext>
     </p:extLst>
   </p:cSld>
@@ -16203,11 +16612,49 @@
         <p:spPr/>
         <p:txBody>
           <a:bodyPr>
-            <a:normAutofit lnSpcReduction="10000"/>
+            <a:normAutofit fontScale="92500" lnSpcReduction="20000"/>
           </a:bodyPr>
           <a:lstStyle/>
           <a:p>
             <a:r>
+              <a:rPr lang="ru-RU" dirty="0" smtClean="0"/>
+              <a:t>Во \</a:t>
+            </a:r>
+            <a:r>
+              <a:rPr lang="ru-RU" dirty="0" err="1" smtClean="0"/>
+              <a:t>textbf</a:t>
+            </a:r>
+            <a:r>
+              <a:rPr lang="ru-RU" dirty="0" smtClean="0"/>
+              <a:t>{введении} обоснована актуальность исследований, проведенных в рамках диссертации; даны общая характеристика работы и анализ исследований в области обслуживания </a:t>
+            </a:r>
+            <a:r>
+              <a:rPr lang="ru-RU" dirty="0" err="1" smtClean="0"/>
+              <a:t>информационнои</a:t>
+            </a:r>
+            <a:r>
+              <a:rPr lang="ru-RU" dirty="0" smtClean="0"/>
+              <a:t>̆ инфраструктуры предприятия; проведен обзор и дана постановка задач, на основе выявленного роста публикационной активности в рассматриваемой предметной области (по данным </a:t>
+            </a:r>
+            <a:r>
+              <a:rPr lang="ru-RU" dirty="0" err="1" smtClean="0"/>
+              <a:t>Scopus</a:t>
+            </a:r>
+            <a:r>
+              <a:rPr lang="ru-RU" dirty="0" smtClean="0"/>
+              <a:t>) обоснована актуальность проведенных исследований. \</a:t>
+            </a:r>
+            <a:r>
+              <a:rPr lang="ru-RU" dirty="0" err="1" smtClean="0"/>
+              <a:t>par</a:t>
+            </a:r>
+            <a:endParaRPr lang="ru-RU" dirty="0" smtClean="0"/>
+          </a:p>
+          <a:p>
+            <a:endParaRPr lang="ru-RU" dirty="0" smtClean="0"/>
+          </a:p>
+          <a:p>
+            <a:r>
               <a:rPr lang="ru-RU" sz="1200" kern="1200" dirty="0" smtClean="0">
                 <a:solidFill>
                   <a:schemeClr val="tx1"/>
@@ -16217,7 +16664,7 @@
                 <a:ea typeface="+mn-ea"/>
                 <a:cs typeface="+mn-cs"/>
               </a:rPr>
-              <a:t>Исследования в области интеллектуальных систем повышения </a:t>
+              <a:t>Область исследования, с </a:t>
             </a:r>
             <a:r>
               <a:rPr lang="ru-RU" sz="1200" kern="1200" dirty="0" err="1" smtClean="0">
@@ -16229,7 +16676,7 @@
                 <a:ea typeface="+mn-ea"/>
                 <a:cs typeface="+mn-cs"/>
               </a:rPr>
-              <a:t>эффек</a:t>
+              <a:t>которои</a:t>
             </a:r>
             <a:r>
               <a:rPr lang="ru-RU" sz="1200" kern="1200" dirty="0" smtClean="0">
@@ -16241,6 +16688,54 @@
                 <a:ea typeface="+mn-ea"/>
                 <a:cs typeface="+mn-cs"/>
               </a:rPr>
+              <a:t>̆ связана диссертация, является ком- </a:t>
+            </a:r>
+            <a:r>
+              <a:rPr lang="ru-RU" sz="1200" kern="1200" dirty="0" err="1" smtClean="0">
+                <a:solidFill>
+                  <a:schemeClr val="tx1"/>
+                </a:solidFill>
+                <a:effectLst/>
+                <a:latin typeface="+mn-lt"/>
+                <a:ea typeface="+mn-ea"/>
+                <a:cs typeface="+mn-cs"/>
+              </a:rPr>
+              <a:t>плекснои</a:t>
+            </a:r>
+            <a:r>
+              <a:rPr lang="ru-RU" sz="1200" kern="1200" dirty="0" smtClean="0">
+                <a:solidFill>
+                  <a:schemeClr val="tx1"/>
+                </a:solidFill>
+                <a:effectLst/>
+                <a:latin typeface="+mn-lt"/>
+                <a:ea typeface="+mn-ea"/>
+                <a:cs typeface="+mn-cs"/>
+              </a:rPr>
+              <a:t>̆ и включает в себя различные направления работ, в частности, </a:t>
+            </a:r>
+            <a:r>
+              <a:rPr lang="ru-RU" sz="1200" kern="1200" dirty="0" err="1" smtClean="0">
+                <a:solidFill>
+                  <a:schemeClr val="tx1"/>
+                </a:solidFill>
+                <a:effectLst/>
+                <a:latin typeface="+mn-lt"/>
+                <a:ea typeface="+mn-ea"/>
+                <a:cs typeface="+mn-cs"/>
+              </a:rPr>
+              <a:t>созда</a:t>
+            </a:r>
+            <a:r>
+              <a:rPr lang="ru-RU" sz="1200" kern="1200" dirty="0" smtClean="0">
+                <a:solidFill>
+                  <a:schemeClr val="tx1"/>
+                </a:solidFill>
+                <a:effectLst/>
+                <a:latin typeface="+mn-lt"/>
+                <a:ea typeface="+mn-ea"/>
+                <a:cs typeface="+mn-cs"/>
+              </a:rPr>
               <a:t>- </a:t>
             </a:r>
             <a:r>
@@ -16253,7 +16748,7 @@
                 <a:ea typeface="+mn-ea"/>
                 <a:cs typeface="+mn-cs"/>
               </a:rPr>
-              <a:t>тивности</a:t>
+              <a:t>ния</a:t>
             </a:r>
             <a:r>
               <a:rPr lang="ru-RU" sz="1200" kern="1200" dirty="0" smtClean="0">
@@ -16265,7 +16760,7 @@
                 <a:ea typeface="+mn-ea"/>
                 <a:cs typeface="+mn-cs"/>
               </a:rPr>
-              <a:t> ИТ-службы предприятия ведутся также лидерами отрасли: </a:t>
+              <a:t> различных интеллектуальных систем. Сфера применения </a:t>
             </a:r>
             <a:r>
               <a:rPr lang="ru-RU" sz="1200" kern="1200" dirty="0" err="1" smtClean="0">
@@ -16277,7 +16772,7 @@
                 <a:ea typeface="+mn-ea"/>
                 <a:cs typeface="+mn-cs"/>
               </a:rPr>
-              <a:t>компани</a:t>
+              <a:t>интеллектуаль</a:t>
             </a:r>
             <a:r>
               <a:rPr lang="ru-RU" sz="1200" kern="1200" dirty="0" smtClean="0">
@@ -16301,7 +16796,7 @@
                 <a:ea typeface="+mn-ea"/>
                 <a:cs typeface="+mn-cs"/>
               </a:rPr>
-              <a:t>ями</a:t>
+              <a:t>ных</a:t>
             </a:r>
             <a:r>
               <a:rPr lang="ru-RU" sz="1200" kern="1200" dirty="0" smtClean="0">
@@ -16313,7 +16808,7 @@
                 <a:ea typeface="+mn-ea"/>
                 <a:cs typeface="+mn-cs"/>
               </a:rPr>
-              <a:t> HP 1 и IBM 2. Например, известна многоцелевая интеллектуальная система IBM </a:t>
+              <a:t> систем обширна, например, в Институте </a:t>
             </a:r>
             <a:r>
               <a:rPr lang="ru-RU" sz="1200" kern="1200" dirty="0" err="1" smtClean="0">
@@ -16325,7 +16820,7 @@
                 <a:ea typeface="+mn-ea"/>
                 <a:cs typeface="+mn-cs"/>
               </a:rPr>
-              <a:t>Watson</a:t>
+              <a:t>Чиная</a:t>
             </a:r>
             <a:r>
               <a:rPr lang="ru-RU" sz="1200" kern="1200" dirty="0" smtClean="0">
@@ -16337,7 +16832,7 @@
                 <a:ea typeface="+mn-ea"/>
                 <a:cs typeface="+mn-cs"/>
               </a:rPr>
-              <a:t>, </a:t>
+              <a:t> (Индия) Е. </a:t>
             </a:r>
             <a:r>
               <a:rPr lang="ru-RU" sz="1200" kern="1200" dirty="0" err="1" smtClean="0">
@@ -16349,7 +16844,7 @@
                 <a:ea typeface="+mn-ea"/>
                 <a:cs typeface="+mn-cs"/>
               </a:rPr>
-              <a:t>разработкои</a:t>
+              <a:t>Джубилсоном</a:t>
             </a:r>
             <a:r>
               <a:rPr lang="ru-RU" sz="1200" kern="1200" dirty="0" smtClean="0">
@@ -16361,7 +16856,7 @@
                 <a:ea typeface="+mn-ea"/>
                 <a:cs typeface="+mn-cs"/>
               </a:rPr>
-              <a:t>̆ и исследованием </a:t>
+              <a:t> и П. </a:t>
             </a:r>
             <a:r>
               <a:rPr lang="ru-RU" sz="1200" kern="1200" dirty="0" err="1" smtClean="0">
@@ -16373,7 +16868,7 @@
                 <a:ea typeface="+mn-ea"/>
                 <a:cs typeface="+mn-cs"/>
               </a:rPr>
-              <a:t>которои</a:t>
+              <a:t>Дханавантини</a:t>
             </a:r>
             <a:r>
               <a:rPr lang="ru-RU" sz="1200" kern="1200" dirty="0" smtClean="0">
@@ -16385,7 +16880,7 @@
                 <a:ea typeface="+mn-ea"/>
                 <a:cs typeface="+mn-cs"/>
               </a:rPr>
-              <a:t>̆ занимается группа под </a:t>
+              <a:t> ведутся исследования интеллектуальных систем </a:t>
             </a:r>
             <a:r>
               <a:rPr lang="ru-RU" sz="1200" kern="1200" dirty="0" err="1" smtClean="0">
@@ -16397,7 +16892,7 @@
                 <a:ea typeface="+mn-ea"/>
                 <a:cs typeface="+mn-cs"/>
               </a:rPr>
-              <a:t>ру</a:t>
+              <a:t>обработ</a:t>
             </a:r>
             <a:r>
               <a:rPr lang="ru-RU" sz="1200" kern="1200" dirty="0" smtClean="0">
@@ -16421,7 +16916,7 @@
                 <a:ea typeface="+mn-ea"/>
                 <a:cs typeface="+mn-cs"/>
               </a:rPr>
-              <a:t>ководством</a:t>
+              <a:t>ки</a:t>
             </a:r>
             <a:r>
               <a:rPr lang="ru-RU" sz="1200" kern="1200" dirty="0" smtClean="0">
@@ -16433,7 +16928,7 @@
                 <a:ea typeface="+mn-ea"/>
                 <a:cs typeface="+mn-cs"/>
               </a:rPr>
-              <a:t> профессора А. </a:t>
+              <a:t> запросов </a:t>
             </a:r>
             <a:r>
               <a:rPr lang="ru-RU" sz="1200" kern="1200" dirty="0" err="1" smtClean="0">
@@ -16445,7 +16940,7 @@
                 <a:ea typeface="+mn-ea"/>
                 <a:cs typeface="+mn-cs"/>
               </a:rPr>
-              <a:t>Гоэля</a:t>
+              <a:t>пользователеи</a:t>
             </a:r>
             <a:r>
               <a:rPr lang="ru-RU" sz="1200" kern="1200" dirty="0" smtClean="0">
@@ -16457,952 +16952,457 @@
                 <a:ea typeface="+mn-ea"/>
                 <a:cs typeface="+mn-cs"/>
               </a:rPr>
+              <a:t>̆ в области телекоммуникаций, </a:t>
+            </a:r>
+          </a:p>
+          <a:p>
+            <a:endParaRPr lang="ru-RU" sz="1200" kern="1200" dirty="0" smtClean="0">
+              <a:solidFill>
+                <a:schemeClr val="tx1"/>
+              </a:solidFill>
+              <a:effectLst/>
+              <a:latin typeface="+mn-lt"/>
+              <a:ea typeface="+mn-ea"/>
+              <a:cs typeface="+mn-cs"/>
+            </a:endParaRPr>
+          </a:p>
+          <a:p>
+            <a:endParaRPr lang="ru-RU" sz="1200" kern="1200" dirty="0" smtClean="0">
+              <a:solidFill>
+                <a:schemeClr val="tx1"/>
+              </a:solidFill>
+              <a:effectLst/>
+              <a:latin typeface="+mn-lt"/>
+              <a:ea typeface="+mn-ea"/>
+              <a:cs typeface="+mn-cs"/>
+            </a:endParaRPr>
+          </a:p>
+          <a:p>
+            <a:endParaRPr lang="ru-RU" sz="1200" kern="1200" dirty="0" smtClean="0">
+              <a:solidFill>
+                <a:schemeClr val="tx1"/>
+              </a:solidFill>
+              <a:effectLst/>
+              <a:latin typeface="+mn-lt"/>
+              <a:ea typeface="+mn-ea"/>
+              <a:cs typeface="+mn-cs"/>
+            </a:endParaRPr>
+          </a:p>
+          <a:p>
+            <a:r>
+              <a:rPr lang="ru-RU" sz="1200" kern="1200" dirty="0" smtClean="0">
+                <a:solidFill>
+                  <a:schemeClr val="tx1"/>
+                </a:solidFill>
+                <a:effectLst/>
+                <a:latin typeface="+mn-lt"/>
+                <a:ea typeface="+mn-ea"/>
+                <a:cs typeface="+mn-cs"/>
+              </a:rPr>
+              <a:t>а в университете </a:t>
+            </a:r>
+            <a:r>
+              <a:rPr lang="ru-RU" sz="1200" kern="1200" dirty="0" err="1" smtClean="0">
+                <a:solidFill>
+                  <a:schemeClr val="tx1"/>
+                </a:solidFill>
+                <a:effectLst/>
+                <a:latin typeface="+mn-lt"/>
+                <a:ea typeface="+mn-ea"/>
+                <a:cs typeface="+mn-cs"/>
+              </a:rPr>
+              <a:t>Ган</a:t>
+            </a:r>
+            <a:r>
+              <a:rPr lang="ru-RU" sz="1200" kern="1200" dirty="0" smtClean="0">
+                <a:solidFill>
+                  <a:schemeClr val="tx1"/>
+                </a:solidFill>
+                <a:effectLst/>
+                <a:latin typeface="+mn-lt"/>
+                <a:ea typeface="+mn-ea"/>
+                <a:cs typeface="+mn-cs"/>
+              </a:rPr>
+              <a:t>- </a:t>
+            </a:r>
+            <a:r>
+              <a:rPr lang="ru-RU" sz="1200" kern="1200" dirty="0" err="1" smtClean="0">
+                <a:solidFill>
+                  <a:schemeClr val="tx1"/>
+                </a:solidFill>
+                <a:effectLst/>
+                <a:latin typeface="+mn-lt"/>
+                <a:ea typeface="+mn-ea"/>
+                <a:cs typeface="+mn-cs"/>
+              </a:rPr>
+              <a:t>новера</a:t>
+            </a:r>
+            <a:r>
+              <a:rPr lang="ru-RU" sz="1200" kern="1200" dirty="0" smtClean="0">
+                <a:solidFill>
+                  <a:schemeClr val="tx1"/>
+                </a:solidFill>
+                <a:effectLst/>
+                <a:latin typeface="+mn-lt"/>
+                <a:ea typeface="+mn-ea"/>
+                <a:cs typeface="+mn-cs"/>
+              </a:rPr>
+              <a:t> (Германия) Р. Брунс и Дж. </a:t>
+            </a:r>
+            <a:r>
+              <a:rPr lang="ru-RU" sz="1200" kern="1200" dirty="0" err="1" smtClean="0">
+                <a:solidFill>
+                  <a:schemeClr val="tx1"/>
+                </a:solidFill>
+                <a:effectLst/>
+                <a:latin typeface="+mn-lt"/>
+                <a:ea typeface="+mn-ea"/>
+                <a:cs typeface="+mn-cs"/>
+              </a:rPr>
+              <a:t>Данкель</a:t>
+            </a:r>
+            <a:r>
+              <a:rPr lang="ru-RU" sz="1200" kern="1200" dirty="0" smtClean="0">
+                <a:solidFill>
+                  <a:schemeClr val="tx1"/>
+                </a:solidFill>
+                <a:effectLst/>
+                <a:latin typeface="+mn-lt"/>
+                <a:ea typeface="+mn-ea"/>
+                <a:cs typeface="+mn-cs"/>
+              </a:rPr>
+              <a:t> разрабатывают интеллектуальные системы для обработки запросов в службу спасения с целью уменьшения </a:t>
+            </a:r>
+            <a:r>
+              <a:rPr lang="ru-RU" sz="1200" kern="1200" dirty="0" err="1" smtClean="0">
+                <a:solidFill>
+                  <a:schemeClr val="tx1"/>
+                </a:solidFill>
+                <a:effectLst/>
+                <a:latin typeface="+mn-lt"/>
+                <a:ea typeface="+mn-ea"/>
+                <a:cs typeface="+mn-cs"/>
+              </a:rPr>
+              <a:t>вре</a:t>
+            </a:r>
+            <a:r>
+              <a:rPr lang="ru-RU" sz="1200" kern="1200" dirty="0" smtClean="0">
+                <a:solidFill>
+                  <a:schemeClr val="tx1"/>
+                </a:solidFill>
+                <a:effectLst/>
+                <a:latin typeface="+mn-lt"/>
+                <a:ea typeface="+mn-ea"/>
+                <a:cs typeface="+mn-cs"/>
+              </a:rPr>
+              <a:t>- </a:t>
+            </a:r>
+            <a:r>
+              <a:rPr lang="ru-RU" sz="1200" kern="1200" dirty="0" err="1" smtClean="0">
+                <a:solidFill>
+                  <a:schemeClr val="tx1"/>
+                </a:solidFill>
+                <a:effectLst/>
+                <a:latin typeface="+mn-lt"/>
+                <a:ea typeface="+mn-ea"/>
+                <a:cs typeface="+mn-cs"/>
+              </a:rPr>
+              <a:t>мени</a:t>
+            </a:r>
+            <a:r>
+              <a:rPr lang="ru-RU" sz="1200" kern="1200" dirty="0" smtClean="0">
+                <a:solidFill>
+                  <a:schemeClr val="tx1"/>
+                </a:solidFill>
+                <a:effectLst/>
+                <a:latin typeface="+mn-lt"/>
+                <a:ea typeface="+mn-ea"/>
+                <a:cs typeface="+mn-cs"/>
+              </a:rPr>
+              <a:t> реакции на происшествие. </a:t>
+            </a:r>
+          </a:p>
+          <a:p>
+            <a:endParaRPr lang="ru-RU" sz="1200" kern="1200" dirty="0" smtClean="0">
+              <a:solidFill>
+                <a:schemeClr val="tx1"/>
+              </a:solidFill>
+              <a:effectLst/>
+              <a:latin typeface="+mn-lt"/>
+              <a:ea typeface="+mn-ea"/>
+              <a:cs typeface="+mn-cs"/>
+            </a:endParaRPr>
+          </a:p>
+          <a:p>
+            <a:r>
+              <a:rPr lang="ru-RU" sz="1200" kern="1200" dirty="0" smtClean="0">
+                <a:solidFill>
+                  <a:schemeClr val="tx1"/>
+                </a:solidFill>
+                <a:effectLst/>
+                <a:latin typeface="+mn-lt"/>
+                <a:ea typeface="+mn-ea"/>
+                <a:cs typeface="+mn-cs"/>
+              </a:rPr>
+              <a:t>В Санкт-Петербургском государственном </a:t>
+            </a:r>
+            <a:r>
+              <a:rPr lang="ru-RU" sz="1200" kern="1200" dirty="0" err="1" smtClean="0">
+                <a:solidFill>
+                  <a:schemeClr val="tx1"/>
+                </a:solidFill>
+                <a:effectLst/>
+                <a:latin typeface="+mn-lt"/>
+                <a:ea typeface="+mn-ea"/>
+                <a:cs typeface="+mn-cs"/>
+              </a:rPr>
+              <a:t>уни</a:t>
+            </a:r>
+            <a:r>
+              <a:rPr lang="ru-RU" sz="1200" kern="1200" dirty="0" smtClean="0">
+                <a:solidFill>
+                  <a:schemeClr val="tx1"/>
+                </a:solidFill>
+                <a:effectLst/>
+                <a:latin typeface="+mn-lt"/>
+                <a:ea typeface="+mn-ea"/>
+                <a:cs typeface="+mn-cs"/>
+              </a:rPr>
+              <a:t>- </a:t>
+            </a:r>
+            <a:r>
+              <a:rPr lang="ru-RU" sz="1200" kern="1200" dirty="0" err="1" smtClean="0">
+                <a:solidFill>
+                  <a:schemeClr val="tx1"/>
+                </a:solidFill>
+                <a:effectLst/>
+                <a:latin typeface="+mn-lt"/>
+                <a:ea typeface="+mn-ea"/>
+                <a:cs typeface="+mn-cs"/>
+              </a:rPr>
+              <a:t>верситете</a:t>
+            </a:r>
+            <a:r>
+              <a:rPr lang="ru-RU" sz="1200" kern="1200" dirty="0" smtClean="0">
+                <a:solidFill>
+                  <a:schemeClr val="tx1"/>
+                </a:solidFill>
+                <a:effectLst/>
+                <a:latin typeface="+mn-lt"/>
+                <a:ea typeface="+mn-ea"/>
+                <a:cs typeface="+mn-cs"/>
+              </a:rPr>
+              <a:t> под руководством В.И. Золотарева проводится оценка эффективно- </a:t>
+            </a:r>
+            <a:r>
+              <a:rPr lang="ru-RU" sz="1200" kern="1200" dirty="0" err="1" smtClean="0">
+                <a:solidFill>
+                  <a:schemeClr val="tx1"/>
+                </a:solidFill>
+                <a:effectLst/>
+                <a:latin typeface="+mn-lt"/>
+                <a:ea typeface="+mn-ea"/>
+                <a:cs typeface="+mn-cs"/>
+              </a:rPr>
+              <a:t>сти</a:t>
+            </a:r>
+            <a:r>
+              <a:rPr lang="ru-RU" sz="1200" kern="1200" dirty="0" smtClean="0">
+                <a:solidFill>
+                  <a:schemeClr val="tx1"/>
+                </a:solidFill>
+                <a:effectLst/>
+                <a:latin typeface="+mn-lt"/>
+                <a:ea typeface="+mn-ea"/>
+                <a:cs typeface="+mn-cs"/>
+              </a:rPr>
+              <a:t> службы </a:t>
+            </a:r>
+            <a:r>
+              <a:rPr lang="ru-RU" sz="1200" kern="1200" dirty="0" err="1" smtClean="0">
+                <a:solidFill>
+                  <a:schemeClr val="tx1"/>
+                </a:solidFill>
+                <a:effectLst/>
+                <a:latin typeface="+mn-lt"/>
+                <a:ea typeface="+mn-ea"/>
+                <a:cs typeface="+mn-cs"/>
+              </a:rPr>
+              <a:t>информационнои</a:t>
+            </a:r>
+            <a:r>
+              <a:rPr lang="ru-RU" sz="1200" kern="1200" dirty="0" smtClean="0">
+                <a:solidFill>
+                  <a:schemeClr val="tx1"/>
+                </a:solidFill>
+                <a:effectLst/>
+                <a:latin typeface="+mn-lt"/>
+                <a:ea typeface="+mn-ea"/>
+                <a:cs typeface="+mn-cs"/>
+              </a:rPr>
+              <a:t>̆ поддержки в Вычислительном центре СПбГУ. </a:t>
+            </a:r>
+          </a:p>
+          <a:p>
+            <a:endParaRPr lang="ru-RU" sz="1200" kern="1200" dirty="0" smtClean="0">
+              <a:solidFill>
+                <a:schemeClr val="tx1"/>
+              </a:solidFill>
+              <a:effectLst/>
+              <a:latin typeface="+mn-lt"/>
+              <a:ea typeface="+mn-ea"/>
+              <a:cs typeface="+mn-cs"/>
+            </a:endParaRPr>
+          </a:p>
+          <a:p>
+            <a:r>
+              <a:rPr lang="ru-RU" sz="1200" kern="1200" dirty="0" smtClean="0">
+                <a:solidFill>
+                  <a:schemeClr val="tx1"/>
+                </a:solidFill>
+                <a:effectLst/>
+                <a:latin typeface="+mn-lt"/>
+                <a:ea typeface="+mn-ea"/>
+                <a:cs typeface="+mn-cs"/>
+              </a:rPr>
+              <a:t>В </a:t>
+            </a:r>
+            <a:endParaRPr lang="ru-RU" dirty="0" smtClean="0"/>
+          </a:p>
+          <a:p>
+            <a:r>
+              <a:rPr lang="ru-RU" sz="1200" kern="1200" dirty="0" smtClean="0">
+                <a:solidFill>
+                  <a:schemeClr val="tx1"/>
+                </a:solidFill>
+                <a:effectLst/>
+                <a:latin typeface="+mn-lt"/>
+                <a:ea typeface="+mn-ea"/>
+                <a:cs typeface="+mn-cs"/>
+              </a:rPr>
+              <a:t>Сингапуре С. Фу и П. </a:t>
+            </a:r>
+            <a:r>
+              <a:rPr lang="ru-RU" sz="1200" kern="1200" dirty="0" err="1" smtClean="0">
+                <a:solidFill>
+                  <a:schemeClr val="tx1"/>
+                </a:solidFill>
+                <a:effectLst/>
+                <a:latin typeface="+mn-lt"/>
+                <a:ea typeface="+mn-ea"/>
+                <a:cs typeface="+mn-cs"/>
+              </a:rPr>
+              <a:t>Леонг</a:t>
+            </a:r>
+            <a:r>
+              <a:rPr lang="ru-RU" sz="1200" kern="1200" dirty="0" smtClean="0">
+                <a:solidFill>
+                  <a:schemeClr val="tx1"/>
+                </a:solidFill>
+                <a:effectLst/>
+                <a:latin typeface="+mn-lt"/>
+                <a:ea typeface="+mn-ea"/>
+                <a:cs typeface="+mn-cs"/>
+              </a:rPr>
+              <a:t> проведен анализ эффективности ИТ-службы под- 7 </a:t>
+            </a:r>
+            <a:endParaRPr lang="ru-RU" dirty="0" smtClean="0"/>
+          </a:p>
+          <a:p>
+            <a:r>
+              <a:rPr lang="ru-RU" sz="1200" kern="1200" dirty="0" err="1" smtClean="0">
+                <a:solidFill>
+                  <a:schemeClr val="tx1"/>
+                </a:solidFill>
+                <a:effectLst/>
+                <a:latin typeface="+mn-lt"/>
+                <a:ea typeface="+mn-ea"/>
+                <a:cs typeface="+mn-cs"/>
+              </a:rPr>
+              <a:t>держки</a:t>
+            </a:r>
+            <a:r>
+              <a:rPr lang="ru-RU" sz="1200" kern="1200" dirty="0" smtClean="0">
+                <a:solidFill>
+                  <a:schemeClr val="tx1"/>
+                </a:solidFill>
+                <a:effectLst/>
+                <a:latin typeface="+mn-lt"/>
+                <a:ea typeface="+mn-ea"/>
+                <a:cs typeface="+mn-cs"/>
+              </a:rPr>
+              <a:t> </a:t>
+            </a:r>
+            <a:r>
+              <a:rPr lang="ru-RU" sz="1200" kern="1200" dirty="0" err="1" smtClean="0">
+                <a:solidFill>
+                  <a:schemeClr val="tx1"/>
+                </a:solidFill>
+                <a:effectLst/>
+                <a:latin typeface="+mn-lt"/>
+                <a:ea typeface="+mn-ea"/>
+                <a:cs typeface="+mn-cs"/>
+              </a:rPr>
+              <a:t>крупнои</a:t>
+            </a:r>
+            <a:r>
+              <a:rPr lang="ru-RU" sz="1200" kern="1200" dirty="0" smtClean="0">
+                <a:solidFill>
+                  <a:schemeClr val="tx1"/>
+                </a:solidFill>
+                <a:effectLst/>
+                <a:latin typeface="+mn-lt"/>
+                <a:ea typeface="+mn-ea"/>
+                <a:cs typeface="+mn-cs"/>
+              </a:rPr>
+              <a:t>̆ компании и показана возможность автоматизации ряда про- </a:t>
+            </a:r>
+            <a:r>
+              <a:rPr lang="ru-RU" sz="1200" kern="1200" dirty="0" err="1" smtClean="0">
+                <a:solidFill>
+                  <a:schemeClr val="tx1"/>
+                </a:solidFill>
+                <a:effectLst/>
+                <a:latin typeface="+mn-lt"/>
+                <a:ea typeface="+mn-ea"/>
+                <a:cs typeface="+mn-cs"/>
+              </a:rPr>
+              <a:t>цессов</a:t>
+            </a:r>
+            <a:r>
+              <a:rPr lang="ru-RU" sz="1200" kern="1200" dirty="0" smtClean="0">
+                <a:solidFill>
+                  <a:schemeClr val="tx1"/>
+                </a:solidFill>
+                <a:effectLst/>
+                <a:latin typeface="+mn-lt"/>
+                <a:ea typeface="+mn-ea"/>
+                <a:cs typeface="+mn-cs"/>
+              </a:rPr>
               <a:t>. </a:t>
             </a:r>
-          </a:p>
-          <a:p>
-            <a:endParaRPr lang="ru-RU" dirty="0" smtClean="0"/>
-          </a:p>
-          <a:p>
-            <a:r>
-              <a:rPr lang="ru-RU" sz="1200" kern="1200" dirty="0" smtClean="0">
-                <a:solidFill>
-                  <a:schemeClr val="tx1"/>
-                </a:solidFill>
-                <a:effectLst/>
-                <a:latin typeface="+mn-lt"/>
-                <a:ea typeface="+mn-ea"/>
-                <a:cs typeface="+mn-cs"/>
-              </a:rPr>
-              <a:t>Еще одно из направлений исследований в области обработки естествен- </a:t>
-            </a:r>
-            <a:r>
-              <a:rPr lang="ru-RU" sz="1200" kern="1200" dirty="0" err="1" smtClean="0">
-                <a:solidFill>
-                  <a:schemeClr val="tx1"/>
-                </a:solidFill>
-                <a:effectLst/>
-                <a:latin typeface="+mn-lt"/>
-                <a:ea typeface="+mn-ea"/>
-                <a:cs typeface="+mn-cs"/>
-              </a:rPr>
-              <a:t>ного</a:t>
-            </a:r>
-            <a:r>
-              <a:rPr lang="ru-RU" sz="1200" kern="1200" dirty="0" smtClean="0">
-                <a:solidFill>
-                  <a:schemeClr val="tx1"/>
-                </a:solidFill>
-                <a:effectLst/>
-                <a:latin typeface="+mn-lt"/>
-                <a:ea typeface="+mn-ea"/>
-                <a:cs typeface="+mn-cs"/>
-              </a:rPr>
-              <a:t> языка составляет подход GATE 3, </a:t>
-            </a:r>
-            <a:r>
-              <a:rPr lang="ru-RU" sz="1200" kern="1200" dirty="0" err="1" smtClean="0">
-                <a:solidFill>
-                  <a:schemeClr val="tx1"/>
-                </a:solidFill>
-                <a:effectLst/>
-                <a:latin typeface="+mn-lt"/>
-                <a:ea typeface="+mn-ea"/>
-                <a:cs typeface="+mn-cs"/>
-              </a:rPr>
-              <a:t>которыи</a:t>
-            </a:r>
-            <a:r>
-              <a:rPr lang="ru-RU" sz="1200" kern="1200" dirty="0" smtClean="0">
-                <a:solidFill>
-                  <a:schemeClr val="tx1"/>
-                </a:solidFill>
-                <a:effectLst/>
-                <a:latin typeface="+mn-lt"/>
-                <a:ea typeface="+mn-ea"/>
-                <a:cs typeface="+mn-cs"/>
-              </a:rPr>
-              <a:t>̆ активно развивается в </a:t>
-            </a:r>
-            <a:r>
-              <a:rPr lang="ru-RU" sz="1200" kern="1200" dirty="0" err="1" smtClean="0">
-                <a:solidFill>
-                  <a:schemeClr val="tx1"/>
-                </a:solidFill>
-                <a:effectLst/>
-                <a:latin typeface="+mn-lt"/>
-                <a:ea typeface="+mn-ea"/>
-                <a:cs typeface="+mn-cs"/>
-              </a:rPr>
-              <a:t>универ</a:t>
-            </a:r>
-            <a:r>
-              <a:rPr lang="ru-RU" sz="1200" kern="1200" dirty="0" smtClean="0">
-                <a:solidFill>
-                  <a:schemeClr val="tx1"/>
-                </a:solidFill>
-                <a:effectLst/>
-                <a:latin typeface="+mn-lt"/>
-                <a:ea typeface="+mn-ea"/>
-                <a:cs typeface="+mn-cs"/>
-              </a:rPr>
-              <a:t>- </a:t>
-            </a:r>
-            <a:r>
-              <a:rPr lang="ru-RU" sz="1200" kern="1200" dirty="0" err="1" smtClean="0">
-                <a:solidFill>
-                  <a:schemeClr val="tx1"/>
-                </a:solidFill>
-                <a:effectLst/>
-                <a:latin typeface="+mn-lt"/>
-                <a:ea typeface="+mn-ea"/>
-                <a:cs typeface="+mn-cs"/>
-              </a:rPr>
-              <a:t>ситете</a:t>
-            </a:r>
-            <a:r>
-              <a:rPr lang="ru-RU" sz="1200" kern="1200" dirty="0" smtClean="0">
-                <a:solidFill>
-                  <a:schemeClr val="tx1"/>
-                </a:solidFill>
-                <a:effectLst/>
-                <a:latin typeface="+mn-lt"/>
-                <a:ea typeface="+mn-ea"/>
-                <a:cs typeface="+mn-cs"/>
-              </a:rPr>
-              <a:t> Шеффилда (Великобритания) под руководством Г. </a:t>
-            </a:r>
-            <a:r>
-              <a:rPr lang="ru-RU" sz="1200" kern="1200" dirty="0" err="1" smtClean="0">
-                <a:solidFill>
-                  <a:schemeClr val="tx1"/>
-                </a:solidFill>
-                <a:effectLst/>
-                <a:latin typeface="+mn-lt"/>
-                <a:ea typeface="+mn-ea"/>
-                <a:cs typeface="+mn-cs"/>
-              </a:rPr>
-              <a:t>Каллаган</a:t>
-            </a:r>
-            <a:r>
-              <a:rPr lang="ru-RU" sz="1200" kern="1200" dirty="0" smtClean="0">
-                <a:solidFill>
-                  <a:schemeClr val="tx1"/>
-                </a:solidFill>
-                <a:effectLst/>
-                <a:latin typeface="+mn-lt"/>
-                <a:ea typeface="+mn-ea"/>
-                <a:cs typeface="+mn-cs"/>
-              </a:rPr>
-              <a:t>, Л. </a:t>
-            </a:r>
-            <a:r>
-              <a:rPr lang="ru-RU" sz="1200" kern="1200" dirty="0" err="1" smtClean="0">
-                <a:solidFill>
-                  <a:schemeClr val="tx1"/>
-                </a:solidFill>
-                <a:effectLst/>
-                <a:latin typeface="+mn-lt"/>
-                <a:ea typeface="+mn-ea"/>
-                <a:cs typeface="+mn-cs"/>
-              </a:rPr>
-              <a:t>Моф</a:t>
-            </a:r>
-            <a:r>
-              <a:rPr lang="ru-RU" sz="1200" kern="1200" dirty="0" smtClean="0">
-                <a:solidFill>
-                  <a:schemeClr val="tx1"/>
-                </a:solidFill>
-                <a:effectLst/>
-                <a:latin typeface="+mn-lt"/>
-                <a:ea typeface="+mn-ea"/>
-                <a:cs typeface="+mn-cs"/>
-              </a:rPr>
-              <a:t>- фат и С. </a:t>
-            </a:r>
-            <a:r>
-              <a:rPr lang="ru-RU" sz="1200" kern="1200" dirty="0" err="1" smtClean="0">
-                <a:solidFill>
-                  <a:schemeClr val="tx1"/>
-                </a:solidFill>
-                <a:effectLst/>
-                <a:latin typeface="+mn-lt"/>
-                <a:ea typeface="+mn-ea"/>
-                <a:cs typeface="+mn-cs"/>
-              </a:rPr>
-              <a:t>Сзаз</a:t>
-            </a:r>
-            <a:r>
-              <a:rPr lang="ru-RU" sz="1200" kern="1200" dirty="0" smtClean="0">
-                <a:solidFill>
-                  <a:schemeClr val="tx1"/>
-                </a:solidFill>
-                <a:effectLst/>
-                <a:latin typeface="+mn-lt"/>
-                <a:ea typeface="+mn-ea"/>
-                <a:cs typeface="+mn-cs"/>
-              </a:rPr>
-              <a:t>. Другое направление — это </a:t>
-            </a:r>
-            <a:r>
-              <a:rPr lang="ru-RU" sz="1200" kern="1200" dirty="0" err="1" smtClean="0">
-                <a:solidFill>
-                  <a:schemeClr val="tx1"/>
-                </a:solidFill>
-                <a:effectLst/>
-                <a:latin typeface="+mn-lt"/>
-                <a:ea typeface="+mn-ea"/>
-                <a:cs typeface="+mn-cs"/>
-              </a:rPr>
-              <a:t>семантическии</a:t>
-            </a:r>
-            <a:r>
-              <a:rPr lang="ru-RU" sz="1200" kern="1200" dirty="0" smtClean="0">
-                <a:solidFill>
-                  <a:schemeClr val="tx1"/>
-                </a:solidFill>
-                <a:effectLst/>
-                <a:latin typeface="+mn-lt"/>
-                <a:ea typeface="+mn-ea"/>
-                <a:cs typeface="+mn-cs"/>
-              </a:rPr>
-              <a:t>̆ поиск, исследования в </a:t>
-            </a:r>
-            <a:r>
-              <a:rPr lang="ru-RU" sz="1200" kern="1200" dirty="0" err="1" smtClean="0">
-                <a:solidFill>
-                  <a:schemeClr val="tx1"/>
-                </a:solidFill>
-                <a:effectLst/>
-                <a:latin typeface="+mn-lt"/>
-                <a:ea typeface="+mn-ea"/>
-                <a:cs typeface="+mn-cs"/>
-              </a:rPr>
-              <a:t>этои</a:t>
-            </a:r>
-            <a:r>
-              <a:rPr lang="ru-RU" sz="1200" kern="1200" dirty="0" smtClean="0">
-                <a:solidFill>
-                  <a:schemeClr val="tx1"/>
-                </a:solidFill>
-                <a:effectLst/>
-                <a:latin typeface="+mn-lt"/>
-                <a:ea typeface="+mn-ea"/>
-                <a:cs typeface="+mn-cs"/>
-              </a:rPr>
-              <a:t>̆ области также активно ведутся в университете Шеффилда, в частности, выработан подход ”</a:t>
-            </a:r>
-            <a:r>
-              <a:rPr lang="ru-RU" sz="1200" kern="1200" dirty="0" err="1" smtClean="0">
-                <a:solidFill>
-                  <a:schemeClr val="tx1"/>
-                </a:solidFill>
-                <a:effectLst/>
-                <a:latin typeface="+mn-lt"/>
-                <a:ea typeface="+mn-ea"/>
-                <a:cs typeface="+mn-cs"/>
-              </a:rPr>
-              <a:t>Mimir</a:t>
-            </a:r>
-            <a:r>
-              <a:rPr lang="ru-RU" sz="1200" kern="1200" dirty="0" smtClean="0">
-                <a:solidFill>
-                  <a:schemeClr val="tx1"/>
-                </a:solidFill>
-                <a:effectLst/>
-                <a:latin typeface="+mn-lt"/>
-                <a:ea typeface="+mn-ea"/>
-                <a:cs typeface="+mn-cs"/>
-              </a:rPr>
-              <a:t>” , </a:t>
-            </a:r>
-            <a:r>
-              <a:rPr lang="ru-RU" sz="1200" kern="1200" dirty="0" err="1" smtClean="0">
-                <a:solidFill>
-                  <a:schemeClr val="tx1"/>
-                </a:solidFill>
-                <a:effectLst/>
-                <a:latin typeface="+mn-lt"/>
-                <a:ea typeface="+mn-ea"/>
-                <a:cs typeface="+mn-cs"/>
-              </a:rPr>
-              <a:t>которыи</a:t>
-            </a:r>
-            <a:r>
-              <a:rPr lang="ru-RU" sz="1200" kern="1200" dirty="0" smtClean="0">
-                <a:solidFill>
-                  <a:schemeClr val="tx1"/>
-                </a:solidFill>
-                <a:effectLst/>
-                <a:latin typeface="+mn-lt"/>
-                <a:ea typeface="+mn-ea"/>
-                <a:cs typeface="+mn-cs"/>
-              </a:rPr>
-              <a:t>̆ реализует возможности поиска по </a:t>
-            </a:r>
-            <a:r>
-              <a:rPr lang="ru-RU" sz="1200" kern="1200" dirty="0" err="1" smtClean="0">
-                <a:solidFill>
-                  <a:schemeClr val="tx1"/>
-                </a:solidFill>
-                <a:effectLst/>
-                <a:latin typeface="+mn-lt"/>
-                <a:ea typeface="+mn-ea"/>
-                <a:cs typeface="+mn-cs"/>
-              </a:rPr>
-              <a:t>прин</a:t>
-            </a:r>
-            <a:r>
-              <a:rPr lang="ru-RU" sz="1200" kern="1200" dirty="0" smtClean="0">
-                <a:solidFill>
-                  <a:schemeClr val="tx1"/>
-                </a:solidFill>
-                <a:effectLst/>
-                <a:latin typeface="+mn-lt"/>
-                <a:ea typeface="+mn-ea"/>
-                <a:cs typeface="+mn-cs"/>
-              </a:rPr>
-              <a:t>- </a:t>
-            </a:r>
-            <a:r>
-              <a:rPr lang="ru-RU" sz="1200" kern="1200" dirty="0" err="1" smtClean="0">
-                <a:solidFill>
-                  <a:schemeClr val="tx1"/>
-                </a:solidFill>
-                <a:effectLst/>
-                <a:latin typeface="+mn-lt"/>
-                <a:ea typeface="+mn-ea"/>
-                <a:cs typeface="+mn-cs"/>
-              </a:rPr>
-              <a:t>ципу</a:t>
-            </a:r>
-            <a:r>
-              <a:rPr lang="ru-RU" sz="1200" kern="1200" dirty="0" smtClean="0">
-                <a:solidFill>
-                  <a:schemeClr val="tx1"/>
-                </a:solidFill>
-                <a:effectLst/>
-                <a:latin typeface="+mn-lt"/>
-                <a:ea typeface="+mn-ea"/>
-                <a:cs typeface="+mn-cs"/>
-              </a:rPr>
-              <a:t> «поиск и открытие». Для организации поиска решений в соответствии с запросами </a:t>
-            </a:r>
-            <a:r>
-              <a:rPr lang="ru-RU" sz="1200" kern="1200" dirty="0" err="1" smtClean="0">
-                <a:solidFill>
-                  <a:schemeClr val="tx1"/>
-                </a:solidFill>
-                <a:effectLst/>
-                <a:latin typeface="+mn-lt"/>
-                <a:ea typeface="+mn-ea"/>
-                <a:cs typeface="+mn-cs"/>
-              </a:rPr>
-              <a:t>пользователеи</a:t>
-            </a:r>
-            <a:r>
-              <a:rPr lang="ru-RU" sz="1200" kern="1200" dirty="0" smtClean="0">
-                <a:solidFill>
-                  <a:schemeClr val="tx1"/>
-                </a:solidFill>
-                <a:effectLst/>
-                <a:latin typeface="+mn-lt"/>
-                <a:ea typeface="+mn-ea"/>
-                <a:cs typeface="+mn-cs"/>
-              </a:rPr>
-              <a:t>̆ в таких системах используются онтологии, например, широко применяется подход, </a:t>
-            </a:r>
-            <a:r>
-              <a:rPr lang="ru-RU" sz="1200" kern="1200" dirty="0" err="1" smtClean="0">
-                <a:solidFill>
-                  <a:schemeClr val="tx1"/>
-                </a:solidFill>
-                <a:effectLst/>
-                <a:latin typeface="+mn-lt"/>
-                <a:ea typeface="+mn-ea"/>
-                <a:cs typeface="+mn-cs"/>
-              </a:rPr>
-              <a:t>предложенныи</a:t>
-            </a:r>
-            <a:r>
-              <a:rPr lang="ru-RU" sz="1200" kern="1200" dirty="0" smtClean="0">
-                <a:solidFill>
-                  <a:schemeClr val="tx1"/>
-                </a:solidFill>
-                <a:effectLst/>
-                <a:latin typeface="+mn-lt"/>
-                <a:ea typeface="+mn-ea"/>
-                <a:cs typeface="+mn-cs"/>
-              </a:rPr>
-              <a:t>̆ С. Дей и А. </a:t>
-            </a:r>
-            <a:r>
-              <a:rPr lang="ru-RU" sz="1200" kern="1200" dirty="0" err="1" smtClean="0">
-                <a:solidFill>
-                  <a:schemeClr val="tx1"/>
-                </a:solidFill>
-                <a:effectLst/>
-                <a:latin typeface="+mn-lt"/>
-                <a:ea typeface="+mn-ea"/>
-                <a:cs typeface="+mn-cs"/>
-              </a:rPr>
-              <a:t>Джеймс</a:t>
-            </a:r>
-            <a:r>
-              <a:rPr lang="ru-RU" sz="1200" kern="1200" dirty="0" smtClean="0">
-                <a:solidFill>
-                  <a:schemeClr val="tx1"/>
-                </a:solidFill>
-                <a:effectLst/>
-                <a:latin typeface="+mn-lt"/>
-                <a:ea typeface="+mn-ea"/>
-                <a:cs typeface="+mn-cs"/>
-              </a:rPr>
-              <a:t> из </a:t>
-            </a:r>
-            <a:r>
-              <a:rPr lang="ru-RU" sz="1200" kern="1200" dirty="0" err="1" smtClean="0">
-                <a:solidFill>
-                  <a:schemeClr val="tx1"/>
-                </a:solidFill>
-                <a:effectLst/>
-                <a:latin typeface="+mn-lt"/>
-                <a:ea typeface="+mn-ea"/>
-                <a:cs typeface="+mn-cs"/>
-              </a:rPr>
-              <a:t>Калифор</a:t>
-            </a:r>
-            <a:r>
-              <a:rPr lang="ru-RU" sz="1200" kern="1200" dirty="0" smtClean="0">
-                <a:solidFill>
-                  <a:schemeClr val="tx1"/>
-                </a:solidFill>
-                <a:effectLst/>
-                <a:latin typeface="+mn-lt"/>
-                <a:ea typeface="+mn-ea"/>
-                <a:cs typeface="+mn-cs"/>
-              </a:rPr>
-              <a:t>- </a:t>
-            </a:r>
-            <a:r>
-              <a:rPr lang="ru-RU" sz="1200" kern="1200" dirty="0" err="1" smtClean="0">
-                <a:solidFill>
-                  <a:schemeClr val="tx1"/>
-                </a:solidFill>
-                <a:effectLst/>
-                <a:latin typeface="+mn-lt"/>
-                <a:ea typeface="+mn-ea"/>
-                <a:cs typeface="+mn-cs"/>
-              </a:rPr>
-              <a:t>нийского</a:t>
-            </a:r>
-            <a:r>
-              <a:rPr lang="ru-RU" sz="1200" kern="1200" dirty="0" smtClean="0">
-                <a:solidFill>
-                  <a:schemeClr val="tx1"/>
-                </a:solidFill>
-                <a:effectLst/>
-                <a:latin typeface="+mn-lt"/>
-                <a:ea typeface="+mn-ea"/>
-                <a:cs typeface="+mn-cs"/>
-              </a:rPr>
-              <a:t> университета (США), </a:t>
-            </a:r>
-            <a:r>
-              <a:rPr lang="ru-RU" sz="1200" kern="1200" dirty="0" err="1" smtClean="0">
-                <a:solidFill>
-                  <a:schemeClr val="tx1"/>
-                </a:solidFill>
-                <a:effectLst/>
-                <a:latin typeface="+mn-lt"/>
-                <a:ea typeface="+mn-ea"/>
-                <a:cs typeface="+mn-cs"/>
-              </a:rPr>
-              <a:t>основанныи</a:t>
-            </a:r>
-            <a:r>
-              <a:rPr lang="ru-RU" sz="1200" kern="1200" dirty="0" smtClean="0">
-                <a:solidFill>
-                  <a:schemeClr val="tx1"/>
-                </a:solidFill>
-                <a:effectLst/>
-                <a:latin typeface="+mn-lt"/>
-                <a:ea typeface="+mn-ea"/>
-                <a:cs typeface="+mn-cs"/>
-              </a:rPr>
-              <a:t>̆ на применении деревьев тегов в онтологии. </a:t>
-            </a:r>
-            <a:endParaRPr lang="ru-RU" dirty="0" smtClean="0"/>
-          </a:p>
-          <a:p>
-            <a:r>
-              <a:rPr lang="ru-RU" sz="1200" kern="1200" dirty="0" smtClean="0">
-                <a:solidFill>
-                  <a:schemeClr val="tx1"/>
-                </a:solidFill>
-                <a:effectLst/>
-                <a:latin typeface="+mn-lt"/>
-                <a:ea typeface="+mn-ea"/>
-                <a:cs typeface="+mn-cs"/>
-              </a:rPr>
-              <a:t>Для придания </a:t>
-            </a:r>
-            <a:r>
-              <a:rPr lang="ru-RU" sz="1200" kern="1200" dirty="0" err="1" smtClean="0">
-                <a:solidFill>
-                  <a:schemeClr val="tx1"/>
-                </a:solidFill>
-                <a:effectLst/>
-                <a:latin typeface="+mn-lt"/>
-                <a:ea typeface="+mn-ea"/>
-                <a:cs typeface="+mn-cs"/>
-              </a:rPr>
-              <a:t>интеллектуальнои</a:t>
-            </a:r>
-            <a:r>
-              <a:rPr lang="ru-RU" sz="1200" kern="1200" dirty="0" smtClean="0">
-                <a:solidFill>
-                  <a:schemeClr val="tx1"/>
-                </a:solidFill>
-                <a:effectLst/>
-                <a:latin typeface="+mn-lt"/>
-                <a:ea typeface="+mn-ea"/>
-                <a:cs typeface="+mn-cs"/>
-              </a:rPr>
-              <a:t>̆ системе гибкости необходимо дать </a:t>
-            </a:r>
-            <a:r>
-              <a:rPr lang="ru-RU" sz="1200" kern="1200" dirty="0" err="1" smtClean="0">
-                <a:solidFill>
-                  <a:schemeClr val="tx1"/>
-                </a:solidFill>
-                <a:effectLst/>
-                <a:latin typeface="+mn-lt"/>
-                <a:ea typeface="+mn-ea"/>
-                <a:cs typeface="+mn-cs"/>
-              </a:rPr>
-              <a:t>еи</a:t>
-            </a:r>
-            <a:r>
-              <a:rPr lang="ru-RU" sz="1200" kern="1200" dirty="0" smtClean="0">
-                <a:solidFill>
-                  <a:schemeClr val="tx1"/>
-                </a:solidFill>
-                <a:effectLst/>
-                <a:latin typeface="+mn-lt"/>
-                <a:ea typeface="+mn-ea"/>
-                <a:cs typeface="+mn-cs"/>
-              </a:rPr>
-              <a:t>̆ возможность проводить логические рассуждения. </a:t>
-            </a:r>
-            <a:r>
-              <a:rPr lang="ru-RU" sz="1200" kern="1200" dirty="0" err="1" smtClean="0">
-                <a:solidFill>
-                  <a:schemeClr val="tx1"/>
-                </a:solidFill>
-                <a:effectLst/>
-                <a:latin typeface="+mn-lt"/>
-                <a:ea typeface="+mn-ea"/>
-                <a:cs typeface="+mn-cs"/>
-              </a:rPr>
-              <a:t>Однои</a:t>
-            </a:r>
-            <a:r>
-              <a:rPr lang="ru-RU" sz="1200" kern="1200" dirty="0" smtClean="0">
-                <a:solidFill>
-                  <a:schemeClr val="tx1"/>
-                </a:solidFill>
-                <a:effectLst/>
-                <a:latin typeface="+mn-lt"/>
-                <a:ea typeface="+mn-ea"/>
-                <a:cs typeface="+mn-cs"/>
-              </a:rPr>
-              <a:t>̆ из ведущих </a:t>
-            </a:r>
-            <a:r>
-              <a:rPr lang="ru-RU" sz="1200" kern="1200" dirty="0" err="1" smtClean="0">
-                <a:solidFill>
-                  <a:schemeClr val="tx1"/>
-                </a:solidFill>
-                <a:effectLst/>
-                <a:latin typeface="+mn-lt"/>
-                <a:ea typeface="+mn-ea"/>
-                <a:cs typeface="+mn-cs"/>
-              </a:rPr>
-              <a:t>орга</a:t>
-            </a:r>
-            <a:r>
-              <a:rPr lang="ru-RU" sz="1200" kern="1200" dirty="0" smtClean="0">
-                <a:solidFill>
-                  <a:schemeClr val="tx1"/>
-                </a:solidFill>
-                <a:effectLst/>
-                <a:latin typeface="+mn-lt"/>
-                <a:ea typeface="+mn-ea"/>
-                <a:cs typeface="+mn-cs"/>
-              </a:rPr>
-              <a:t>- </a:t>
-            </a:r>
-            <a:r>
-              <a:rPr lang="ru-RU" sz="1200" kern="1200" dirty="0" err="1" smtClean="0">
-                <a:solidFill>
-                  <a:schemeClr val="tx1"/>
-                </a:solidFill>
-                <a:effectLst/>
-                <a:latin typeface="+mn-lt"/>
-                <a:ea typeface="+mn-ea"/>
-                <a:cs typeface="+mn-cs"/>
-              </a:rPr>
-              <a:t>низации</a:t>
-            </a:r>
-            <a:r>
-              <a:rPr lang="ru-RU" sz="1200" kern="1200" dirty="0" smtClean="0">
-                <a:solidFill>
-                  <a:schemeClr val="tx1"/>
-                </a:solidFill>
-                <a:effectLst/>
-                <a:latin typeface="+mn-lt"/>
-                <a:ea typeface="+mn-ea"/>
-                <a:cs typeface="+mn-cs"/>
-              </a:rPr>
-              <a:t>̆ в этом направлении исследований является консорциум </a:t>
-            </a:r>
-            <a:r>
-              <a:rPr lang="ru-RU" sz="1200" kern="1200" dirty="0" err="1" smtClean="0">
-                <a:solidFill>
-                  <a:schemeClr val="tx1"/>
-                </a:solidFill>
-                <a:effectLst/>
-                <a:latin typeface="+mn-lt"/>
-                <a:ea typeface="+mn-ea"/>
-                <a:cs typeface="+mn-cs"/>
-              </a:rPr>
-              <a:t>OpenCog</a:t>
-            </a:r>
-            <a:r>
-              <a:rPr lang="ru-RU" sz="1200" kern="1200" dirty="0" smtClean="0">
-                <a:solidFill>
-                  <a:schemeClr val="tx1"/>
-                </a:solidFill>
-                <a:effectLst/>
-                <a:latin typeface="+mn-lt"/>
-                <a:ea typeface="+mn-ea"/>
-                <a:cs typeface="+mn-cs"/>
-              </a:rPr>
-              <a:t> 4 (США). Этими работами руководит Бен </a:t>
-            </a:r>
-            <a:r>
-              <a:rPr lang="ru-RU" sz="1200" kern="1200" dirty="0" err="1" smtClean="0">
-                <a:solidFill>
-                  <a:schemeClr val="tx1"/>
-                </a:solidFill>
-                <a:effectLst/>
-                <a:latin typeface="+mn-lt"/>
-                <a:ea typeface="+mn-ea"/>
-                <a:cs typeface="+mn-cs"/>
-              </a:rPr>
-              <a:t>Герцель</a:t>
-            </a:r>
-            <a:r>
-              <a:rPr lang="ru-RU" sz="1200" kern="1200" dirty="0" smtClean="0">
-                <a:solidFill>
-                  <a:schemeClr val="tx1"/>
-                </a:solidFill>
-                <a:effectLst/>
-                <a:latin typeface="+mn-lt"/>
-                <a:ea typeface="+mn-ea"/>
-                <a:cs typeface="+mn-cs"/>
-              </a:rPr>
-              <a:t> (председатель </a:t>
-            </a:r>
-            <a:r>
-              <a:rPr lang="ru-RU" sz="1200" kern="1200" dirty="0" err="1" smtClean="0">
-                <a:solidFill>
-                  <a:schemeClr val="tx1"/>
-                </a:solidFill>
-                <a:effectLst/>
-                <a:latin typeface="+mn-lt"/>
-                <a:ea typeface="+mn-ea"/>
-                <a:cs typeface="+mn-cs"/>
-              </a:rPr>
-              <a:t>Artificial</a:t>
-            </a:r>
-            <a:r>
-              <a:rPr lang="ru-RU" sz="1200" kern="1200" dirty="0" smtClean="0">
-                <a:solidFill>
-                  <a:schemeClr val="tx1"/>
-                </a:solidFill>
-                <a:effectLst/>
-                <a:latin typeface="+mn-lt"/>
-                <a:ea typeface="+mn-ea"/>
-                <a:cs typeface="+mn-cs"/>
-              </a:rPr>
-              <a:t> </a:t>
-            </a:r>
-            <a:r>
-              <a:rPr lang="ru-RU" sz="1200" kern="1200" dirty="0" err="1" smtClean="0">
-                <a:solidFill>
-                  <a:schemeClr val="tx1"/>
-                </a:solidFill>
-                <a:effectLst/>
-                <a:latin typeface="+mn-lt"/>
-                <a:ea typeface="+mn-ea"/>
-                <a:cs typeface="+mn-cs"/>
-              </a:rPr>
-              <a:t>General</a:t>
-            </a:r>
-            <a:r>
-              <a:rPr lang="ru-RU" sz="1200" kern="1200" dirty="0" smtClean="0">
-                <a:solidFill>
-                  <a:schemeClr val="tx1"/>
-                </a:solidFill>
-                <a:effectLst/>
-                <a:latin typeface="+mn-lt"/>
-                <a:ea typeface="+mn-ea"/>
-                <a:cs typeface="+mn-cs"/>
-              </a:rPr>
-              <a:t> </a:t>
-            </a:r>
-            <a:r>
-              <a:rPr lang="ru-RU" sz="1200" kern="1200" dirty="0" err="1" smtClean="0">
-                <a:solidFill>
-                  <a:schemeClr val="tx1"/>
-                </a:solidFill>
-                <a:effectLst/>
-                <a:latin typeface="+mn-lt"/>
-                <a:ea typeface="+mn-ea"/>
-                <a:cs typeface="+mn-cs"/>
-              </a:rPr>
-              <a:t>Intelligence</a:t>
-            </a:r>
-            <a:r>
-              <a:rPr lang="ru-RU" sz="1200" kern="1200" dirty="0" smtClean="0">
-                <a:solidFill>
-                  <a:schemeClr val="tx1"/>
-                </a:solidFill>
-                <a:effectLst/>
-                <a:latin typeface="+mn-lt"/>
-                <a:ea typeface="+mn-ea"/>
-                <a:cs typeface="+mn-cs"/>
-              </a:rPr>
-              <a:t> </a:t>
-            </a:r>
-            <a:r>
-              <a:rPr lang="ru-RU" sz="1200" kern="1200" dirty="0" err="1" smtClean="0">
-                <a:solidFill>
-                  <a:schemeClr val="tx1"/>
-                </a:solidFill>
-                <a:effectLst/>
-                <a:latin typeface="+mn-lt"/>
-                <a:ea typeface="+mn-ea"/>
-                <a:cs typeface="+mn-cs"/>
-              </a:rPr>
-              <a:t>Society</a:t>
-            </a:r>
-            <a:r>
-              <a:rPr lang="ru-RU" sz="1200" kern="1200" dirty="0" smtClean="0">
-                <a:solidFill>
-                  <a:schemeClr val="tx1"/>
-                </a:solidFill>
-                <a:effectLst/>
-                <a:latin typeface="+mn-lt"/>
-                <a:ea typeface="+mn-ea"/>
-                <a:cs typeface="+mn-cs"/>
-              </a:rPr>
-              <a:t> и </a:t>
-            </a:r>
-            <a:r>
-              <a:rPr lang="ru-RU" sz="1200" kern="1200" dirty="0" err="1" smtClean="0">
-                <a:solidFill>
-                  <a:schemeClr val="tx1"/>
-                </a:solidFill>
-                <a:effectLst/>
-                <a:latin typeface="+mn-lt"/>
-                <a:ea typeface="+mn-ea"/>
-                <a:cs typeface="+mn-cs"/>
-              </a:rPr>
-              <a:t>OpenCog</a:t>
-            </a:r>
-            <a:r>
-              <a:rPr lang="ru-RU" sz="1200" kern="1200" dirty="0" smtClean="0">
-                <a:solidFill>
-                  <a:schemeClr val="tx1"/>
-                </a:solidFill>
-                <a:effectLst/>
-                <a:latin typeface="+mn-lt"/>
-                <a:ea typeface="+mn-ea"/>
-                <a:cs typeface="+mn-cs"/>
-              </a:rPr>
-              <a:t> </a:t>
-            </a:r>
-            <a:r>
-              <a:rPr lang="ru-RU" sz="1200" kern="1200" dirty="0" err="1" smtClean="0">
-                <a:solidFill>
-                  <a:schemeClr val="tx1"/>
-                </a:solidFill>
-                <a:effectLst/>
-                <a:latin typeface="+mn-lt"/>
-                <a:ea typeface="+mn-ea"/>
-                <a:cs typeface="+mn-cs"/>
-              </a:rPr>
-              <a:t>Foundation</a:t>
-            </a:r>
-            <a:r>
-              <a:rPr lang="ru-RU" sz="1200" kern="1200" dirty="0" smtClean="0">
-                <a:solidFill>
-                  <a:schemeClr val="tx1"/>
-                </a:solidFill>
-                <a:effectLst/>
-                <a:latin typeface="+mn-lt"/>
-                <a:ea typeface="+mn-ea"/>
-                <a:cs typeface="+mn-cs"/>
-              </a:rPr>
-              <a:t>) — один из мировых лидеров в об- </a:t>
-            </a:r>
-            <a:r>
-              <a:rPr lang="ru-RU" sz="1200" kern="1200" dirty="0" err="1" smtClean="0">
-                <a:solidFill>
-                  <a:schemeClr val="tx1"/>
-                </a:solidFill>
-                <a:effectLst/>
-                <a:latin typeface="+mn-lt"/>
-                <a:ea typeface="+mn-ea"/>
-                <a:cs typeface="+mn-cs"/>
-              </a:rPr>
-              <a:t>ласти</a:t>
-            </a:r>
-            <a:r>
-              <a:rPr lang="ru-RU" sz="1200" kern="1200" dirty="0" smtClean="0">
-                <a:solidFill>
-                  <a:schemeClr val="tx1"/>
-                </a:solidFill>
-                <a:effectLst/>
-                <a:latin typeface="+mn-lt"/>
-                <a:ea typeface="+mn-ea"/>
-                <a:cs typeface="+mn-cs"/>
-              </a:rPr>
-              <a:t> искусственного интеллекта. Исследования в области </a:t>
-            </a:r>
-            <a:r>
-              <a:rPr lang="ru-RU" sz="1200" kern="1200" dirty="0" err="1" smtClean="0">
-                <a:solidFill>
-                  <a:schemeClr val="tx1"/>
-                </a:solidFill>
-                <a:effectLst/>
-                <a:latin typeface="+mn-lt"/>
-                <a:ea typeface="+mn-ea"/>
-                <a:cs typeface="+mn-cs"/>
-              </a:rPr>
-              <a:t>машиннои</a:t>
-            </a:r>
-            <a:r>
-              <a:rPr lang="ru-RU" sz="1200" kern="1200" dirty="0" smtClean="0">
-                <a:solidFill>
-                  <a:schemeClr val="tx1"/>
-                </a:solidFill>
-                <a:effectLst/>
-                <a:latin typeface="+mn-lt"/>
-                <a:ea typeface="+mn-ea"/>
-                <a:cs typeface="+mn-cs"/>
-              </a:rPr>
-              <a:t>̆ логики также ведутся в рамках проекта NARS 5 под руководством профессора </a:t>
-            </a:r>
-            <a:r>
-              <a:rPr lang="ru-RU" sz="1200" kern="1200" dirty="0" err="1" smtClean="0">
-                <a:solidFill>
-                  <a:schemeClr val="tx1"/>
-                </a:solidFill>
-                <a:effectLst/>
-                <a:latin typeface="+mn-lt"/>
-                <a:ea typeface="+mn-ea"/>
-                <a:cs typeface="+mn-cs"/>
-              </a:rPr>
-              <a:t>универ</a:t>
-            </a:r>
-            <a:r>
-              <a:rPr lang="ru-RU" sz="1200" kern="1200" dirty="0" smtClean="0">
-                <a:solidFill>
-                  <a:schemeClr val="tx1"/>
-                </a:solidFill>
-                <a:effectLst/>
-                <a:latin typeface="+mn-lt"/>
-                <a:ea typeface="+mn-ea"/>
-                <a:cs typeface="+mn-cs"/>
-              </a:rPr>
-              <a:t>- </a:t>
-            </a:r>
-            <a:r>
-              <a:rPr lang="ru-RU" sz="1200" kern="1200" dirty="0" err="1" smtClean="0">
-                <a:solidFill>
-                  <a:schemeClr val="tx1"/>
-                </a:solidFill>
-                <a:effectLst/>
-                <a:latin typeface="+mn-lt"/>
-                <a:ea typeface="+mn-ea"/>
-                <a:cs typeface="+mn-cs"/>
-              </a:rPr>
-              <a:t>ситета</a:t>
-            </a:r>
-            <a:r>
-              <a:rPr lang="ru-RU" sz="1200" kern="1200" dirty="0" smtClean="0">
-                <a:solidFill>
-                  <a:schemeClr val="tx1"/>
-                </a:solidFill>
-                <a:effectLst/>
-                <a:latin typeface="+mn-lt"/>
-                <a:ea typeface="+mn-ea"/>
-                <a:cs typeface="+mn-cs"/>
-              </a:rPr>
-              <a:t> </a:t>
-            </a:r>
-            <a:r>
-              <a:rPr lang="ru-RU" sz="1200" kern="1200" dirty="0" err="1" smtClean="0">
-                <a:solidFill>
-                  <a:schemeClr val="tx1"/>
-                </a:solidFill>
-                <a:effectLst/>
-                <a:latin typeface="+mn-lt"/>
-                <a:ea typeface="+mn-ea"/>
-                <a:cs typeface="+mn-cs"/>
-              </a:rPr>
-              <a:t>Темлпа</a:t>
-            </a:r>
-            <a:r>
-              <a:rPr lang="ru-RU" sz="1200" kern="1200" dirty="0" smtClean="0">
-                <a:solidFill>
-                  <a:schemeClr val="tx1"/>
-                </a:solidFill>
-                <a:effectLst/>
-                <a:latin typeface="+mn-lt"/>
-                <a:ea typeface="+mn-ea"/>
-                <a:cs typeface="+mn-cs"/>
-              </a:rPr>
-              <a:t> (США) </a:t>
-            </a:r>
-            <a:r>
-              <a:rPr lang="ru-RU" sz="1200" kern="1200" dirty="0" err="1" smtClean="0">
-                <a:solidFill>
-                  <a:schemeClr val="tx1"/>
-                </a:solidFill>
-                <a:effectLst/>
-                <a:latin typeface="+mn-lt"/>
-                <a:ea typeface="+mn-ea"/>
-                <a:cs typeface="+mn-cs"/>
-              </a:rPr>
-              <a:t>Пея</a:t>
-            </a:r>
-            <a:r>
-              <a:rPr lang="ru-RU" sz="1200" kern="1200" dirty="0" smtClean="0">
-                <a:solidFill>
-                  <a:schemeClr val="tx1"/>
-                </a:solidFill>
-                <a:effectLst/>
-                <a:latin typeface="+mn-lt"/>
-                <a:ea typeface="+mn-ea"/>
-                <a:cs typeface="+mn-cs"/>
-              </a:rPr>
-              <a:t> Вонга. </a:t>
-            </a:r>
+            <a:endParaRPr lang="en-US" sz="1200" kern="1200" dirty="0" smtClean="0">
+              <a:solidFill>
+                <a:schemeClr val="tx1"/>
+              </a:solidFill>
+              <a:effectLst/>
+              <a:latin typeface="+mn-lt"/>
+              <a:ea typeface="+mn-ea"/>
+              <a:cs typeface="+mn-cs"/>
+            </a:endParaRPr>
+          </a:p>
+          <a:p>
+            <a:endParaRPr lang="en-US" sz="1200" kern="1200" dirty="0" smtClean="0">
+              <a:solidFill>
+                <a:schemeClr val="tx1"/>
+              </a:solidFill>
+              <a:effectLst/>
+              <a:latin typeface="+mn-lt"/>
+              <a:ea typeface="+mn-ea"/>
+              <a:cs typeface="+mn-cs"/>
+            </a:endParaRPr>
+          </a:p>
+          <a:p>
             <a:endParaRPr lang="ru-RU" dirty="0" smtClean="0"/>
           </a:p>
           <a:p>
@@ -17428,7 +17428,7 @@
             <a:fld id="{08B8C81A-D127-4942-9B26-C2CC7D2B707B}" type="slidenum">
               <a:rPr lang="ru-RU" smtClean="0"/>
               <a:pPr/>
-              <a:t>16</a:t>
+              <a:t>17</a:t>
             </a:fld>
             <a:endParaRPr lang="ru-RU"/>
           </a:p>
@@ -17437,7 +17437,7 @@
     </p:spTree>
     <p:extLst>
       <p:ext uri="{BB962C8B-B14F-4D97-AF65-F5344CB8AC3E}">
-        <p14:creationId xmlns:p14="http://schemas.microsoft.com/office/powerpoint/2010/main" val="1148956392"/>
+        <p14:creationId xmlns:p14="http://schemas.microsoft.com/office/powerpoint/2010/main" val="294816865"/>
       </p:ext>
     </p:extLst>
   </p:cSld>
@@ -17705,7 +17705,7 @@
             <a:fld id="{1D8BD707-D9CF-40AE-B4C6-C98DA3205C09}" type="datetimeFigureOut">
               <a:rPr lang="en-US" smtClean="0"/>
               <a:pPr/>
-              <a:t>4/14/16</a:t>
+              <a:t>4/15/16</a:t>
             </a:fld>
             <a:endParaRPr lang="en-US"/>
           </a:p>
@@ -18025,7 +18025,7 @@
             <a:fld id="{1D8BD707-D9CF-40AE-B4C6-C98DA3205C09}" type="datetimeFigureOut">
               <a:rPr lang="en-US" smtClean="0"/>
               <a:pPr/>
-              <a:t>4/14/16</a:t>
+              <a:t>4/15/16</a:t>
             </a:fld>
             <a:endParaRPr lang="en-US"/>
           </a:p>
@@ -18375,7 +18375,7 @@
             <a:fld id="{1D8BD707-D9CF-40AE-B4C6-C98DA3205C09}" type="datetimeFigureOut">
               <a:rPr lang="en-US" smtClean="0"/>
               <a:pPr/>
-              <a:t>4/14/16</a:t>
+              <a:t>4/15/16</a:t>
             </a:fld>
             <a:endParaRPr lang="en-US"/>
           </a:p>
@@ -19301,7 +19301,7 @@
             <a:fld id="{1D8BD707-D9CF-40AE-B4C6-C98DA3205C09}" type="datetimeFigureOut">
               <a:rPr lang="en-US" smtClean="0"/>
               <a:pPr/>
-              <a:t>4/14/16</a:t>
+              <a:t>4/15/16</a:t>
             </a:fld>
             <a:endParaRPr lang="en-US" dirty="0"/>
           </a:p>
@@ -19707,7 +19707,7 @@
             <a:fld id="{1D8BD707-D9CF-40AE-B4C6-C98DA3205C09}" type="datetimeFigureOut">
               <a:rPr lang="en-US" smtClean="0"/>
               <a:pPr/>
-              <a:t>4/14/16</a:t>
+              <a:t>4/15/16</a:t>
             </a:fld>
             <a:endParaRPr lang="en-US"/>
           </a:p>
@@ -20093,7 +20093,7 @@
             <a:fld id="{1D8BD707-D9CF-40AE-B4C6-C98DA3205C09}" type="datetimeFigureOut">
               <a:rPr lang="en-US" smtClean="0"/>
               <a:pPr/>
-              <a:t>4/14/16</a:t>
+              <a:t>4/15/16</a:t>
             </a:fld>
             <a:endParaRPr lang="en-US"/>
           </a:p>
@@ -20575,7 +20575,7 @@
             <a:fld id="{1D8BD707-D9CF-40AE-B4C6-C98DA3205C09}" type="datetimeFigureOut">
               <a:rPr lang="en-US" smtClean="0"/>
               <a:pPr/>
-              <a:t>4/14/16</a:t>
+              <a:t>4/15/16</a:t>
             </a:fld>
             <a:endParaRPr lang="en-US"/>
           </a:p>
@@ -21151,7 +21151,7 @@
             <a:fld id="{1D8BD707-D9CF-40AE-B4C6-C98DA3205C09}" type="datetimeFigureOut">
               <a:rPr lang="en-US" smtClean="0"/>
               <a:pPr/>
-              <a:t>4/14/16</a:t>
+              <a:t>4/15/16</a:t>
             </a:fld>
             <a:endParaRPr lang="en-US"/>
           </a:p>
@@ -21380,7 +21380,7 @@
             <a:fld id="{1D8BD707-D9CF-40AE-B4C6-C98DA3205C09}" type="datetimeFigureOut">
               <a:rPr lang="en-US" smtClean="0"/>
               <a:pPr/>
-              <a:t>4/14/16</a:t>
+              <a:t>4/15/16</a:t>
             </a:fld>
             <a:endParaRPr lang="en-US"/>
           </a:p>
@@ -21800,7 +21800,7 @@
             <a:fld id="{1D8BD707-D9CF-40AE-B4C6-C98DA3205C09}" type="datetimeFigureOut">
               <a:rPr lang="en-US" smtClean="0"/>
               <a:pPr/>
-              <a:t>4/14/16</a:t>
+              <a:t>4/15/16</a:t>
             </a:fld>
             <a:endParaRPr lang="en-US"/>
           </a:p>
@@ -22868,7 +22868,6 @@
               <a:rPr lang="ru-RU" sz="2000" dirty="0"/>
               <a:t> </a:t>
             </a:r>
-            <a:endParaRPr lang="ru-RU" sz="2000" dirty="0"/>
           </a:p>
         </p:txBody>
       </p:sp>
@@ -22985,7 +22984,6 @@
               <a:rPr lang="ru-RU" dirty="0"/>
               <a:t>3.3  Прототип системы</a:t>
             </a:r>
-            <a:endParaRPr lang="ru-RU" dirty="0"/>
           </a:p>
         </p:txBody>
       </p:sp>
@@ -23145,7 +23143,7 @@
           <a:p>
             <a:r>
               <a:rPr lang="ru-RU" dirty="0" smtClean="0"/>
-              <a:t>Обзор области</a:t>
+              <a:t>Анализ проекта</a:t>
             </a:r>
             <a:endParaRPr lang="ru-RU" dirty="0"/>
           </a:p>
@@ -23167,433 +23165,6 @@
           <a:lstStyle/>
           <a:p>
             <a:r>
-              <a:rPr lang="ru-RU" dirty="0" smtClean="0"/>
-              <a:t>Институт </a:t>
-            </a:r>
-            <a:r>
-              <a:rPr lang="ru-RU" dirty="0" err="1"/>
-              <a:t>Чиная</a:t>
-            </a:r>
-            <a:r>
-              <a:rPr lang="ru-RU" dirty="0"/>
-              <a:t> (Индия</a:t>
-            </a:r>
-            <a:r>
-              <a:rPr lang="ru-RU" dirty="0" smtClean="0"/>
-              <a:t>) - </a:t>
-            </a:r>
-            <a:r>
-              <a:rPr lang="ru-RU" dirty="0"/>
-              <a:t>Е. </a:t>
-            </a:r>
-            <a:r>
-              <a:rPr lang="ru-RU" dirty="0" err="1" smtClean="0"/>
-              <a:t>Джубилсон</a:t>
-            </a:r>
-            <a:r>
-              <a:rPr lang="ru-RU" dirty="0" smtClean="0"/>
-              <a:t> </a:t>
-            </a:r>
-            <a:r>
-              <a:rPr lang="ru-RU" dirty="0"/>
-              <a:t>и П. </a:t>
-            </a:r>
-            <a:r>
-              <a:rPr lang="ru-RU" dirty="0" err="1" smtClean="0"/>
-              <a:t>Дханавантини</a:t>
-            </a:r>
-            <a:r>
-              <a:rPr lang="en-US" dirty="0" smtClean="0"/>
-              <a:t>;</a:t>
-            </a:r>
-            <a:endParaRPr lang="ru-RU" dirty="0" smtClean="0"/>
-          </a:p>
-          <a:p>
-            <a:r>
-              <a:rPr lang="ru-RU" dirty="0" smtClean="0"/>
-              <a:t>Институт </a:t>
-            </a:r>
-            <a:r>
-              <a:rPr lang="ru-RU" dirty="0" err="1" smtClean="0"/>
-              <a:t>Гановера</a:t>
-            </a:r>
-            <a:r>
-              <a:rPr lang="ru-RU" dirty="0" smtClean="0"/>
-              <a:t> (Германия) – Р. Брунс и Дж. </a:t>
-            </a:r>
-            <a:r>
-              <a:rPr lang="ru-RU" dirty="0" err="1" smtClean="0"/>
-              <a:t>Данкель</a:t>
-            </a:r>
-            <a:r>
-              <a:rPr lang="en-US" dirty="0" smtClean="0"/>
-              <a:t>;</a:t>
-            </a:r>
-            <a:r>
-              <a:rPr lang="ru-RU" dirty="0" smtClean="0"/>
-              <a:t> </a:t>
-            </a:r>
-          </a:p>
-          <a:p>
-            <a:r>
-              <a:rPr lang="ru-RU" dirty="0" smtClean="0"/>
-              <a:t>СПбГУ (Россия) - В.И. Золотарев</a:t>
-            </a:r>
-            <a:r>
-              <a:rPr lang="en-US" dirty="0" smtClean="0"/>
-              <a:t>;</a:t>
-            </a:r>
-          </a:p>
-          <a:p>
-            <a:r>
-              <a:rPr lang="ru-RU" dirty="0" smtClean="0"/>
-              <a:t>Сингапур – С. Фу и П. </a:t>
-            </a:r>
-            <a:r>
-              <a:rPr lang="ru-RU" dirty="0" err="1" smtClean="0"/>
-              <a:t>Леонг</a:t>
-            </a:r>
-            <a:r>
-              <a:rPr lang="en-US" dirty="0" smtClean="0"/>
-              <a:t>.</a:t>
-            </a:r>
-            <a:endParaRPr lang="ru-RU" dirty="0"/>
-          </a:p>
-        </p:txBody>
-      </p:sp>
-    </p:spTree>
-    <p:extLst>
-      <p:ext uri="{BB962C8B-B14F-4D97-AF65-F5344CB8AC3E}">
-        <p14:creationId xmlns:p14="http://schemas.microsoft.com/office/powerpoint/2010/main" val="1780229396"/>
-      </p:ext>
-    </p:extLst>
-  </p:cSld>
-  <p:clrMapOvr>
-    <a:masterClrMapping/>
-  </p:clrMapOvr>
-</p:sld>
-</file>
-
-<file path=ppt/slides/slide16.xml><?xml version="1.0" encoding="utf-8"?>
-<p:sld xmlns:a="http://schemas.openxmlformats.org/drawingml/2006/main" xmlns:r="http://schemas.openxmlformats.org/officeDocument/2006/relationships" xmlns:p="http://schemas.openxmlformats.org/presentationml/2006/main">
-  <p:cSld>
-    <p:spTree>
-      <p:nvGrpSpPr>
-        <p:cNvPr id="1" name=""/>
-        <p:cNvGrpSpPr/>
-        <p:nvPr/>
-      </p:nvGrpSpPr>
-      <p:grpSpPr>
-        <a:xfrm>
-          <a:off x="0" y="0"/>
-          <a:ext cx="0" cy="0"/>
-          <a:chOff x="0" y="0"/>
-          <a:chExt cx="0" cy="0"/>
-        </a:xfrm>
-      </p:grpSpPr>
-      <p:sp>
-        <p:nvSpPr>
-          <p:cNvPr id="2" name="Заголовок 1"/>
-          <p:cNvSpPr>
-            <a:spLocks noGrp="1"/>
-          </p:cNvSpPr>
-          <p:nvPr>
-            <p:ph type="title"/>
-          </p:nvPr>
-        </p:nvSpPr>
-        <p:spPr/>
-        <p:txBody>
-          <a:bodyPr/>
-          <a:lstStyle/>
-          <a:p>
-            <a:r>
-              <a:rPr lang="ru-RU" dirty="0" smtClean="0"/>
-              <a:t>Обзор области</a:t>
-            </a:r>
-            <a:endParaRPr lang="ru-RU" dirty="0"/>
-          </a:p>
-        </p:txBody>
-      </p:sp>
-      <p:sp>
-        <p:nvSpPr>
-          <p:cNvPr id="3" name="Объект 2"/>
-          <p:cNvSpPr>
-            <a:spLocks noGrp="1"/>
-          </p:cNvSpPr>
-          <p:nvPr>
-            <p:ph idx="1"/>
-          </p:nvPr>
-        </p:nvSpPr>
-        <p:spPr/>
-        <p:txBody>
-          <a:bodyPr/>
-          <a:lstStyle/>
-          <a:p>
-            <a:r>
-              <a:rPr lang="en-US" dirty="0" smtClean="0"/>
-              <a:t>IBM Watson (IBM) - </a:t>
-            </a:r>
-            <a:r>
-              <a:rPr lang="ru-RU" dirty="0"/>
-              <a:t>А. </a:t>
-            </a:r>
-            <a:r>
-              <a:rPr lang="ru-RU" dirty="0" err="1" smtClean="0"/>
-              <a:t>Гоэля</a:t>
-            </a:r>
-            <a:r>
-              <a:rPr lang="en-US" dirty="0" smtClean="0"/>
-              <a:t>;</a:t>
-            </a:r>
-            <a:endParaRPr lang="ru-RU" dirty="0" smtClean="0"/>
-          </a:p>
-          <a:p>
-            <a:r>
-              <a:rPr lang="en-US" dirty="0" smtClean="0"/>
-              <a:t>GATE3 (</a:t>
-            </a:r>
-            <a:r>
-              <a:rPr lang="ru-RU" dirty="0" smtClean="0"/>
-              <a:t>Университет Шеффилда (Великобритания)</a:t>
-            </a:r>
-            <a:r>
-              <a:rPr lang="en-US" dirty="0" smtClean="0"/>
-              <a:t>)</a:t>
-            </a:r>
-            <a:r>
-              <a:rPr lang="ru-RU" dirty="0" smtClean="0"/>
-              <a:t> – Г. </a:t>
-            </a:r>
-            <a:r>
-              <a:rPr lang="ru-RU" dirty="0" err="1" smtClean="0"/>
-              <a:t>Каллаган</a:t>
-            </a:r>
-            <a:r>
-              <a:rPr lang="en-US" dirty="0" smtClean="0"/>
-              <a:t>;</a:t>
-            </a:r>
-          </a:p>
-          <a:p>
-            <a:r>
-              <a:rPr lang="en-US" dirty="0" err="1" smtClean="0"/>
-              <a:t>OpenCog</a:t>
-            </a:r>
-            <a:r>
-              <a:rPr lang="ru-RU" dirty="0" smtClean="0"/>
-              <a:t> </a:t>
-            </a:r>
-            <a:r>
-              <a:rPr lang="en-US" dirty="0" smtClean="0"/>
-              <a:t>(</a:t>
-            </a:r>
-            <a:r>
-              <a:rPr lang="ru-RU" dirty="0" smtClean="0"/>
-              <a:t>США) </a:t>
-            </a:r>
-            <a:r>
-              <a:rPr lang="ru-RU" dirty="0"/>
-              <a:t>–</a:t>
-            </a:r>
-            <a:r>
-              <a:rPr lang="ru-RU" dirty="0" smtClean="0"/>
-              <a:t> </a:t>
-            </a:r>
-            <a:r>
-              <a:rPr lang="en-US" dirty="0" smtClean="0"/>
-              <a:t> </a:t>
-            </a:r>
-            <a:r>
-              <a:rPr lang="ru-RU" dirty="0" smtClean="0"/>
-              <a:t>Б</a:t>
-            </a:r>
-            <a:r>
-              <a:rPr lang="en-US" dirty="0" smtClean="0"/>
-              <a:t>.</a:t>
-            </a:r>
-            <a:r>
-              <a:rPr lang="ru-RU" dirty="0" smtClean="0"/>
-              <a:t> </a:t>
-            </a:r>
-            <a:r>
-              <a:rPr lang="ru-RU" dirty="0" err="1" smtClean="0"/>
-              <a:t>Герцель</a:t>
-            </a:r>
-            <a:r>
-              <a:rPr lang="en-US" dirty="0" smtClean="0"/>
-              <a:t>;</a:t>
-            </a:r>
-            <a:endParaRPr lang="ru-RU" dirty="0" smtClean="0"/>
-          </a:p>
-          <a:p>
-            <a:r>
-              <a:rPr lang="en-US" dirty="0" smtClean="0"/>
-              <a:t>NARS (</a:t>
-            </a:r>
-            <a:r>
-              <a:rPr lang="ru-RU" dirty="0" smtClean="0"/>
-              <a:t>Китай) – П. Вонг</a:t>
-            </a:r>
-            <a:r>
-              <a:rPr lang="en-US" dirty="0" smtClean="0"/>
-              <a:t>.</a:t>
-            </a:r>
-          </a:p>
-          <a:p>
-            <a:endParaRPr lang="ru-RU" dirty="0" smtClean="0"/>
-          </a:p>
-          <a:p>
-            <a:endParaRPr lang="ru-RU" dirty="0"/>
-          </a:p>
-        </p:txBody>
-      </p:sp>
-    </p:spTree>
-    <p:extLst>
-      <p:ext uri="{BB962C8B-B14F-4D97-AF65-F5344CB8AC3E}">
-        <p14:creationId xmlns:p14="http://schemas.microsoft.com/office/powerpoint/2010/main" val="1931899363"/>
-      </p:ext>
-    </p:extLst>
-  </p:cSld>
-  <p:clrMapOvr>
-    <a:masterClrMapping/>
-  </p:clrMapOvr>
-</p:sld>
-</file>
-
-<file path=ppt/slides/slide17.xml><?xml version="1.0" encoding="utf-8"?>
-<p:sld xmlns:a="http://schemas.openxmlformats.org/drawingml/2006/main" xmlns:r="http://schemas.openxmlformats.org/officeDocument/2006/relationships" xmlns:p="http://schemas.openxmlformats.org/presentationml/2006/main">
-  <p:cSld>
-    <p:spTree>
-      <p:nvGrpSpPr>
-        <p:cNvPr id="1" name=""/>
-        <p:cNvGrpSpPr/>
-        <p:nvPr/>
-      </p:nvGrpSpPr>
-      <p:grpSpPr>
-        <a:xfrm>
-          <a:off x="0" y="0"/>
-          <a:ext cx="0" cy="0"/>
-          <a:chOff x="0" y="0"/>
-          <a:chExt cx="0" cy="0"/>
-        </a:xfrm>
-      </p:grpSpPr>
-      <p:sp>
-        <p:nvSpPr>
-          <p:cNvPr id="4" name="Заголовок 3"/>
-          <p:cNvSpPr>
-            <a:spLocks noGrp="1"/>
-          </p:cNvSpPr>
-          <p:nvPr>
-            <p:ph type="ctrTitle"/>
-          </p:nvPr>
-        </p:nvSpPr>
-        <p:spPr/>
-        <p:txBody>
-          <a:bodyPr/>
-          <a:lstStyle/>
-          <a:p>
-            <a:r>
-              <a:rPr lang="ru-RU" dirty="0" smtClean="0"/>
-              <a:t>Глава 1</a:t>
-            </a:r>
-            <a:br>
-              <a:rPr lang="ru-RU" dirty="0" smtClean="0"/>
-            </a:br>
-            <a:endParaRPr lang="ru-RU" dirty="0"/>
-          </a:p>
-        </p:txBody>
-      </p:sp>
-      <p:sp>
-        <p:nvSpPr>
-          <p:cNvPr id="5" name="Подзаголовок 4"/>
-          <p:cNvSpPr>
-            <a:spLocks noGrp="1"/>
-          </p:cNvSpPr>
-          <p:nvPr>
-            <p:ph type="subTitle" idx="1"/>
-          </p:nvPr>
-        </p:nvSpPr>
-        <p:spPr/>
-        <p:txBody>
-          <a:bodyPr/>
-          <a:lstStyle/>
-          <a:p>
-            <a:r>
-              <a:rPr lang="ru-RU" dirty="0" smtClean="0"/>
-              <a:t>Анализ существующих решений</a:t>
-            </a:r>
-            <a:endParaRPr lang="ru-RU" dirty="0"/>
-          </a:p>
-        </p:txBody>
-      </p:sp>
-    </p:spTree>
-    <p:extLst>
-      <p:ext uri="{BB962C8B-B14F-4D97-AF65-F5344CB8AC3E}">
-        <p14:creationId xmlns:p14="http://schemas.microsoft.com/office/powerpoint/2010/main" val="1174202079"/>
-      </p:ext>
-    </p:extLst>
-  </p:cSld>
-  <p:clrMapOvr>
-    <a:masterClrMapping/>
-  </p:clrMapOvr>
-</p:sld>
-</file>
-
-<file path=ppt/slides/slide18.xml><?xml version="1.0" encoding="utf-8"?>
-<p:sld xmlns:a="http://schemas.openxmlformats.org/drawingml/2006/main" xmlns:r="http://schemas.openxmlformats.org/officeDocument/2006/relationships" xmlns:p="http://schemas.openxmlformats.org/presentationml/2006/main">
-  <p:cSld>
-    <p:spTree>
-      <p:nvGrpSpPr>
-        <p:cNvPr id="1" name=""/>
-        <p:cNvGrpSpPr/>
-        <p:nvPr/>
-      </p:nvGrpSpPr>
-      <p:grpSpPr>
-        <a:xfrm>
-          <a:off x="0" y="0"/>
-          <a:ext cx="0" cy="0"/>
-          <a:chOff x="0" y="0"/>
-          <a:chExt cx="0" cy="0"/>
-        </a:xfrm>
-      </p:grpSpPr>
-      <p:sp>
-        <p:nvSpPr>
-          <p:cNvPr id="2" name="Заголовок 1"/>
-          <p:cNvSpPr>
-            <a:spLocks noGrp="1"/>
-          </p:cNvSpPr>
-          <p:nvPr>
-            <p:ph type="title"/>
-          </p:nvPr>
-        </p:nvSpPr>
-        <p:spPr/>
-        <p:txBody>
-          <a:bodyPr/>
-          <a:lstStyle/>
-          <a:p>
-            <a:r>
-              <a:rPr lang="ru-RU" dirty="0" smtClean="0"/>
-              <a:t>Анализ проекта</a:t>
-            </a:r>
-            <a:endParaRPr lang="ru-RU" dirty="0"/>
-          </a:p>
-        </p:txBody>
-      </p:sp>
-      <p:sp>
-        <p:nvSpPr>
-          <p:cNvPr id="3" name="Объект 2"/>
-          <p:cNvSpPr>
-            <a:spLocks noGrp="1"/>
-          </p:cNvSpPr>
-          <p:nvPr>
-            <p:ph idx="1"/>
-          </p:nvPr>
-        </p:nvSpPr>
-        <p:spPr/>
-        <p:txBody>
-          <a:bodyPr/>
-          <a:lstStyle/>
-          <a:p>
-            <a:r>
               <a:rPr lang="ru-RU" dirty="0"/>
               <a:t>Поддержка информационный структуры предприятия</a:t>
             </a:r>
@@ -23636,7 +23207,7 @@
 </p:sld>
 </file>
 
-<file path=ppt/slides/slide19.xml><?xml version="1.0" encoding="utf-8"?>
+<file path=ppt/slides/slide16.xml><?xml version="1.0" encoding="utf-8"?>
 <p:sld xmlns:a="http://schemas.openxmlformats.org/drawingml/2006/main" xmlns:r="http://schemas.openxmlformats.org/officeDocument/2006/relationships" xmlns:p="http://schemas.openxmlformats.org/presentationml/2006/main">
   <p:cSld>
     <p:spTree>
@@ -23725,6 +23296,433 @@
 </p:sld>
 </file>
 
+<file path=ppt/slides/slide17.xml><?xml version="1.0" encoding="utf-8"?>
+<p:sld xmlns:a="http://schemas.openxmlformats.org/drawingml/2006/main" xmlns:r="http://schemas.openxmlformats.org/officeDocument/2006/relationships" xmlns:p="http://schemas.openxmlformats.org/presentationml/2006/main">
+  <p:cSld>
+    <p:spTree>
+      <p:nvGrpSpPr>
+        <p:cNvPr id="1" name=""/>
+        <p:cNvGrpSpPr/>
+        <p:nvPr/>
+      </p:nvGrpSpPr>
+      <p:grpSpPr>
+        <a:xfrm>
+          <a:off x="0" y="0"/>
+          <a:ext cx="0" cy="0"/>
+          <a:chOff x="0" y="0"/>
+          <a:chExt cx="0" cy="0"/>
+        </a:xfrm>
+      </p:grpSpPr>
+      <p:sp>
+        <p:nvSpPr>
+          <p:cNvPr id="2" name="Заголовок 1"/>
+          <p:cNvSpPr>
+            <a:spLocks noGrp="1"/>
+          </p:cNvSpPr>
+          <p:nvPr>
+            <p:ph type="title"/>
+          </p:nvPr>
+        </p:nvSpPr>
+        <p:spPr/>
+        <p:txBody>
+          <a:bodyPr/>
+          <a:lstStyle/>
+          <a:p>
+            <a:r>
+              <a:rPr lang="ru-RU" dirty="0" smtClean="0"/>
+              <a:t>Обзор области</a:t>
+            </a:r>
+            <a:endParaRPr lang="ru-RU" dirty="0"/>
+          </a:p>
+        </p:txBody>
+      </p:sp>
+      <p:sp>
+        <p:nvSpPr>
+          <p:cNvPr id="3" name="Объект 2"/>
+          <p:cNvSpPr>
+            <a:spLocks noGrp="1"/>
+          </p:cNvSpPr>
+          <p:nvPr>
+            <p:ph idx="1"/>
+          </p:nvPr>
+        </p:nvSpPr>
+        <p:spPr/>
+        <p:txBody>
+          <a:bodyPr/>
+          <a:lstStyle/>
+          <a:p>
+            <a:r>
+              <a:rPr lang="ru-RU" dirty="0" smtClean="0"/>
+              <a:t>Институт </a:t>
+            </a:r>
+            <a:r>
+              <a:rPr lang="ru-RU" dirty="0" err="1"/>
+              <a:t>Чиная</a:t>
+            </a:r>
+            <a:r>
+              <a:rPr lang="ru-RU" dirty="0"/>
+              <a:t> (Индия</a:t>
+            </a:r>
+            <a:r>
+              <a:rPr lang="ru-RU" dirty="0" smtClean="0"/>
+              <a:t>) - </a:t>
+            </a:r>
+            <a:r>
+              <a:rPr lang="ru-RU" dirty="0"/>
+              <a:t>Е. </a:t>
+            </a:r>
+            <a:r>
+              <a:rPr lang="ru-RU" dirty="0" err="1" smtClean="0"/>
+              <a:t>Джубилсон</a:t>
+            </a:r>
+            <a:r>
+              <a:rPr lang="ru-RU" dirty="0" smtClean="0"/>
+              <a:t> </a:t>
+            </a:r>
+            <a:r>
+              <a:rPr lang="ru-RU" dirty="0"/>
+              <a:t>и П. </a:t>
+            </a:r>
+            <a:r>
+              <a:rPr lang="ru-RU" dirty="0" err="1" smtClean="0"/>
+              <a:t>Дханавантини</a:t>
+            </a:r>
+            <a:r>
+              <a:rPr lang="en-US" dirty="0" smtClean="0"/>
+              <a:t>;</a:t>
+            </a:r>
+            <a:endParaRPr lang="ru-RU" dirty="0" smtClean="0"/>
+          </a:p>
+          <a:p>
+            <a:r>
+              <a:rPr lang="ru-RU" dirty="0" smtClean="0"/>
+              <a:t>Институт </a:t>
+            </a:r>
+            <a:r>
+              <a:rPr lang="ru-RU" dirty="0" err="1" smtClean="0"/>
+              <a:t>Гановера</a:t>
+            </a:r>
+            <a:r>
+              <a:rPr lang="ru-RU" dirty="0" smtClean="0"/>
+              <a:t> (Германия) – Р. Брунс и Дж. </a:t>
+            </a:r>
+            <a:r>
+              <a:rPr lang="ru-RU" dirty="0" err="1" smtClean="0"/>
+              <a:t>Данкель</a:t>
+            </a:r>
+            <a:r>
+              <a:rPr lang="en-US" dirty="0" smtClean="0"/>
+              <a:t>;</a:t>
+            </a:r>
+            <a:r>
+              <a:rPr lang="ru-RU" dirty="0" smtClean="0"/>
+              <a:t> </a:t>
+            </a:r>
+          </a:p>
+          <a:p>
+            <a:r>
+              <a:rPr lang="ru-RU" dirty="0" smtClean="0"/>
+              <a:t>СПбГУ (Россия) - В.И. Золотарев</a:t>
+            </a:r>
+            <a:r>
+              <a:rPr lang="en-US" dirty="0" smtClean="0"/>
+              <a:t>;</a:t>
+            </a:r>
+          </a:p>
+          <a:p>
+            <a:r>
+              <a:rPr lang="ru-RU" dirty="0" smtClean="0"/>
+              <a:t>Сингапур – С. Фу и П. </a:t>
+            </a:r>
+            <a:r>
+              <a:rPr lang="ru-RU" dirty="0" err="1" smtClean="0"/>
+              <a:t>Леонг</a:t>
+            </a:r>
+            <a:r>
+              <a:rPr lang="en-US" dirty="0" smtClean="0"/>
+              <a:t>.</a:t>
+            </a:r>
+            <a:endParaRPr lang="ru-RU" dirty="0"/>
+          </a:p>
+        </p:txBody>
+      </p:sp>
+    </p:spTree>
+    <p:extLst>
+      <p:ext uri="{BB962C8B-B14F-4D97-AF65-F5344CB8AC3E}">
+        <p14:creationId xmlns:p14="http://schemas.microsoft.com/office/powerpoint/2010/main" val="1780229396"/>
+      </p:ext>
+    </p:extLst>
+  </p:cSld>
+  <p:clrMapOvr>
+    <a:masterClrMapping/>
+  </p:clrMapOvr>
+</p:sld>
+</file>
+
+<file path=ppt/slides/slide18.xml><?xml version="1.0" encoding="utf-8"?>
+<p:sld xmlns:a="http://schemas.openxmlformats.org/drawingml/2006/main" xmlns:r="http://schemas.openxmlformats.org/officeDocument/2006/relationships" xmlns:p="http://schemas.openxmlformats.org/presentationml/2006/main">
+  <p:cSld>
+    <p:spTree>
+      <p:nvGrpSpPr>
+        <p:cNvPr id="1" name=""/>
+        <p:cNvGrpSpPr/>
+        <p:nvPr/>
+      </p:nvGrpSpPr>
+      <p:grpSpPr>
+        <a:xfrm>
+          <a:off x="0" y="0"/>
+          <a:ext cx="0" cy="0"/>
+          <a:chOff x="0" y="0"/>
+          <a:chExt cx="0" cy="0"/>
+        </a:xfrm>
+      </p:grpSpPr>
+      <p:sp>
+        <p:nvSpPr>
+          <p:cNvPr id="2" name="Заголовок 1"/>
+          <p:cNvSpPr>
+            <a:spLocks noGrp="1"/>
+          </p:cNvSpPr>
+          <p:nvPr>
+            <p:ph type="title"/>
+          </p:nvPr>
+        </p:nvSpPr>
+        <p:spPr/>
+        <p:txBody>
+          <a:bodyPr/>
+          <a:lstStyle/>
+          <a:p>
+            <a:r>
+              <a:rPr lang="ru-RU" dirty="0" smtClean="0"/>
+              <a:t>Обзор области</a:t>
+            </a:r>
+            <a:endParaRPr lang="ru-RU" dirty="0"/>
+          </a:p>
+        </p:txBody>
+      </p:sp>
+      <p:sp>
+        <p:nvSpPr>
+          <p:cNvPr id="3" name="Объект 2"/>
+          <p:cNvSpPr>
+            <a:spLocks noGrp="1"/>
+          </p:cNvSpPr>
+          <p:nvPr>
+            <p:ph idx="1"/>
+          </p:nvPr>
+        </p:nvSpPr>
+        <p:spPr/>
+        <p:txBody>
+          <a:bodyPr/>
+          <a:lstStyle/>
+          <a:p>
+            <a:r>
+              <a:rPr lang="en-US" dirty="0" smtClean="0"/>
+              <a:t>IBM Watson (IBM) - </a:t>
+            </a:r>
+            <a:r>
+              <a:rPr lang="ru-RU" dirty="0"/>
+              <a:t>А. </a:t>
+            </a:r>
+            <a:r>
+              <a:rPr lang="ru-RU" dirty="0" err="1" smtClean="0"/>
+              <a:t>Гоэля</a:t>
+            </a:r>
+            <a:r>
+              <a:rPr lang="en-US" dirty="0" smtClean="0"/>
+              <a:t>;</a:t>
+            </a:r>
+            <a:endParaRPr lang="ru-RU" dirty="0" smtClean="0"/>
+          </a:p>
+          <a:p>
+            <a:r>
+              <a:rPr lang="en-US" dirty="0" smtClean="0"/>
+              <a:t>GATE3 (</a:t>
+            </a:r>
+            <a:r>
+              <a:rPr lang="ru-RU" dirty="0" smtClean="0"/>
+              <a:t>Университет Шеффилда (Великобритания)</a:t>
+            </a:r>
+            <a:r>
+              <a:rPr lang="en-US" dirty="0" smtClean="0"/>
+              <a:t>)</a:t>
+            </a:r>
+            <a:r>
+              <a:rPr lang="ru-RU" dirty="0" smtClean="0"/>
+              <a:t> – Г. </a:t>
+            </a:r>
+            <a:r>
+              <a:rPr lang="ru-RU" dirty="0" err="1" smtClean="0"/>
+              <a:t>Каллаган</a:t>
+            </a:r>
+            <a:r>
+              <a:rPr lang="en-US" dirty="0" smtClean="0"/>
+              <a:t>;</a:t>
+            </a:r>
+          </a:p>
+          <a:p>
+            <a:r>
+              <a:rPr lang="en-US" dirty="0" err="1" smtClean="0"/>
+              <a:t>OpenCog</a:t>
+            </a:r>
+            <a:r>
+              <a:rPr lang="ru-RU" dirty="0" smtClean="0"/>
+              <a:t> </a:t>
+            </a:r>
+            <a:r>
+              <a:rPr lang="en-US" dirty="0" smtClean="0"/>
+              <a:t>(</a:t>
+            </a:r>
+            <a:r>
+              <a:rPr lang="ru-RU" dirty="0" smtClean="0"/>
+              <a:t>США) </a:t>
+            </a:r>
+            <a:r>
+              <a:rPr lang="ru-RU" dirty="0"/>
+              <a:t>–</a:t>
+            </a:r>
+            <a:r>
+              <a:rPr lang="ru-RU" dirty="0" smtClean="0"/>
+              <a:t> </a:t>
+            </a:r>
+            <a:r>
+              <a:rPr lang="en-US" dirty="0" smtClean="0"/>
+              <a:t> </a:t>
+            </a:r>
+            <a:r>
+              <a:rPr lang="ru-RU" dirty="0" smtClean="0"/>
+              <a:t>Б</a:t>
+            </a:r>
+            <a:r>
+              <a:rPr lang="en-US" dirty="0" smtClean="0"/>
+              <a:t>.</a:t>
+            </a:r>
+            <a:r>
+              <a:rPr lang="ru-RU" dirty="0" smtClean="0"/>
+              <a:t> </a:t>
+            </a:r>
+            <a:r>
+              <a:rPr lang="ru-RU" dirty="0" err="1" smtClean="0"/>
+              <a:t>Герцель</a:t>
+            </a:r>
+            <a:r>
+              <a:rPr lang="en-US" dirty="0" smtClean="0"/>
+              <a:t>;</a:t>
+            </a:r>
+            <a:endParaRPr lang="ru-RU" dirty="0" smtClean="0"/>
+          </a:p>
+          <a:p>
+            <a:r>
+              <a:rPr lang="en-US" dirty="0" smtClean="0"/>
+              <a:t>NARS (</a:t>
+            </a:r>
+            <a:r>
+              <a:rPr lang="ru-RU" dirty="0" smtClean="0"/>
+              <a:t>Китай) – П. Вонг</a:t>
+            </a:r>
+            <a:r>
+              <a:rPr lang="en-US" dirty="0" smtClean="0"/>
+              <a:t>.</a:t>
+            </a:r>
+          </a:p>
+          <a:p>
+            <a:endParaRPr lang="ru-RU" dirty="0" smtClean="0"/>
+          </a:p>
+          <a:p>
+            <a:endParaRPr lang="ru-RU" dirty="0"/>
+          </a:p>
+        </p:txBody>
+      </p:sp>
+    </p:spTree>
+    <p:extLst>
+      <p:ext uri="{BB962C8B-B14F-4D97-AF65-F5344CB8AC3E}">
+        <p14:creationId xmlns:p14="http://schemas.microsoft.com/office/powerpoint/2010/main" val="1931899363"/>
+      </p:ext>
+    </p:extLst>
+  </p:cSld>
+  <p:clrMapOvr>
+    <a:masterClrMapping/>
+  </p:clrMapOvr>
+</p:sld>
+</file>
+
+<file path=ppt/slides/slide19.xml><?xml version="1.0" encoding="utf-8"?>
+<p:sld xmlns:a="http://schemas.openxmlformats.org/drawingml/2006/main" xmlns:r="http://schemas.openxmlformats.org/officeDocument/2006/relationships" xmlns:p="http://schemas.openxmlformats.org/presentationml/2006/main">
+  <p:cSld>
+    <p:spTree>
+      <p:nvGrpSpPr>
+        <p:cNvPr id="1" name=""/>
+        <p:cNvGrpSpPr/>
+        <p:nvPr/>
+      </p:nvGrpSpPr>
+      <p:grpSpPr>
+        <a:xfrm>
+          <a:off x="0" y="0"/>
+          <a:ext cx="0" cy="0"/>
+          <a:chOff x="0" y="0"/>
+          <a:chExt cx="0" cy="0"/>
+        </a:xfrm>
+      </p:grpSpPr>
+      <p:sp>
+        <p:nvSpPr>
+          <p:cNvPr id="4" name="Заголовок 3"/>
+          <p:cNvSpPr>
+            <a:spLocks noGrp="1"/>
+          </p:cNvSpPr>
+          <p:nvPr>
+            <p:ph type="ctrTitle"/>
+          </p:nvPr>
+        </p:nvSpPr>
+        <p:spPr/>
+        <p:txBody>
+          <a:bodyPr/>
+          <a:lstStyle/>
+          <a:p>
+            <a:r>
+              <a:rPr lang="ru-RU" dirty="0" smtClean="0"/>
+              <a:t>Глава 1</a:t>
+            </a:r>
+            <a:br>
+              <a:rPr lang="ru-RU" dirty="0" smtClean="0"/>
+            </a:br>
+            <a:endParaRPr lang="ru-RU" dirty="0"/>
+          </a:p>
+        </p:txBody>
+      </p:sp>
+      <p:sp>
+        <p:nvSpPr>
+          <p:cNvPr id="5" name="Подзаголовок 4"/>
+          <p:cNvSpPr>
+            <a:spLocks noGrp="1"/>
+          </p:cNvSpPr>
+          <p:nvPr>
+            <p:ph type="subTitle" idx="1"/>
+          </p:nvPr>
+        </p:nvSpPr>
+        <p:spPr/>
+        <p:txBody>
+          <a:bodyPr/>
+          <a:lstStyle/>
+          <a:p>
+            <a:r>
+              <a:rPr lang="ru-RU" dirty="0" smtClean="0"/>
+              <a:t>Анализ существующих решений</a:t>
+            </a:r>
+            <a:endParaRPr lang="ru-RU" dirty="0"/>
+          </a:p>
+        </p:txBody>
+      </p:sp>
+    </p:spTree>
+    <p:extLst>
+      <p:ext uri="{BB962C8B-B14F-4D97-AF65-F5344CB8AC3E}">
+        <p14:creationId xmlns:p14="http://schemas.microsoft.com/office/powerpoint/2010/main" val="1174202079"/>
+      </p:ext>
+    </p:extLst>
+  </p:cSld>
+  <p:clrMapOvr>
+    <a:masterClrMapping/>
+  </p:clrMapOvr>
+</p:sld>
+</file>
+
 <file path=ppt/slides/slide2.xml><?xml version="1.0" encoding="utf-8"?>
 <p:sld xmlns:a="http://schemas.openxmlformats.org/drawingml/2006/main" xmlns:r="http://schemas.openxmlformats.org/officeDocument/2006/relationships" xmlns:p="http://schemas.openxmlformats.org/presentationml/2006/main">
   <p:cSld>
@@ -23773,15 +23771,7 @@
             </a:pPr>
             <a:r>
               <a:rPr lang="ru-RU" dirty="0" smtClean="0"/>
-              <a:t>Тощев </a:t>
-            </a:r>
-            <a:r>
-              <a:rPr lang="ru-RU" dirty="0" smtClean="0"/>
-              <a:t>Александр </a:t>
-            </a:r>
-            <a:r>
-              <a:rPr lang="ru-RU" dirty="0" smtClean="0"/>
-              <a:t>Сергеевич</a:t>
+              <a:t>Тощев Александр Сергеевич</a:t>
             </a:r>
           </a:p>
           <a:p>
@@ -23790,15 +23780,7 @@
             </a:pPr>
             <a:r>
               <a:rPr lang="ru-RU" dirty="0" smtClean="0"/>
-              <a:t>Казанский </a:t>
-            </a:r>
-            <a:r>
-              <a:rPr lang="ru-RU" dirty="0" smtClean="0"/>
-              <a:t>(Приволжский) Федеральный </a:t>
-            </a:r>
-            <a:r>
-              <a:rPr lang="ru-RU" dirty="0" smtClean="0"/>
-              <a:t>Университет</a:t>
+              <a:t>Казанский (Приволжский) Федеральный Университет</a:t>
             </a:r>
           </a:p>
           <a:p>
@@ -28427,18 +28409,7 @@
                   </a:schemeClr>
                 </a:solidFill>
               </a:rPr>
-              <a:t>образ</a:t>
-            </a:r>
-            <a:r>
-              <a:rPr lang="ru-RU" b="1" dirty="0" smtClean="0">
-                <a:solidFill>
-                  <a:schemeClr val="bg1">
-                    <a:lumMod val="60000"/>
-                    <a:lumOff val="40000"/>
-                  </a:schemeClr>
-                </a:solidFill>
-              </a:rPr>
-              <a:t> </a:t>
+              <a:t>образ </a:t>
             </a:r>
             <a:r>
               <a:rPr lang="ru-RU" b="1" dirty="0">
@@ -29012,11 +28983,7 @@
             <a:pPr lvl="0"/>
             <a:r>
               <a:rPr lang="ru-RU" dirty="0" smtClean="0"/>
-              <a:t>Обработка </a:t>
-            </a:r>
-            <a:r>
-              <a:rPr lang="ru-RU" dirty="0" smtClean="0"/>
-              <a:t>запроса</a:t>
+              <a:t>Обработка запроса</a:t>
             </a:r>
             <a:endParaRPr lang="en" dirty="0"/>
           </a:p>
@@ -37304,11 +37271,7 @@
           <a:p>
             <a:r>
               <a:rPr lang="en-US" dirty="0" smtClean="0"/>
-              <a:t>Java </a:t>
-            </a:r>
-            <a:r>
-              <a:rPr lang="en-US" dirty="0" smtClean="0"/>
-              <a:t>1.</a:t>
+              <a:t>Java 1.</a:t>
             </a:r>
             <a:r>
               <a:rPr lang="ru-RU" dirty="0" smtClean="0"/>
@@ -37788,7 +37751,6 @@
               <a:rPr lang="ru-RU" dirty="0"/>
               <a:t>. </a:t>
             </a:r>
-            <a:endParaRPr lang="ru-RU" dirty="0"/>
           </a:p>
           <a:p>
             <a:endParaRPr lang="ru-RU" dirty="0"/>
